--- a/idea/IntelliED - Idea Description.pptx
+++ b/idea/IntelliED - Idea Description.pptx
@@ -5,20 +5,21 @@
     <p:sldMasterId id="2147484033" r:id="rId1"/>
   </p:sldMasterIdLst>
   <p:notesMasterIdLst>
-    <p:notesMasterId r:id="rId13"/>
+    <p:notesMasterId r:id="rId14"/>
   </p:notesMasterIdLst>
   <p:sldIdLst>
-    <p:sldId id="256" r:id="rId2"/>
-    <p:sldId id="320" r:id="rId3"/>
-    <p:sldId id="271" r:id="rId4"/>
-    <p:sldId id="318" r:id="rId5"/>
-    <p:sldId id="321" r:id="rId6"/>
-    <p:sldId id="322" r:id="rId7"/>
-    <p:sldId id="315" r:id="rId8"/>
-    <p:sldId id="319" r:id="rId9"/>
-    <p:sldId id="316" r:id="rId10"/>
-    <p:sldId id="265" r:id="rId11"/>
-    <p:sldId id="267" r:id="rId12"/>
+    <p:sldId id="323" r:id="rId2"/>
+    <p:sldId id="324" r:id="rId3"/>
+    <p:sldId id="320" r:id="rId4"/>
+    <p:sldId id="271" r:id="rId5"/>
+    <p:sldId id="318" r:id="rId6"/>
+    <p:sldId id="321" r:id="rId7"/>
+    <p:sldId id="322" r:id="rId8"/>
+    <p:sldId id="315" r:id="rId9"/>
+    <p:sldId id="319" r:id="rId10"/>
+    <p:sldId id="325" r:id="rId11"/>
+    <p:sldId id="265" r:id="rId12"/>
+    <p:sldId id="267" r:id="rId13"/>
   </p:sldIdLst>
   <p:sldSz cx="12192000" cy="6858000"/>
   <p:notesSz cx="6858000" cy="9144000"/>
@@ -219,7 +220,7 @@
           <a:p>
             <a:fld id="{01404B64-4171-438C-9733-626977313A31}" type="datetimeFigureOut">
               <a:rPr lang="en-IN" smtClean="0"/>
-              <a:t>24-05-2022</a:t>
+              <a:t>19-06-2022</a:t>
             </a:fld>
             <a:endParaRPr lang="en-IN"/>
           </a:p>
@@ -552,7 +553,7 @@
           <a:p>
             <a:fld id="{8224E988-F8D2-4D44-B291-0562BA0DB3B0}" type="slidenum">
               <a:rPr lang="en-IN" smtClean="0"/>
-              <a:t>2</a:t>
+              <a:t>3</a:t>
             </a:fld>
             <a:endParaRPr lang="en-IN"/>
           </a:p>
@@ -941,7 +942,7 @@
           <a:p>
             <a:fld id="{38A82531-9CF3-4853-8D5A-F3FE72D67372}" type="datetimeFigureOut">
               <a:rPr lang="en-IN" smtClean="0"/>
-              <a:t>24-05-2022</a:t>
+              <a:t>19-06-2022</a:t>
             </a:fld>
             <a:endParaRPr lang="en-IN"/>
           </a:p>
@@ -1188,7 +1189,7 @@
           <a:p>
             <a:fld id="{38A82531-9CF3-4853-8D5A-F3FE72D67372}" type="datetimeFigureOut">
               <a:rPr lang="en-IN" smtClean="0"/>
-              <a:t>24-05-2022</a:t>
+              <a:t>19-06-2022</a:t>
             </a:fld>
             <a:endParaRPr lang="en-IN"/>
           </a:p>
@@ -1574,7 +1575,7 @@
           <a:p>
             <a:fld id="{38A82531-9CF3-4853-8D5A-F3FE72D67372}" type="datetimeFigureOut">
               <a:rPr lang="en-IN" smtClean="0"/>
-              <a:t>24-05-2022</a:t>
+              <a:t>19-06-2022</a:t>
             </a:fld>
             <a:endParaRPr lang="en-IN"/>
           </a:p>
@@ -1800,7 +1801,7 @@
           <a:p>
             <a:fld id="{38A82531-9CF3-4853-8D5A-F3FE72D67372}" type="datetimeFigureOut">
               <a:rPr lang="en-IN" smtClean="0"/>
-              <a:t>24-05-2022</a:t>
+              <a:t>19-06-2022</a:t>
             </a:fld>
             <a:endParaRPr lang="en-IN"/>
           </a:p>
@@ -2279,7 +2280,7 @@
           <a:p>
             <a:fld id="{38A82531-9CF3-4853-8D5A-F3FE72D67372}" type="datetimeFigureOut">
               <a:rPr lang="en-IN" smtClean="0"/>
-              <a:t>24-05-2022</a:t>
+              <a:t>19-06-2022</a:t>
             </a:fld>
             <a:endParaRPr lang="en-IN"/>
           </a:p>
@@ -2583,7 +2584,7 @@
           <a:p>
             <a:fld id="{38A82531-9CF3-4853-8D5A-F3FE72D67372}" type="datetimeFigureOut">
               <a:rPr lang="en-IN" smtClean="0"/>
-              <a:t>24-05-2022</a:t>
+              <a:t>19-06-2022</a:t>
             </a:fld>
             <a:endParaRPr lang="en-IN"/>
           </a:p>
@@ -2974,7 +2975,7 @@
           <a:p>
             <a:fld id="{38A82531-9CF3-4853-8D5A-F3FE72D67372}" type="datetimeFigureOut">
               <a:rPr lang="en-IN" smtClean="0"/>
-              <a:t>24-05-2022</a:t>
+              <a:t>19-06-2022</a:t>
             </a:fld>
             <a:endParaRPr lang="en-IN"/>
           </a:p>
@@ -3092,7 +3093,7 @@
           <a:p>
             <a:fld id="{38A82531-9CF3-4853-8D5A-F3FE72D67372}" type="datetimeFigureOut">
               <a:rPr lang="en-IN" smtClean="0"/>
-              <a:t>24-05-2022</a:t>
+              <a:t>19-06-2022</a:t>
             </a:fld>
             <a:endParaRPr lang="en-IN"/>
           </a:p>
@@ -3187,7 +3188,7 @@
           <a:p>
             <a:fld id="{38A82531-9CF3-4853-8D5A-F3FE72D67372}" type="datetimeFigureOut">
               <a:rPr lang="en-IN" smtClean="0"/>
-              <a:t>24-05-2022</a:t>
+              <a:t>19-06-2022</a:t>
             </a:fld>
             <a:endParaRPr lang="en-IN"/>
           </a:p>
@@ -3487,7 +3488,7 @@
           <a:p>
             <a:fld id="{38A82531-9CF3-4853-8D5A-F3FE72D67372}" type="datetimeFigureOut">
               <a:rPr lang="en-IN" smtClean="0"/>
-              <a:t>24-05-2022</a:t>
+              <a:t>19-06-2022</a:t>
             </a:fld>
             <a:endParaRPr lang="en-IN"/>
           </a:p>
@@ -3752,7 +3753,7 @@
           <a:p>
             <a:fld id="{38A82531-9CF3-4853-8D5A-F3FE72D67372}" type="datetimeFigureOut">
               <a:rPr lang="en-IN" smtClean="0"/>
-              <a:t>24-05-2022</a:t>
+              <a:t>19-06-2022</a:t>
             </a:fld>
             <a:endParaRPr lang="en-IN"/>
           </a:p>
@@ -4164,7 +4165,7 @@
           <a:p>
             <a:fld id="{38A82531-9CF3-4853-8D5A-F3FE72D67372}" type="datetimeFigureOut">
               <a:rPr lang="en-IN" smtClean="0"/>
-              <a:t>24-05-2022</a:t>
+              <a:t>19-06-2022</a:t>
             </a:fld>
             <a:endParaRPr lang="en-IN"/>
           </a:p>
@@ -4697,7 +4698,7 @@
           <a:lstStyle/>
           <a:p>
             <a:r>
-              <a:rPr lang="en-US" sz="2000" i="0" cap="none" dirty="0">
+              <a:rPr lang="en-US" sz="2400" i="0" cap="none" dirty="0">
                 <a:solidFill>
                   <a:srgbClr val="00B0F0"/>
                 </a:solidFill>
@@ -4725,7 +4726,24 @@
               <a:rPr lang="en-US" sz="4000" b="1" i="0" cap="none" dirty="0">
                 <a:latin typeface="Futura Bk BT" panose="020B0502020204020303" pitchFamily="34" charset="0"/>
               </a:rPr>
-              <a:t>IntelliED</a:t>
+              <a:t>Intelli</a:t>
+            </a:r>
+            <a:r>
+              <a:rPr lang="en-US" sz="4000" b="1" i="0" cap="none" dirty="0">
+                <a:solidFill>
+                  <a:schemeClr val="tx1">
+                    <a:lumMod val="95000"/>
+                  </a:schemeClr>
+                </a:solidFill>
+                <a:latin typeface="Futura Bk BT" panose="020B0502020204020303" pitchFamily="34" charset="0"/>
+              </a:rPr>
+              <a:t>E</a:t>
+            </a:r>
+            <a:r>
+              <a:rPr lang="en-US" sz="4000" b="1" i="0" cap="none" dirty="0">
+                <a:latin typeface="Futura Bk BT" panose="020B0502020204020303" pitchFamily="34" charset="0"/>
+              </a:rPr>
+              <a:t>D</a:t>
             </a:r>
             <a:br>
               <a:rPr lang="en-US" sz="2000" i="0" cap="none" dirty="0">
@@ -4743,13 +4761,13 @@
               </a:rPr>
             </a:br>
             <a:r>
-              <a:rPr lang="en-US" sz="2000" i="0" cap="none" dirty="0">
+              <a:rPr lang="en-US" sz="2400" i="0" cap="none" dirty="0">
                 <a:solidFill>
                   <a:srgbClr val="00B0F0"/>
                 </a:solidFill>
                 <a:latin typeface="Futura Bk BT" panose="020B0502020204020303" pitchFamily="34" charset="0"/>
               </a:rPr>
-              <a:t>Description:</a:t>
+              <a:t>Short Description:</a:t>
             </a:r>
             <a:br>
               <a:rPr lang="en-US" sz="2000" i="0" cap="none" dirty="0">
@@ -4768,39 +4786,32 @@
               </a:rPr>
             </a:br>
             <a:r>
-              <a:rPr lang="en-US" sz="1800" i="0" cap="none" dirty="0">
+              <a:rPr lang="en-US" sz="2000" i="0" cap="none" dirty="0">
+                <a:solidFill>
+                  <a:schemeClr val="tx1"/>
+                </a:solidFill>
+                <a:latin typeface="Futura Bk BT" panose="020B0502020204020303" pitchFamily="34" charset="0"/>
+              </a:rPr>
+              <a:t>Enabling</a:t>
+            </a:r>
+            <a:r>
+              <a:rPr lang="en-US" sz="2000" i="0" cap="none" dirty="0">
+                <a:solidFill>
+                  <a:srgbClr val="00B0F0"/>
+                </a:solidFill>
+                <a:latin typeface="Futura Bk BT" panose="020B0502020204020303" pitchFamily="34" charset="0"/>
+              </a:rPr>
+              <a:t> </a:t>
+            </a:r>
+            <a:r>
+              <a:rPr lang="en-US" sz="1800" b="0" i="0" cap="none" dirty="0">
+                <a:solidFill>
+                  <a:schemeClr val="tx1"/>
+                </a:solidFill>
                 <a:effectLst/>
                 <a:latin typeface="Futura Bk BT" panose="020B0502020204020303" pitchFamily="34" charset="0"/>
-                <a:ea typeface="Calibri" panose="020F0502020204030204" pitchFamily="34" charset="0"/>
-              </a:rPr>
-              <a:t>IntelliED is a mobile-based software solution that provides easy data management to K-12 schools </a:t>
-            </a:r>
-            <a:r>
-              <a:rPr lang="en-US" sz="1800" i="0" cap="none" dirty="0">
-                <a:latin typeface="Futura Bk BT" panose="020B0502020204020303" pitchFamily="34" charset="0"/>
-                <a:ea typeface="Calibri" panose="020F0502020204030204" pitchFamily="34" charset="0"/>
-              </a:rPr>
-              <a:t>&amp; </a:t>
-            </a:r>
-            <a:r>
-              <a:rPr lang="en-US" sz="1800" i="0" cap="none" dirty="0">
-                <a:solidFill>
-                  <a:schemeClr val="tx1"/>
-                </a:solidFill>
-                <a:latin typeface="Futura Bk BT" panose="020B0502020204020303" pitchFamily="34" charset="0"/>
-                <a:ea typeface="Calibri" panose="020F0502020204030204" pitchFamily="34" charset="0"/>
-              </a:rPr>
-              <a:t>e</a:t>
-            </a:r>
-            <a:r>
-              <a:rPr lang="en-US" sz="1800" b="0" i="0" cap="none" dirty="0">
-                <a:solidFill>
-                  <a:schemeClr val="tx1"/>
-                </a:solidFill>
-                <a:effectLst/>
-                <a:latin typeface="Futura Bk BT" panose="020B0502020204020303" pitchFamily="34" charset="0"/>
-              </a:rPr>
-              <a:t>nable educators to leverage a data-driven approach to improve learning outcomes and equitably accelerate growth for all learners.</a:t>
+              </a:rPr>
+              <a:t>educators to leverage a data-driven approach to improve learning outcomes and equitably accelerate growth for all learners inside 1 million classrooms in India.</a:t>
             </a:r>
             <a:br>
               <a:rPr lang="en-US" sz="1800" b="0" i="0" cap="none" dirty="0">
@@ -4969,17 +4980,1177 @@
     </p:spTree>
     <p:extLst>
       <p:ext uri="{BB962C8B-B14F-4D97-AF65-F5344CB8AC3E}">
-        <p14:creationId xmlns:p14="http://schemas.microsoft.com/office/powerpoint/2010/main" val="727478177"/>
+        <p14:creationId xmlns:p14="http://schemas.microsoft.com/office/powerpoint/2010/main" val="1461317813"/>
       </p:ext>
     </p:extLst>
   </p:cSld>
   <p:clrMapOvr>
     <a:masterClrMapping/>
   </p:clrMapOvr>
+  <mc:AlternateContent xmlns:mc="http://schemas.openxmlformats.org/markup-compatibility/2006">
+    <mc:Choice xmlns:p14="http://schemas.microsoft.com/office/powerpoint/2010/main" Requires="p14">
+      <p:transition spd="med" p14:dur="700">
+        <p:fade/>
+      </p:transition>
+    </mc:Choice>
+    <mc:Fallback>
+      <p:transition spd="med">
+        <p:fade/>
+      </p:transition>
+    </mc:Fallback>
+  </mc:AlternateContent>
 </p:sld>
 </file>
 
 <file path=ppt/slides/slide10.xml><?xml version="1.0" encoding="utf-8"?>
+<p:sld xmlns:a="http://schemas.openxmlformats.org/drawingml/2006/main" xmlns:r="http://schemas.openxmlformats.org/officeDocument/2006/relationships" xmlns:p="http://schemas.openxmlformats.org/presentationml/2006/main">
+  <p:cSld>
+    <p:bg>
+      <p:bgPr>
+        <a:solidFill>
+          <a:schemeClr val="tx1">
+            <a:lumMod val="95000"/>
+            <a:lumOff val="5000"/>
+          </a:schemeClr>
+        </a:solidFill>
+        <a:effectLst/>
+      </p:bgPr>
+    </p:bg>
+    <p:spTree>
+      <p:nvGrpSpPr>
+        <p:cNvPr id="1" name=""/>
+        <p:cNvGrpSpPr/>
+        <p:nvPr/>
+      </p:nvGrpSpPr>
+      <p:grpSpPr>
+        <a:xfrm>
+          <a:off x="0" y="0"/>
+          <a:ext cx="0" cy="0"/>
+          <a:chOff x="0" y="0"/>
+          <a:chExt cx="0" cy="0"/>
+        </a:xfrm>
+      </p:grpSpPr>
+      <p:sp>
+        <p:nvSpPr>
+          <p:cNvPr id="4" name="Title 1">
+            <a:extLst>
+              <a:ext uri="{FF2B5EF4-FFF2-40B4-BE49-F238E27FC236}">
+                <a16:creationId xmlns:a16="http://schemas.microsoft.com/office/drawing/2014/main" id="{883BEF76-8C78-4E7C-B7ED-87ACBDAC16D8}"/>
+              </a:ext>
+            </a:extLst>
+          </p:cNvPr>
+          <p:cNvSpPr txBox="1">
+            <a:spLocks/>
+          </p:cNvSpPr>
+          <p:nvPr/>
+        </p:nvSpPr>
+        <p:spPr>
+          <a:xfrm>
+            <a:off x="806717" y="699304"/>
+            <a:ext cx="7292254" cy="835581"/>
+          </a:xfrm>
+          <a:prstGeom prst="rect">
+            <a:avLst/>
+          </a:prstGeom>
+        </p:spPr>
+        <p:txBody>
+          <a:bodyPr vert="horz" lIns="91440" tIns="45720" rIns="91440" bIns="45720" rtlCol="0" anchor="t">
+            <a:noAutofit/>
+          </a:bodyPr>
+          <a:lstStyle>
+            <a:lvl1pPr algn="r" defTabSz="914400" rtl="0" eaLnBrk="1" latinLnBrk="0" hangingPunct="1">
+              <a:lnSpc>
+                <a:spcPct val="90000"/>
+              </a:lnSpc>
+              <a:spcBef>
+                <a:spcPct val="0"/>
+              </a:spcBef>
+              <a:buNone/>
+              <a:defRPr sz="5000" b="0" i="1" kern="1200" baseline="0">
+                <a:solidFill>
+                  <a:schemeClr val="accent1"/>
+                </a:solidFill>
+                <a:latin typeface="+mj-lt"/>
+                <a:ea typeface="+mj-ea"/>
+                <a:cs typeface="+mj-cs"/>
+              </a:defRPr>
+            </a:lvl1pPr>
+          </a:lstStyle>
+          <a:p>
+            <a:pPr algn="l"/>
+            <a:r>
+              <a:rPr lang="en-IN" sz="4000" b="1" i="0" dirty="0">
+                <a:solidFill>
+                  <a:srgbClr val="00B0F0"/>
+                </a:solidFill>
+                <a:latin typeface="Futura Bk BT" panose="020B0502020204020303" pitchFamily="34" charset="0"/>
+              </a:rPr>
+              <a:t>Other advantages of IntelliED</a:t>
+            </a:r>
+          </a:p>
+        </p:txBody>
+      </p:sp>
+      <p:sp>
+        <p:nvSpPr>
+          <p:cNvPr id="6" name="TextBox 5">
+            <a:extLst>
+              <a:ext uri="{FF2B5EF4-FFF2-40B4-BE49-F238E27FC236}">
+                <a16:creationId xmlns:a16="http://schemas.microsoft.com/office/drawing/2014/main" id="{C8F04F20-FF5E-4F5F-883E-3785074E1DDF}"/>
+              </a:ext>
+            </a:extLst>
+          </p:cNvPr>
+          <p:cNvSpPr txBox="1"/>
+          <p:nvPr/>
+        </p:nvSpPr>
+        <p:spPr>
+          <a:xfrm>
+            <a:off x="806717" y="1600199"/>
+            <a:ext cx="9458512" cy="4375557"/>
+          </a:xfrm>
+          <a:prstGeom prst="rect">
+            <a:avLst/>
+          </a:prstGeom>
+          <a:noFill/>
+        </p:spPr>
+        <p:txBody>
+          <a:bodyPr wrap="square" rtlCol="0">
+            <a:spAutoFit/>
+          </a:bodyPr>
+          <a:lstStyle/>
+          <a:p>
+            <a:pPr>
+              <a:lnSpc>
+                <a:spcPct val="150000"/>
+              </a:lnSpc>
+              <a:spcAft>
+                <a:spcPts val="800"/>
+              </a:spcAft>
+              <a:buClr>
+                <a:srgbClr val="92D050"/>
+              </a:buClr>
+            </a:pPr>
+            <a:r>
+              <a:rPr lang="en-IN" dirty="0">
+                <a:solidFill>
+                  <a:schemeClr val="bg2"/>
+                </a:solidFill>
+                <a:latin typeface="Arial" panose="020B0604020202020204" pitchFamily="34" charset="0"/>
+              </a:rPr>
+              <a:t>☑</a:t>
+            </a:r>
+            <a:r>
+              <a:rPr lang="en-IN" dirty="0">
+                <a:solidFill>
+                  <a:schemeClr val="bg2"/>
+                </a:solidFill>
+                <a:latin typeface="Arial" panose="020B0604020202020204" pitchFamily="34" charset="0"/>
+                <a:ea typeface="Times New Roman" panose="02020603050405020304" pitchFamily="18" charset="0"/>
+              </a:rPr>
+              <a:t> Can be accessed on personal devices under low-resource setting (both android &amp; iOS)</a:t>
+            </a:r>
+          </a:p>
+          <a:p>
+            <a:pPr>
+              <a:lnSpc>
+                <a:spcPct val="150000"/>
+              </a:lnSpc>
+              <a:spcAft>
+                <a:spcPts val="800"/>
+              </a:spcAft>
+              <a:buClr>
+                <a:srgbClr val="92D050"/>
+              </a:buClr>
+            </a:pPr>
+            <a:r>
+              <a:rPr lang="en-IN" dirty="0">
+                <a:solidFill>
+                  <a:srgbClr val="00B0F0"/>
+                </a:solidFill>
+                <a:latin typeface="Arial" panose="020B0604020202020204" pitchFamily="34" charset="0"/>
+              </a:rPr>
+              <a:t>☑</a:t>
+            </a:r>
+            <a:r>
+              <a:rPr lang="en-IN" dirty="0">
+                <a:solidFill>
+                  <a:schemeClr val="bg2"/>
+                </a:solidFill>
+                <a:latin typeface="Arial" panose="020B0604020202020204" pitchFamily="34" charset="0"/>
+                <a:ea typeface="Times New Roman" panose="02020603050405020304" pitchFamily="18" charset="0"/>
+              </a:rPr>
+              <a:t> </a:t>
+            </a:r>
+            <a:r>
+              <a:rPr lang="en-IN" dirty="0">
+                <a:solidFill>
+                  <a:srgbClr val="00B0F0"/>
+                </a:solidFill>
+                <a:latin typeface="Arial" panose="020B0604020202020204" pitchFamily="34" charset="0"/>
+                <a:ea typeface="Times New Roman" panose="02020603050405020304" pitchFamily="18" charset="0"/>
+                <a:cs typeface="Arial" panose="020B0604020202020204" pitchFamily="34" charset="0"/>
+              </a:rPr>
+              <a:t>Easy to use without much technical expertise</a:t>
+            </a:r>
+          </a:p>
+          <a:p>
+            <a:pPr>
+              <a:lnSpc>
+                <a:spcPct val="150000"/>
+              </a:lnSpc>
+              <a:spcAft>
+                <a:spcPts val="800"/>
+              </a:spcAft>
+              <a:buClr>
+                <a:srgbClr val="92D050"/>
+              </a:buClr>
+            </a:pPr>
+            <a:r>
+              <a:rPr lang="en-IN" dirty="0">
+                <a:solidFill>
+                  <a:schemeClr val="bg2"/>
+                </a:solidFill>
+                <a:latin typeface="Arial" panose="020B0604020202020204" pitchFamily="34" charset="0"/>
+              </a:rPr>
+              <a:t>☑</a:t>
+            </a:r>
+            <a:r>
+              <a:rPr lang="en-IN" dirty="0">
+                <a:solidFill>
+                  <a:schemeClr val="bg1"/>
+                </a:solidFill>
+                <a:latin typeface="Arial" panose="020B0604020202020204" pitchFamily="34" charset="0"/>
+                <a:ea typeface="Times New Roman" panose="02020603050405020304" pitchFamily="18" charset="0"/>
+              </a:rPr>
+              <a:t> Help teachers to cater learning needs of a diverse cohort</a:t>
+            </a:r>
+          </a:p>
+          <a:p>
+            <a:pPr>
+              <a:lnSpc>
+                <a:spcPct val="150000"/>
+              </a:lnSpc>
+              <a:spcAft>
+                <a:spcPts val="800"/>
+              </a:spcAft>
+              <a:buClr>
+                <a:srgbClr val="92D050"/>
+              </a:buClr>
+            </a:pPr>
+            <a:r>
+              <a:rPr lang="en-IN" dirty="0">
+                <a:solidFill>
+                  <a:srgbClr val="00B0F0"/>
+                </a:solidFill>
+                <a:latin typeface="Arial" panose="020B0604020202020204" pitchFamily="34" charset="0"/>
+              </a:rPr>
+              <a:t>☑</a:t>
+            </a:r>
+            <a:r>
+              <a:rPr lang="en-IN" dirty="0">
+                <a:solidFill>
+                  <a:schemeClr val="bg2"/>
+                </a:solidFill>
+                <a:latin typeface="Arial" panose="020B0604020202020204" pitchFamily="34" charset="0"/>
+              </a:rPr>
+              <a:t> </a:t>
+            </a:r>
+            <a:r>
+              <a:rPr lang="en-IN" dirty="0">
+                <a:solidFill>
+                  <a:srgbClr val="00B0F0"/>
+                </a:solidFill>
+                <a:latin typeface="Arial" panose="020B0604020202020204" pitchFamily="34" charset="0"/>
+                <a:ea typeface="Times New Roman" panose="02020603050405020304" pitchFamily="18" charset="0"/>
+              </a:rPr>
+              <a:t>R</a:t>
+            </a:r>
+            <a:r>
+              <a:rPr lang="en-IN" dirty="0">
+                <a:solidFill>
+                  <a:srgbClr val="00B0F0"/>
+                </a:solidFill>
+                <a:effectLst/>
+                <a:latin typeface="Arial" panose="020B0604020202020204" pitchFamily="34" charset="0"/>
+                <a:ea typeface="Times New Roman" panose="02020603050405020304" pitchFamily="18" charset="0"/>
+              </a:rPr>
+              <a:t>educes human reporting errors</a:t>
+            </a:r>
+            <a:endParaRPr lang="en-IN" dirty="0">
+              <a:solidFill>
+                <a:srgbClr val="00B0F0"/>
+              </a:solidFill>
+              <a:latin typeface="Arial" panose="020B0604020202020204" pitchFamily="34" charset="0"/>
+            </a:endParaRPr>
+          </a:p>
+          <a:p>
+            <a:pPr>
+              <a:lnSpc>
+                <a:spcPct val="150000"/>
+              </a:lnSpc>
+              <a:spcAft>
+                <a:spcPts val="800"/>
+              </a:spcAft>
+              <a:buClr>
+                <a:srgbClr val="92D050"/>
+              </a:buClr>
+            </a:pPr>
+            <a:r>
+              <a:rPr lang="en-IN" dirty="0">
+                <a:solidFill>
+                  <a:schemeClr val="bg2"/>
+                </a:solidFill>
+                <a:latin typeface="Arial" panose="020B0604020202020204" pitchFamily="34" charset="0"/>
+              </a:rPr>
+              <a:t>☑</a:t>
+            </a:r>
+            <a:r>
+              <a:rPr lang="en-IN" dirty="0">
+                <a:solidFill>
+                  <a:schemeClr val="bg2"/>
+                </a:solidFill>
+                <a:latin typeface="Arial" panose="020B0604020202020204" pitchFamily="34" charset="0"/>
+                <a:ea typeface="Times New Roman" panose="02020603050405020304" pitchFamily="18" charset="0"/>
+              </a:rPr>
+              <a:t> A</a:t>
+            </a:r>
+            <a:r>
+              <a:rPr lang="en-IN" dirty="0">
+                <a:solidFill>
+                  <a:schemeClr val="bg2"/>
+                </a:solidFill>
+                <a:latin typeface="Arial" panose="020B0604020202020204" pitchFamily="34" charset="0"/>
+              </a:rPr>
+              <a:t>utomates routine administrative tasks &amp; Saves time</a:t>
+            </a:r>
+          </a:p>
+          <a:p>
+            <a:pPr>
+              <a:lnSpc>
+                <a:spcPct val="150000"/>
+              </a:lnSpc>
+              <a:spcAft>
+                <a:spcPts val="800"/>
+              </a:spcAft>
+              <a:buClr>
+                <a:srgbClr val="92D050"/>
+              </a:buClr>
+            </a:pPr>
+            <a:r>
+              <a:rPr lang="en-IN" dirty="0">
+                <a:solidFill>
+                  <a:srgbClr val="00B0F0"/>
+                </a:solidFill>
+                <a:latin typeface="Arial" panose="020B0604020202020204" pitchFamily="34" charset="0"/>
+              </a:rPr>
+              <a:t>☑ Eliminates the use of paper </a:t>
+            </a:r>
+          </a:p>
+          <a:p>
+            <a:pPr>
+              <a:lnSpc>
+                <a:spcPct val="150000"/>
+              </a:lnSpc>
+              <a:spcAft>
+                <a:spcPts val="800"/>
+              </a:spcAft>
+              <a:buClr>
+                <a:srgbClr val="92D050"/>
+              </a:buClr>
+            </a:pPr>
+            <a:endParaRPr lang="en-IN" dirty="0">
+              <a:solidFill>
+                <a:srgbClr val="0D0D0D"/>
+              </a:solidFill>
+              <a:latin typeface="Arial" panose="020B0604020202020204" pitchFamily="34" charset="0"/>
+            </a:endParaRPr>
+          </a:p>
+          <a:p>
+            <a:pPr marL="285750" indent="-285750" algn="just">
+              <a:spcAft>
+                <a:spcPts val="800"/>
+              </a:spcAft>
+              <a:buClr>
+                <a:srgbClr val="92D050"/>
+              </a:buClr>
+              <a:buFont typeface="Wingdings" panose="05000000000000000000" pitchFamily="2" charset="2"/>
+              <a:buChar char="ü"/>
+            </a:pPr>
+            <a:endParaRPr lang="en-IN" dirty="0">
+              <a:solidFill>
+                <a:srgbClr val="0D0D0D"/>
+              </a:solidFill>
+              <a:latin typeface="Arial" panose="020B0604020202020204" pitchFamily="34" charset="0"/>
+            </a:endParaRPr>
+          </a:p>
+          <a:p>
+            <a:pPr marL="285750" indent="-285750" algn="just">
+              <a:spcAft>
+                <a:spcPts val="800"/>
+              </a:spcAft>
+              <a:buClr>
+                <a:srgbClr val="92D050"/>
+              </a:buClr>
+              <a:buFont typeface="Wingdings" panose="05000000000000000000" pitchFamily="2" charset="2"/>
+              <a:buChar char="ü"/>
+            </a:pPr>
+            <a:endParaRPr lang="en-IN" dirty="0">
+              <a:solidFill>
+                <a:schemeClr val="bg2"/>
+              </a:solidFill>
+              <a:latin typeface="Futura Bk BT" panose="020B0502020204020303" pitchFamily="34" charset="0"/>
+            </a:endParaRPr>
+          </a:p>
+        </p:txBody>
+      </p:sp>
+    </p:spTree>
+    <p:extLst>
+      <p:ext uri="{BB962C8B-B14F-4D97-AF65-F5344CB8AC3E}">
+        <p14:creationId xmlns:p14="http://schemas.microsoft.com/office/powerpoint/2010/main" val="244996496"/>
+      </p:ext>
+    </p:extLst>
+  </p:cSld>
+  <p:clrMapOvr>
+    <a:masterClrMapping/>
+  </p:clrMapOvr>
+  <mc:AlternateContent xmlns:mc="http://schemas.openxmlformats.org/markup-compatibility/2006">
+    <mc:Choice xmlns:p14="http://schemas.microsoft.com/office/powerpoint/2010/main" Requires="p14">
+      <p:transition spd="slow" p14:dur="1500">
+        <p:split orient="vert"/>
+      </p:transition>
+    </mc:Choice>
+    <mc:Fallback>
+      <p:transition spd="slow">
+        <p:split orient="vert"/>
+      </p:transition>
+    </mc:Fallback>
+  </mc:AlternateContent>
+  <p:timing>
+    <p:tnLst>
+      <p:par>
+        <p:cTn id="1" dur="indefinite" restart="never" nodeType="tmRoot">
+          <p:childTnLst>
+            <p:seq concurrent="1" nextAc="seek">
+              <p:cTn id="2" dur="indefinite" nodeType="mainSeq">
+                <p:childTnLst>
+                  <p:par>
+                    <p:cTn id="3" fill="hold">
+                      <p:stCondLst>
+                        <p:cond delay="indefinite"/>
+                      </p:stCondLst>
+                      <p:childTnLst>
+                        <p:par>
+                          <p:cTn id="4" fill="hold">
+                            <p:stCondLst>
+                              <p:cond delay="0"/>
+                            </p:stCondLst>
+                            <p:childTnLst>
+                              <p:par>
+                                <p:cTn id="5" presetID="42" presetClass="entr" presetSubtype="0" fill="hold" grpId="0" nodeType="clickEffect">
+                                  <p:stCondLst>
+                                    <p:cond delay="0"/>
+                                  </p:stCondLst>
+                                  <p:childTnLst>
+                                    <p:set>
+                                      <p:cBhvr>
+                                        <p:cTn id="6" dur="1" fill="hold">
+                                          <p:stCondLst>
+                                            <p:cond delay="0"/>
+                                          </p:stCondLst>
+                                        </p:cTn>
+                                        <p:tgtEl>
+                                          <p:spTgt spid="6">
+                                            <p:txEl>
+                                              <p:pRg st="0" end="0"/>
+                                            </p:txEl>
+                                          </p:spTgt>
+                                        </p:tgtEl>
+                                        <p:attrNameLst>
+                                          <p:attrName>style.visibility</p:attrName>
+                                        </p:attrNameLst>
+                                      </p:cBhvr>
+                                      <p:to>
+                                        <p:strVal val="visible"/>
+                                      </p:to>
+                                    </p:set>
+                                    <p:animEffect transition="in" filter="fade">
+                                      <p:cBhvr>
+                                        <p:cTn id="7" dur="1000"/>
+                                        <p:tgtEl>
+                                          <p:spTgt spid="6">
+                                            <p:txEl>
+                                              <p:pRg st="0" end="0"/>
+                                            </p:txEl>
+                                          </p:spTgt>
+                                        </p:tgtEl>
+                                      </p:cBhvr>
+                                    </p:animEffect>
+                                    <p:anim calcmode="lin" valueType="num">
+                                      <p:cBhvr>
+                                        <p:cTn id="8" dur="1000" fill="hold"/>
+                                        <p:tgtEl>
+                                          <p:spTgt spid="6">
+                                            <p:txEl>
+                                              <p:pRg st="0" end="0"/>
+                                            </p:txEl>
+                                          </p:spTgt>
+                                        </p:tgtEl>
+                                        <p:attrNameLst>
+                                          <p:attrName>ppt_x</p:attrName>
+                                        </p:attrNameLst>
+                                      </p:cBhvr>
+                                      <p:tavLst>
+                                        <p:tav tm="0">
+                                          <p:val>
+                                            <p:strVal val="#ppt_x"/>
+                                          </p:val>
+                                        </p:tav>
+                                        <p:tav tm="100000">
+                                          <p:val>
+                                            <p:strVal val="#ppt_x"/>
+                                          </p:val>
+                                        </p:tav>
+                                      </p:tavLst>
+                                    </p:anim>
+                                    <p:anim calcmode="lin" valueType="num">
+                                      <p:cBhvr>
+                                        <p:cTn id="9" dur="1000" fill="hold"/>
+                                        <p:tgtEl>
+                                          <p:spTgt spid="6">
+                                            <p:txEl>
+                                              <p:pRg st="0" end="0"/>
+                                            </p:txEl>
+                                          </p:spTgt>
+                                        </p:tgtEl>
+                                        <p:attrNameLst>
+                                          <p:attrName>ppt_y</p:attrName>
+                                        </p:attrNameLst>
+                                      </p:cBhvr>
+                                      <p:tavLst>
+                                        <p:tav tm="0">
+                                          <p:val>
+                                            <p:strVal val="#ppt_y+.1"/>
+                                          </p:val>
+                                        </p:tav>
+                                        <p:tav tm="100000">
+                                          <p:val>
+                                            <p:strVal val="#ppt_y"/>
+                                          </p:val>
+                                        </p:tav>
+                                      </p:tavLst>
+                                    </p:anim>
+                                  </p:childTnLst>
+                                </p:cTn>
+                              </p:par>
+                            </p:childTnLst>
+                          </p:cTn>
+                        </p:par>
+                      </p:childTnLst>
+                    </p:cTn>
+                  </p:par>
+                  <p:par>
+                    <p:cTn id="10" fill="hold">
+                      <p:stCondLst>
+                        <p:cond delay="indefinite"/>
+                      </p:stCondLst>
+                      <p:childTnLst>
+                        <p:par>
+                          <p:cTn id="11" fill="hold">
+                            <p:stCondLst>
+                              <p:cond delay="0"/>
+                            </p:stCondLst>
+                            <p:childTnLst>
+                              <p:par>
+                                <p:cTn id="12" presetID="42" presetClass="entr" presetSubtype="0" fill="hold" grpId="0" nodeType="clickEffect">
+                                  <p:stCondLst>
+                                    <p:cond delay="0"/>
+                                  </p:stCondLst>
+                                  <p:childTnLst>
+                                    <p:set>
+                                      <p:cBhvr>
+                                        <p:cTn id="13" dur="1" fill="hold">
+                                          <p:stCondLst>
+                                            <p:cond delay="0"/>
+                                          </p:stCondLst>
+                                        </p:cTn>
+                                        <p:tgtEl>
+                                          <p:spTgt spid="6">
+                                            <p:txEl>
+                                              <p:pRg st="1" end="1"/>
+                                            </p:txEl>
+                                          </p:spTgt>
+                                        </p:tgtEl>
+                                        <p:attrNameLst>
+                                          <p:attrName>style.visibility</p:attrName>
+                                        </p:attrNameLst>
+                                      </p:cBhvr>
+                                      <p:to>
+                                        <p:strVal val="visible"/>
+                                      </p:to>
+                                    </p:set>
+                                    <p:animEffect transition="in" filter="fade">
+                                      <p:cBhvr>
+                                        <p:cTn id="14" dur="1000"/>
+                                        <p:tgtEl>
+                                          <p:spTgt spid="6">
+                                            <p:txEl>
+                                              <p:pRg st="1" end="1"/>
+                                            </p:txEl>
+                                          </p:spTgt>
+                                        </p:tgtEl>
+                                      </p:cBhvr>
+                                    </p:animEffect>
+                                    <p:anim calcmode="lin" valueType="num">
+                                      <p:cBhvr>
+                                        <p:cTn id="15" dur="1000" fill="hold"/>
+                                        <p:tgtEl>
+                                          <p:spTgt spid="6">
+                                            <p:txEl>
+                                              <p:pRg st="1" end="1"/>
+                                            </p:txEl>
+                                          </p:spTgt>
+                                        </p:tgtEl>
+                                        <p:attrNameLst>
+                                          <p:attrName>ppt_x</p:attrName>
+                                        </p:attrNameLst>
+                                      </p:cBhvr>
+                                      <p:tavLst>
+                                        <p:tav tm="0">
+                                          <p:val>
+                                            <p:strVal val="#ppt_x"/>
+                                          </p:val>
+                                        </p:tav>
+                                        <p:tav tm="100000">
+                                          <p:val>
+                                            <p:strVal val="#ppt_x"/>
+                                          </p:val>
+                                        </p:tav>
+                                      </p:tavLst>
+                                    </p:anim>
+                                    <p:anim calcmode="lin" valueType="num">
+                                      <p:cBhvr>
+                                        <p:cTn id="16" dur="1000" fill="hold"/>
+                                        <p:tgtEl>
+                                          <p:spTgt spid="6">
+                                            <p:txEl>
+                                              <p:pRg st="1" end="1"/>
+                                            </p:txEl>
+                                          </p:spTgt>
+                                        </p:tgtEl>
+                                        <p:attrNameLst>
+                                          <p:attrName>ppt_y</p:attrName>
+                                        </p:attrNameLst>
+                                      </p:cBhvr>
+                                      <p:tavLst>
+                                        <p:tav tm="0">
+                                          <p:val>
+                                            <p:strVal val="#ppt_y+.1"/>
+                                          </p:val>
+                                        </p:tav>
+                                        <p:tav tm="100000">
+                                          <p:val>
+                                            <p:strVal val="#ppt_y"/>
+                                          </p:val>
+                                        </p:tav>
+                                      </p:tavLst>
+                                    </p:anim>
+                                  </p:childTnLst>
+                                </p:cTn>
+                              </p:par>
+                            </p:childTnLst>
+                          </p:cTn>
+                        </p:par>
+                      </p:childTnLst>
+                    </p:cTn>
+                  </p:par>
+                  <p:par>
+                    <p:cTn id="17" fill="hold">
+                      <p:stCondLst>
+                        <p:cond delay="indefinite"/>
+                      </p:stCondLst>
+                      <p:childTnLst>
+                        <p:par>
+                          <p:cTn id="18" fill="hold">
+                            <p:stCondLst>
+                              <p:cond delay="0"/>
+                            </p:stCondLst>
+                            <p:childTnLst>
+                              <p:par>
+                                <p:cTn id="19" presetID="42" presetClass="entr" presetSubtype="0" fill="hold" grpId="0" nodeType="clickEffect">
+                                  <p:stCondLst>
+                                    <p:cond delay="0"/>
+                                  </p:stCondLst>
+                                  <p:childTnLst>
+                                    <p:set>
+                                      <p:cBhvr>
+                                        <p:cTn id="20" dur="1" fill="hold">
+                                          <p:stCondLst>
+                                            <p:cond delay="0"/>
+                                          </p:stCondLst>
+                                        </p:cTn>
+                                        <p:tgtEl>
+                                          <p:spTgt spid="6">
+                                            <p:txEl>
+                                              <p:pRg st="2" end="2"/>
+                                            </p:txEl>
+                                          </p:spTgt>
+                                        </p:tgtEl>
+                                        <p:attrNameLst>
+                                          <p:attrName>style.visibility</p:attrName>
+                                        </p:attrNameLst>
+                                      </p:cBhvr>
+                                      <p:to>
+                                        <p:strVal val="visible"/>
+                                      </p:to>
+                                    </p:set>
+                                    <p:animEffect transition="in" filter="fade">
+                                      <p:cBhvr>
+                                        <p:cTn id="21" dur="1000"/>
+                                        <p:tgtEl>
+                                          <p:spTgt spid="6">
+                                            <p:txEl>
+                                              <p:pRg st="2" end="2"/>
+                                            </p:txEl>
+                                          </p:spTgt>
+                                        </p:tgtEl>
+                                      </p:cBhvr>
+                                    </p:animEffect>
+                                    <p:anim calcmode="lin" valueType="num">
+                                      <p:cBhvr>
+                                        <p:cTn id="22" dur="1000" fill="hold"/>
+                                        <p:tgtEl>
+                                          <p:spTgt spid="6">
+                                            <p:txEl>
+                                              <p:pRg st="2" end="2"/>
+                                            </p:txEl>
+                                          </p:spTgt>
+                                        </p:tgtEl>
+                                        <p:attrNameLst>
+                                          <p:attrName>ppt_x</p:attrName>
+                                        </p:attrNameLst>
+                                      </p:cBhvr>
+                                      <p:tavLst>
+                                        <p:tav tm="0">
+                                          <p:val>
+                                            <p:strVal val="#ppt_x"/>
+                                          </p:val>
+                                        </p:tav>
+                                        <p:tav tm="100000">
+                                          <p:val>
+                                            <p:strVal val="#ppt_x"/>
+                                          </p:val>
+                                        </p:tav>
+                                      </p:tavLst>
+                                    </p:anim>
+                                    <p:anim calcmode="lin" valueType="num">
+                                      <p:cBhvr>
+                                        <p:cTn id="23" dur="1000" fill="hold"/>
+                                        <p:tgtEl>
+                                          <p:spTgt spid="6">
+                                            <p:txEl>
+                                              <p:pRg st="2" end="2"/>
+                                            </p:txEl>
+                                          </p:spTgt>
+                                        </p:tgtEl>
+                                        <p:attrNameLst>
+                                          <p:attrName>ppt_y</p:attrName>
+                                        </p:attrNameLst>
+                                      </p:cBhvr>
+                                      <p:tavLst>
+                                        <p:tav tm="0">
+                                          <p:val>
+                                            <p:strVal val="#ppt_y+.1"/>
+                                          </p:val>
+                                        </p:tav>
+                                        <p:tav tm="100000">
+                                          <p:val>
+                                            <p:strVal val="#ppt_y"/>
+                                          </p:val>
+                                        </p:tav>
+                                      </p:tavLst>
+                                    </p:anim>
+                                  </p:childTnLst>
+                                </p:cTn>
+                              </p:par>
+                            </p:childTnLst>
+                          </p:cTn>
+                        </p:par>
+                      </p:childTnLst>
+                    </p:cTn>
+                  </p:par>
+                  <p:par>
+                    <p:cTn id="24" fill="hold">
+                      <p:stCondLst>
+                        <p:cond delay="indefinite"/>
+                      </p:stCondLst>
+                      <p:childTnLst>
+                        <p:par>
+                          <p:cTn id="25" fill="hold">
+                            <p:stCondLst>
+                              <p:cond delay="0"/>
+                            </p:stCondLst>
+                            <p:childTnLst>
+                              <p:par>
+                                <p:cTn id="26" presetID="42" presetClass="entr" presetSubtype="0" fill="hold" grpId="0" nodeType="clickEffect">
+                                  <p:stCondLst>
+                                    <p:cond delay="0"/>
+                                  </p:stCondLst>
+                                  <p:childTnLst>
+                                    <p:set>
+                                      <p:cBhvr>
+                                        <p:cTn id="27" dur="1" fill="hold">
+                                          <p:stCondLst>
+                                            <p:cond delay="0"/>
+                                          </p:stCondLst>
+                                        </p:cTn>
+                                        <p:tgtEl>
+                                          <p:spTgt spid="6">
+                                            <p:txEl>
+                                              <p:pRg st="3" end="3"/>
+                                            </p:txEl>
+                                          </p:spTgt>
+                                        </p:tgtEl>
+                                        <p:attrNameLst>
+                                          <p:attrName>style.visibility</p:attrName>
+                                        </p:attrNameLst>
+                                      </p:cBhvr>
+                                      <p:to>
+                                        <p:strVal val="visible"/>
+                                      </p:to>
+                                    </p:set>
+                                    <p:animEffect transition="in" filter="fade">
+                                      <p:cBhvr>
+                                        <p:cTn id="28" dur="1000"/>
+                                        <p:tgtEl>
+                                          <p:spTgt spid="6">
+                                            <p:txEl>
+                                              <p:pRg st="3" end="3"/>
+                                            </p:txEl>
+                                          </p:spTgt>
+                                        </p:tgtEl>
+                                      </p:cBhvr>
+                                    </p:animEffect>
+                                    <p:anim calcmode="lin" valueType="num">
+                                      <p:cBhvr>
+                                        <p:cTn id="29" dur="1000" fill="hold"/>
+                                        <p:tgtEl>
+                                          <p:spTgt spid="6">
+                                            <p:txEl>
+                                              <p:pRg st="3" end="3"/>
+                                            </p:txEl>
+                                          </p:spTgt>
+                                        </p:tgtEl>
+                                        <p:attrNameLst>
+                                          <p:attrName>ppt_x</p:attrName>
+                                        </p:attrNameLst>
+                                      </p:cBhvr>
+                                      <p:tavLst>
+                                        <p:tav tm="0">
+                                          <p:val>
+                                            <p:strVal val="#ppt_x"/>
+                                          </p:val>
+                                        </p:tav>
+                                        <p:tav tm="100000">
+                                          <p:val>
+                                            <p:strVal val="#ppt_x"/>
+                                          </p:val>
+                                        </p:tav>
+                                      </p:tavLst>
+                                    </p:anim>
+                                    <p:anim calcmode="lin" valueType="num">
+                                      <p:cBhvr>
+                                        <p:cTn id="30" dur="1000" fill="hold"/>
+                                        <p:tgtEl>
+                                          <p:spTgt spid="6">
+                                            <p:txEl>
+                                              <p:pRg st="3" end="3"/>
+                                            </p:txEl>
+                                          </p:spTgt>
+                                        </p:tgtEl>
+                                        <p:attrNameLst>
+                                          <p:attrName>ppt_y</p:attrName>
+                                        </p:attrNameLst>
+                                      </p:cBhvr>
+                                      <p:tavLst>
+                                        <p:tav tm="0">
+                                          <p:val>
+                                            <p:strVal val="#ppt_y+.1"/>
+                                          </p:val>
+                                        </p:tav>
+                                        <p:tav tm="100000">
+                                          <p:val>
+                                            <p:strVal val="#ppt_y"/>
+                                          </p:val>
+                                        </p:tav>
+                                      </p:tavLst>
+                                    </p:anim>
+                                  </p:childTnLst>
+                                </p:cTn>
+                              </p:par>
+                            </p:childTnLst>
+                          </p:cTn>
+                        </p:par>
+                      </p:childTnLst>
+                    </p:cTn>
+                  </p:par>
+                  <p:par>
+                    <p:cTn id="31" fill="hold">
+                      <p:stCondLst>
+                        <p:cond delay="indefinite"/>
+                      </p:stCondLst>
+                      <p:childTnLst>
+                        <p:par>
+                          <p:cTn id="32" fill="hold">
+                            <p:stCondLst>
+                              <p:cond delay="0"/>
+                            </p:stCondLst>
+                            <p:childTnLst>
+                              <p:par>
+                                <p:cTn id="33" presetID="42" presetClass="entr" presetSubtype="0" fill="hold" grpId="0" nodeType="clickEffect">
+                                  <p:stCondLst>
+                                    <p:cond delay="0"/>
+                                  </p:stCondLst>
+                                  <p:childTnLst>
+                                    <p:set>
+                                      <p:cBhvr>
+                                        <p:cTn id="34" dur="1" fill="hold">
+                                          <p:stCondLst>
+                                            <p:cond delay="0"/>
+                                          </p:stCondLst>
+                                        </p:cTn>
+                                        <p:tgtEl>
+                                          <p:spTgt spid="6">
+                                            <p:txEl>
+                                              <p:pRg st="4" end="4"/>
+                                            </p:txEl>
+                                          </p:spTgt>
+                                        </p:tgtEl>
+                                        <p:attrNameLst>
+                                          <p:attrName>style.visibility</p:attrName>
+                                        </p:attrNameLst>
+                                      </p:cBhvr>
+                                      <p:to>
+                                        <p:strVal val="visible"/>
+                                      </p:to>
+                                    </p:set>
+                                    <p:animEffect transition="in" filter="fade">
+                                      <p:cBhvr>
+                                        <p:cTn id="35" dur="1000"/>
+                                        <p:tgtEl>
+                                          <p:spTgt spid="6">
+                                            <p:txEl>
+                                              <p:pRg st="4" end="4"/>
+                                            </p:txEl>
+                                          </p:spTgt>
+                                        </p:tgtEl>
+                                      </p:cBhvr>
+                                    </p:animEffect>
+                                    <p:anim calcmode="lin" valueType="num">
+                                      <p:cBhvr>
+                                        <p:cTn id="36" dur="1000" fill="hold"/>
+                                        <p:tgtEl>
+                                          <p:spTgt spid="6">
+                                            <p:txEl>
+                                              <p:pRg st="4" end="4"/>
+                                            </p:txEl>
+                                          </p:spTgt>
+                                        </p:tgtEl>
+                                        <p:attrNameLst>
+                                          <p:attrName>ppt_x</p:attrName>
+                                        </p:attrNameLst>
+                                      </p:cBhvr>
+                                      <p:tavLst>
+                                        <p:tav tm="0">
+                                          <p:val>
+                                            <p:strVal val="#ppt_x"/>
+                                          </p:val>
+                                        </p:tav>
+                                        <p:tav tm="100000">
+                                          <p:val>
+                                            <p:strVal val="#ppt_x"/>
+                                          </p:val>
+                                        </p:tav>
+                                      </p:tavLst>
+                                    </p:anim>
+                                    <p:anim calcmode="lin" valueType="num">
+                                      <p:cBhvr>
+                                        <p:cTn id="37" dur="1000" fill="hold"/>
+                                        <p:tgtEl>
+                                          <p:spTgt spid="6">
+                                            <p:txEl>
+                                              <p:pRg st="4" end="4"/>
+                                            </p:txEl>
+                                          </p:spTgt>
+                                        </p:tgtEl>
+                                        <p:attrNameLst>
+                                          <p:attrName>ppt_y</p:attrName>
+                                        </p:attrNameLst>
+                                      </p:cBhvr>
+                                      <p:tavLst>
+                                        <p:tav tm="0">
+                                          <p:val>
+                                            <p:strVal val="#ppt_y+.1"/>
+                                          </p:val>
+                                        </p:tav>
+                                        <p:tav tm="100000">
+                                          <p:val>
+                                            <p:strVal val="#ppt_y"/>
+                                          </p:val>
+                                        </p:tav>
+                                      </p:tavLst>
+                                    </p:anim>
+                                  </p:childTnLst>
+                                </p:cTn>
+                              </p:par>
+                            </p:childTnLst>
+                          </p:cTn>
+                        </p:par>
+                      </p:childTnLst>
+                    </p:cTn>
+                  </p:par>
+                  <p:par>
+                    <p:cTn id="38" fill="hold">
+                      <p:stCondLst>
+                        <p:cond delay="indefinite"/>
+                      </p:stCondLst>
+                      <p:childTnLst>
+                        <p:par>
+                          <p:cTn id="39" fill="hold">
+                            <p:stCondLst>
+                              <p:cond delay="0"/>
+                            </p:stCondLst>
+                            <p:childTnLst>
+                              <p:par>
+                                <p:cTn id="40" presetID="42" presetClass="entr" presetSubtype="0" fill="hold" grpId="0" nodeType="clickEffect">
+                                  <p:stCondLst>
+                                    <p:cond delay="0"/>
+                                  </p:stCondLst>
+                                  <p:childTnLst>
+                                    <p:set>
+                                      <p:cBhvr>
+                                        <p:cTn id="41" dur="1" fill="hold">
+                                          <p:stCondLst>
+                                            <p:cond delay="0"/>
+                                          </p:stCondLst>
+                                        </p:cTn>
+                                        <p:tgtEl>
+                                          <p:spTgt spid="6">
+                                            <p:txEl>
+                                              <p:pRg st="5" end="5"/>
+                                            </p:txEl>
+                                          </p:spTgt>
+                                        </p:tgtEl>
+                                        <p:attrNameLst>
+                                          <p:attrName>style.visibility</p:attrName>
+                                        </p:attrNameLst>
+                                      </p:cBhvr>
+                                      <p:to>
+                                        <p:strVal val="visible"/>
+                                      </p:to>
+                                    </p:set>
+                                    <p:animEffect transition="in" filter="fade">
+                                      <p:cBhvr>
+                                        <p:cTn id="42" dur="1000"/>
+                                        <p:tgtEl>
+                                          <p:spTgt spid="6">
+                                            <p:txEl>
+                                              <p:pRg st="5" end="5"/>
+                                            </p:txEl>
+                                          </p:spTgt>
+                                        </p:tgtEl>
+                                      </p:cBhvr>
+                                    </p:animEffect>
+                                    <p:anim calcmode="lin" valueType="num">
+                                      <p:cBhvr>
+                                        <p:cTn id="43" dur="1000" fill="hold"/>
+                                        <p:tgtEl>
+                                          <p:spTgt spid="6">
+                                            <p:txEl>
+                                              <p:pRg st="5" end="5"/>
+                                            </p:txEl>
+                                          </p:spTgt>
+                                        </p:tgtEl>
+                                        <p:attrNameLst>
+                                          <p:attrName>ppt_x</p:attrName>
+                                        </p:attrNameLst>
+                                      </p:cBhvr>
+                                      <p:tavLst>
+                                        <p:tav tm="0">
+                                          <p:val>
+                                            <p:strVal val="#ppt_x"/>
+                                          </p:val>
+                                        </p:tav>
+                                        <p:tav tm="100000">
+                                          <p:val>
+                                            <p:strVal val="#ppt_x"/>
+                                          </p:val>
+                                        </p:tav>
+                                      </p:tavLst>
+                                    </p:anim>
+                                    <p:anim calcmode="lin" valueType="num">
+                                      <p:cBhvr>
+                                        <p:cTn id="44" dur="1000" fill="hold"/>
+                                        <p:tgtEl>
+                                          <p:spTgt spid="6">
+                                            <p:txEl>
+                                              <p:pRg st="5" end="5"/>
+                                            </p:txEl>
+                                          </p:spTgt>
+                                        </p:tgtEl>
+                                        <p:attrNameLst>
+                                          <p:attrName>ppt_y</p:attrName>
+                                        </p:attrNameLst>
+                                      </p:cBhvr>
+                                      <p:tavLst>
+                                        <p:tav tm="0">
+                                          <p:val>
+                                            <p:strVal val="#ppt_y+.1"/>
+                                          </p:val>
+                                        </p:tav>
+                                        <p:tav tm="100000">
+                                          <p:val>
+                                            <p:strVal val="#ppt_y"/>
+                                          </p:val>
+                                        </p:tav>
+                                      </p:tavLst>
+                                    </p:anim>
+                                  </p:childTnLst>
+                                </p:cTn>
+                              </p:par>
+                            </p:childTnLst>
+                          </p:cTn>
+                        </p:par>
+                      </p:childTnLst>
+                    </p:cTn>
+                  </p:par>
+                </p:childTnLst>
+              </p:cTn>
+              <p:prevCondLst>
+                <p:cond evt="onPrev" delay="0">
+                  <p:tgtEl>
+                    <p:sldTgt/>
+                  </p:tgtEl>
+                </p:cond>
+              </p:prevCondLst>
+              <p:nextCondLst>
+                <p:cond evt="onNext" delay="0">
+                  <p:tgtEl>
+                    <p:sldTgt/>
+                  </p:tgtEl>
+                </p:cond>
+              </p:nextCondLst>
+            </p:seq>
+          </p:childTnLst>
+        </p:cTn>
+      </p:par>
+    </p:tnLst>
+    <p:bldLst>
+      <p:bldP spid="6" grpId="0" build="p"/>
+    </p:bldLst>
+  </p:timing>
+</p:sld>
+</file>
+
+<file path=ppt/slides/slide11.xml><?xml version="1.0" encoding="utf-8"?>
 <p:sld xmlns:a="http://schemas.openxmlformats.org/drawingml/2006/main" xmlns:r="http://schemas.openxmlformats.org/officeDocument/2006/relationships" xmlns:p="http://schemas.openxmlformats.org/presentationml/2006/main">
   <p:cSld>
     <p:bg>
@@ -5599,7 +6770,7 @@
 </p:sld>
 </file>
 
-<file path=ppt/slides/slide11.xml><?xml version="1.0" encoding="utf-8"?>
+<file path=ppt/slides/slide12.xml><?xml version="1.0" encoding="utf-8"?>
 <p:sld xmlns:a="http://schemas.openxmlformats.org/drawingml/2006/main" xmlns:r="http://schemas.openxmlformats.org/officeDocument/2006/relationships" xmlns:p="http://schemas.openxmlformats.org/presentationml/2006/main">
   <p:cSld>
     <p:bg>
@@ -5736,6 +6907,448 @@
       </p:grpSpPr>
       <p:sp>
         <p:nvSpPr>
+          <p:cNvPr id="2" name="Title 1">
+            <a:extLst>
+              <a:ext uri="{FF2B5EF4-FFF2-40B4-BE49-F238E27FC236}">
+                <a16:creationId xmlns:a16="http://schemas.microsoft.com/office/drawing/2014/main" id="{C727BEE1-0701-48D2-BCBB-CCA255707150}"/>
+              </a:ext>
+            </a:extLst>
+          </p:cNvPr>
+          <p:cNvSpPr>
+            <a:spLocks noGrp="1"/>
+          </p:cNvSpPr>
+          <p:nvPr>
+            <p:ph type="ctrTitle"/>
+          </p:nvPr>
+        </p:nvSpPr>
+        <p:spPr>
+          <a:xfrm>
+            <a:off x="999180" y="1202147"/>
+            <a:ext cx="5924134" cy="4888448"/>
+          </a:xfrm>
+        </p:spPr>
+        <p:txBody>
+          <a:bodyPr>
+            <a:normAutofit/>
+          </a:bodyPr>
+          <a:lstStyle/>
+          <a:p>
+            <a:r>
+              <a:rPr lang="en-US" sz="4400" b="1" i="0" cap="none" dirty="0">
+                <a:solidFill>
+                  <a:srgbClr val="00B0F0"/>
+                </a:solidFill>
+                <a:latin typeface="Futura Bk BT" panose="020B0502020204020303" pitchFamily="34" charset="0"/>
+              </a:rPr>
+              <a:t>What is IntelliED</a:t>
+            </a:r>
+            <a:r>
+              <a:rPr lang="en-US" sz="4400" b="1" i="0" cap="none" dirty="0">
+                <a:solidFill>
+                  <a:srgbClr val="00B0F0"/>
+                </a:solidFill>
+                <a:latin typeface="Consolas" panose="020B0609020204030204" pitchFamily="49" charset="0"/>
+              </a:rPr>
+              <a:t>?</a:t>
+            </a:r>
+            <a:br>
+              <a:rPr lang="en-US" sz="2000" i="0" cap="none" dirty="0">
+                <a:solidFill>
+                  <a:srgbClr val="00B0F0"/>
+                </a:solidFill>
+                <a:latin typeface="Futura Bk BT" panose="020B0502020204020303" pitchFamily="34" charset="0"/>
+              </a:rPr>
+            </a:br>
+            <a:br>
+              <a:rPr lang="en-US" sz="2000" i="0" cap="none" dirty="0">
+                <a:solidFill>
+                  <a:srgbClr val="00B0F0"/>
+                </a:solidFill>
+                <a:latin typeface="Futura Bk BT" panose="020B0502020204020303" pitchFamily="34" charset="0"/>
+              </a:rPr>
+            </a:br>
+            <a:r>
+              <a:rPr lang="en-US" sz="2400" i="0" cap="none" dirty="0">
+                <a:effectLst/>
+                <a:latin typeface="Futura Bk BT" panose="020B0502020204020303" pitchFamily="34" charset="0"/>
+                <a:ea typeface="Calibri" panose="020F0502020204030204" pitchFamily="34" charset="0"/>
+              </a:rPr>
+              <a:t>IntelliED is a mobile-based software solution that provides </a:t>
+            </a:r>
+            <a:r>
+              <a:rPr lang="en-US" sz="2400" i="0" cap="none" dirty="0">
+                <a:solidFill>
+                  <a:srgbClr val="00B0F0"/>
+                </a:solidFill>
+                <a:effectLst/>
+                <a:latin typeface="Futura Bk BT" panose="020B0502020204020303" pitchFamily="34" charset="0"/>
+                <a:ea typeface="Calibri" panose="020F0502020204030204" pitchFamily="34" charset="0"/>
+              </a:rPr>
+              <a:t>easy data management </a:t>
+            </a:r>
+            <a:r>
+              <a:rPr lang="en-US" sz="2400" i="0" cap="none" dirty="0">
+                <a:effectLst/>
+                <a:latin typeface="Futura Bk BT" panose="020B0502020204020303" pitchFamily="34" charset="0"/>
+                <a:ea typeface="Calibri" panose="020F0502020204030204" pitchFamily="34" charset="0"/>
+              </a:rPr>
+              <a:t>to K-12 schools </a:t>
+            </a:r>
+            <a:r>
+              <a:rPr lang="en-US" sz="2400" i="0" cap="none" dirty="0">
+                <a:latin typeface="Futura Bk BT" panose="020B0502020204020303" pitchFamily="34" charset="0"/>
+                <a:ea typeface="Calibri" panose="020F0502020204030204" pitchFamily="34" charset="0"/>
+              </a:rPr>
+              <a:t>&amp; </a:t>
+            </a:r>
+            <a:r>
+              <a:rPr lang="en-US" sz="2400" i="0" cap="none" dirty="0">
+                <a:solidFill>
+                  <a:schemeClr val="tx1"/>
+                </a:solidFill>
+                <a:latin typeface="Futura Bk BT" panose="020B0502020204020303" pitchFamily="34" charset="0"/>
+                <a:ea typeface="Calibri" panose="020F0502020204030204" pitchFamily="34" charset="0"/>
+              </a:rPr>
+              <a:t>e</a:t>
+            </a:r>
+            <a:r>
+              <a:rPr lang="en-US" sz="2400" b="0" i="0" cap="none" dirty="0">
+                <a:solidFill>
+                  <a:schemeClr val="tx1"/>
+                </a:solidFill>
+                <a:effectLst/>
+                <a:latin typeface="Futura Bk BT" panose="020B0502020204020303" pitchFamily="34" charset="0"/>
+              </a:rPr>
+              <a:t>nable educators to leverage a data-driven approach to improve learning outcomes and equitably accelerate growth for all learners.</a:t>
+            </a:r>
+            <a:br>
+              <a:rPr lang="en-US" sz="1800" b="0" i="0" cap="none" dirty="0">
+                <a:solidFill>
+                  <a:schemeClr val="tx1"/>
+                </a:solidFill>
+                <a:effectLst/>
+                <a:latin typeface="Futura Bk BT" panose="020B0502020204020303" pitchFamily="34" charset="0"/>
+              </a:rPr>
+            </a:br>
+            <a:br>
+              <a:rPr lang="en-US" sz="1800" b="0" i="0" cap="none" dirty="0">
+                <a:solidFill>
+                  <a:schemeClr val="tx1"/>
+                </a:solidFill>
+                <a:effectLst/>
+                <a:latin typeface="Futura Bk BT" panose="020B0502020204020303" pitchFamily="34" charset="0"/>
+              </a:rPr>
+            </a:br>
+            <a:br>
+              <a:rPr lang="en-US" sz="2000" i="0" cap="none" dirty="0">
+                <a:latin typeface="Futura Bk BT" panose="020B0502020204020303" pitchFamily="34" charset="0"/>
+              </a:rPr>
+            </a:br>
+            <a:br>
+              <a:rPr lang="en-US" sz="2000" i="0" cap="none" dirty="0">
+                <a:latin typeface="Futura Bk BT" panose="020B0502020204020303" pitchFamily="34" charset="0"/>
+              </a:rPr>
+            </a:br>
+            <a:br>
+              <a:rPr lang="en-US" sz="2000" i="0" cap="none" dirty="0">
+                <a:latin typeface="Futura Bk BT" panose="020B0502020204020303" pitchFamily="34" charset="0"/>
+              </a:rPr>
+            </a:br>
+            <a:endParaRPr lang="en-IN" sz="2000" i="0" cap="none" dirty="0">
+              <a:solidFill>
+                <a:schemeClr val="tx1"/>
+              </a:solidFill>
+              <a:latin typeface="Futura Bk BT" panose="020B0502020204020303" pitchFamily="34" charset="0"/>
+            </a:endParaRPr>
+          </a:p>
+        </p:txBody>
+      </p:sp>
+      <p:sp>
+        <p:nvSpPr>
+          <p:cNvPr id="3" name="Subtitle 2">
+            <a:extLst>
+              <a:ext uri="{FF2B5EF4-FFF2-40B4-BE49-F238E27FC236}">
+                <a16:creationId xmlns:a16="http://schemas.microsoft.com/office/drawing/2014/main" id="{FA46AF27-9305-4604-B8C1-79CA8877DBF9}"/>
+              </a:ext>
+            </a:extLst>
+          </p:cNvPr>
+          <p:cNvSpPr>
+            <a:spLocks noGrp="1"/>
+          </p:cNvSpPr>
+          <p:nvPr>
+            <p:ph type="subTitle" idx="1"/>
+          </p:nvPr>
+        </p:nvSpPr>
+        <p:spPr>
+          <a:xfrm>
+            <a:off x="8022210" y="0"/>
+            <a:ext cx="4169790" cy="6858000"/>
+          </a:xfrm>
+          <a:solidFill>
+            <a:schemeClr val="tx1"/>
+          </a:solidFill>
+        </p:spPr>
+        <p:txBody>
+          <a:bodyPr/>
+          <a:lstStyle/>
+          <a:p>
+            <a:endParaRPr lang="en-IN" dirty="0"/>
+          </a:p>
+        </p:txBody>
+      </p:sp>
+      <p:sp>
+        <p:nvSpPr>
+          <p:cNvPr id="6" name="Rectangle 5">
+            <a:extLst>
+              <a:ext uri="{FF2B5EF4-FFF2-40B4-BE49-F238E27FC236}">
+                <a16:creationId xmlns:a16="http://schemas.microsoft.com/office/drawing/2014/main" id="{65246E14-318E-40AD-9C7B-0BF08759EDF3}"/>
+              </a:ext>
+            </a:extLst>
+          </p:cNvPr>
+          <p:cNvSpPr/>
+          <p:nvPr/>
+        </p:nvSpPr>
+        <p:spPr>
+          <a:xfrm>
+            <a:off x="8022210" y="4967926"/>
+            <a:ext cx="3450211" cy="480767"/>
+          </a:xfrm>
+          <a:prstGeom prst="rect">
+            <a:avLst/>
+          </a:prstGeom>
+          <a:solidFill>
+            <a:schemeClr val="tx1"/>
+          </a:solidFill>
+          <a:ln>
+            <a:solidFill>
+              <a:schemeClr val="tx1"/>
+            </a:solidFill>
+          </a:ln>
+        </p:spPr>
+        <p:style>
+          <a:lnRef idx="2">
+            <a:schemeClr val="accent1">
+              <a:shade val="50000"/>
+            </a:schemeClr>
+          </a:lnRef>
+          <a:fillRef idx="1">
+            <a:schemeClr val="accent1"/>
+          </a:fillRef>
+          <a:effectRef idx="0">
+            <a:schemeClr val="accent1"/>
+          </a:effectRef>
+          <a:fontRef idx="minor">
+            <a:schemeClr val="lt1"/>
+          </a:fontRef>
+        </p:style>
+        <p:txBody>
+          <a:bodyPr rtlCol="0" anchor="ctr"/>
+          <a:lstStyle/>
+          <a:p>
+            <a:pPr algn="ctr"/>
+            <a:endParaRPr lang="en-IN" dirty="0"/>
+          </a:p>
+        </p:txBody>
+      </p:sp>
+      <p:pic>
+        <p:nvPicPr>
+          <p:cNvPr id="11" name="Picture 10">
+            <a:extLst>
+              <a:ext uri="{FF2B5EF4-FFF2-40B4-BE49-F238E27FC236}">
+                <a16:creationId xmlns:a16="http://schemas.microsoft.com/office/drawing/2014/main" id="{D41C76CA-B820-1B0D-B955-BB59AE90131F}"/>
+              </a:ext>
+            </a:extLst>
+          </p:cNvPr>
+          <p:cNvPicPr>
+            <a:picLocks noChangeAspect="1"/>
+          </p:cNvPicPr>
+          <p:nvPr/>
+        </p:nvPicPr>
+        <p:blipFill>
+          <a:blip r:embed="rId2">
+            <a:extLst>
+              <a:ext uri="{28A0092B-C50C-407E-A947-70E740481C1C}">
+                <a14:useLocalDpi xmlns:a14="http://schemas.microsoft.com/office/drawing/2010/main" val="0"/>
+              </a:ext>
+            </a:extLst>
+          </a:blip>
+          <a:stretch>
+            <a:fillRect/>
+          </a:stretch>
+        </p:blipFill>
+        <p:spPr>
+          <a:xfrm>
+            <a:off x="8856472" y="901139"/>
+            <a:ext cx="2396069" cy="5189456"/>
+          </a:xfrm>
+          <a:prstGeom prst="rect">
+            <a:avLst/>
+          </a:prstGeom>
+        </p:spPr>
+      </p:pic>
+      <p:pic>
+        <p:nvPicPr>
+          <p:cNvPr id="12" name="Picture 11">
+            <a:extLst>
+              <a:ext uri="{FF2B5EF4-FFF2-40B4-BE49-F238E27FC236}">
+                <a16:creationId xmlns:a16="http://schemas.microsoft.com/office/drawing/2014/main" id="{EA5537FE-37B9-F6EC-314A-12F18C1578FC}"/>
+              </a:ext>
+            </a:extLst>
+          </p:cNvPr>
+          <p:cNvPicPr>
+            <a:picLocks noChangeAspect="1"/>
+          </p:cNvPicPr>
+          <p:nvPr/>
+        </p:nvPicPr>
+        <p:blipFill>
+          <a:blip r:embed="rId3"/>
+          <a:srcRect/>
+          <a:stretch>
+            <a:fillRect/>
+          </a:stretch>
+        </p:blipFill>
+        <p:spPr>
+          <a:xfrm>
+            <a:off x="8636593" y="719673"/>
+            <a:ext cx="2835828" cy="5552387"/>
+          </a:xfrm>
+          <a:prstGeom prst="rect">
+            <a:avLst/>
+          </a:prstGeom>
+        </p:spPr>
+      </p:pic>
+      <p:sp>
+        <p:nvSpPr>
+          <p:cNvPr id="4" name="Rectangle 3">
+            <a:extLst>
+              <a:ext uri="{FF2B5EF4-FFF2-40B4-BE49-F238E27FC236}">
+                <a16:creationId xmlns:a16="http://schemas.microsoft.com/office/drawing/2014/main" id="{907181C0-3AC9-F6C3-914E-12D6C09F4374}"/>
+              </a:ext>
+            </a:extLst>
+          </p:cNvPr>
+          <p:cNvSpPr/>
+          <p:nvPr/>
+        </p:nvSpPr>
+        <p:spPr>
+          <a:xfrm>
+            <a:off x="9105900" y="2457450"/>
+            <a:ext cx="1895475" cy="209550"/>
+          </a:xfrm>
+          <a:prstGeom prst="rect">
+            <a:avLst/>
+          </a:prstGeom>
+          <a:solidFill>
+            <a:schemeClr val="tx1"/>
+          </a:solidFill>
+          <a:ln>
+            <a:solidFill>
+              <a:schemeClr val="tx1"/>
+            </a:solidFill>
+          </a:ln>
+        </p:spPr>
+        <p:style>
+          <a:lnRef idx="2">
+            <a:schemeClr val="accent1">
+              <a:shade val="50000"/>
+            </a:schemeClr>
+          </a:lnRef>
+          <a:fillRef idx="1">
+            <a:schemeClr val="accent1"/>
+          </a:fillRef>
+          <a:effectRef idx="0">
+            <a:schemeClr val="accent1"/>
+          </a:effectRef>
+          <a:fontRef idx="minor">
+            <a:schemeClr val="lt1"/>
+          </a:fontRef>
+        </p:style>
+        <p:txBody>
+          <a:bodyPr rtlCol="0" anchor="ctr"/>
+          <a:lstStyle/>
+          <a:p>
+            <a:pPr algn="ctr"/>
+            <a:endParaRPr lang="en-IN"/>
+          </a:p>
+        </p:txBody>
+      </p:sp>
+      <p:pic>
+        <p:nvPicPr>
+          <p:cNvPr id="14" name="Picture 13">
+            <a:extLst>
+              <a:ext uri="{FF2B5EF4-FFF2-40B4-BE49-F238E27FC236}">
+                <a16:creationId xmlns:a16="http://schemas.microsoft.com/office/drawing/2014/main" id="{A7A2DFDC-35E1-5233-E1DC-140539E95145}"/>
+              </a:ext>
+            </a:extLst>
+          </p:cNvPr>
+          <p:cNvPicPr>
+            <a:picLocks noChangeAspect="1"/>
+          </p:cNvPicPr>
+          <p:nvPr/>
+        </p:nvPicPr>
+        <p:blipFill rotWithShape="1">
+          <a:blip r:embed="rId4">
+            <a:extLst>
+              <a:ext uri="{28A0092B-C50C-407E-A947-70E740481C1C}">
+                <a14:useLocalDpi xmlns:a14="http://schemas.microsoft.com/office/drawing/2010/main" val="0"/>
+              </a:ext>
+            </a:extLst>
+          </a:blip>
+          <a:srcRect l="18353" r="16057"/>
+          <a:stretch/>
+        </p:blipFill>
+        <p:spPr>
+          <a:xfrm>
+            <a:off x="9179035" y="1118825"/>
+            <a:ext cx="1749203" cy="1892870"/>
+          </a:xfrm>
+          <a:prstGeom prst="rect">
+            <a:avLst/>
+          </a:prstGeom>
+        </p:spPr>
+      </p:pic>
+    </p:spTree>
+    <p:extLst>
+      <p:ext uri="{BB962C8B-B14F-4D97-AF65-F5344CB8AC3E}">
+        <p14:creationId xmlns:p14="http://schemas.microsoft.com/office/powerpoint/2010/main" val="78726394"/>
+      </p:ext>
+    </p:extLst>
+  </p:cSld>
+  <p:clrMapOvr>
+    <a:masterClrMapping/>
+  </p:clrMapOvr>
+  <p:transition spd="slow">
+    <p:wipe/>
+  </p:transition>
+</p:sld>
+</file>
+
+<file path=ppt/slides/slide3.xml><?xml version="1.0" encoding="utf-8"?>
+<p:sld xmlns:a="http://schemas.openxmlformats.org/drawingml/2006/main" xmlns:r="http://schemas.openxmlformats.org/officeDocument/2006/relationships" xmlns:p="http://schemas.openxmlformats.org/presentationml/2006/main">
+  <p:cSld>
+    <p:bg>
+      <p:bgPr>
+        <a:solidFill>
+          <a:srgbClr val="01203A"/>
+        </a:solidFill>
+        <a:effectLst/>
+      </p:bgPr>
+    </p:bg>
+    <p:spTree>
+      <p:nvGrpSpPr>
+        <p:cNvPr id="1" name=""/>
+        <p:cNvGrpSpPr/>
+        <p:nvPr/>
+      </p:nvGrpSpPr>
+      <p:grpSpPr>
+        <a:xfrm>
+          <a:off x="0" y="0"/>
+          <a:ext cx="0" cy="0"/>
+          <a:chOff x="0" y="0"/>
+          <a:chExt cx="0" cy="0"/>
+        </a:xfrm>
+      </p:grpSpPr>
+      <p:sp>
+        <p:nvSpPr>
           <p:cNvPr id="4" name="TextBox 3">
             <a:extLst>
               <a:ext uri="{FF2B5EF4-FFF2-40B4-BE49-F238E27FC236}">
@@ -6277,7 +7890,7 @@
 </p:sld>
 </file>
 
-<file path=ppt/slides/slide3.xml><?xml version="1.0" encoding="utf-8"?>
+<file path=ppt/slides/slide4.xml><?xml version="1.0" encoding="utf-8"?>
 <p:sld xmlns:a="http://schemas.openxmlformats.org/drawingml/2006/main" xmlns:r="http://schemas.openxmlformats.org/officeDocument/2006/relationships" xmlns:p="http://schemas.openxmlformats.org/presentationml/2006/main">
   <p:cSld>
     <p:bg>
@@ -6351,7 +7964,7 @@
         </p:nvSpPr>
         <p:spPr>
           <a:xfrm>
-            <a:off x="300037" y="1182144"/>
+            <a:off x="300037" y="1160685"/>
             <a:ext cx="11474042" cy="4062651"/>
           </a:xfrm>
           <a:prstGeom prst="rect">
@@ -6954,7 +8567,7 @@
 </p:sld>
 </file>
 
-<file path=ppt/slides/slide4.xml><?xml version="1.0" encoding="utf-8"?>
+<file path=ppt/slides/slide5.xml><?xml version="1.0" encoding="utf-8"?>
 <p:sld xmlns:a="http://schemas.openxmlformats.org/drawingml/2006/main" xmlns:r="http://schemas.openxmlformats.org/officeDocument/2006/relationships" xmlns:p="http://schemas.openxmlformats.org/presentationml/2006/main">
   <p:cSld>
     <p:bg>
@@ -7504,7 +9117,7 @@
 </p:sld>
 </file>
 
-<file path=ppt/slides/slide5.xml><?xml version="1.0" encoding="utf-8"?>
+<file path=ppt/slides/slide6.xml><?xml version="1.0" encoding="utf-8"?>
 <p:sld xmlns:a="http://schemas.openxmlformats.org/drawingml/2006/main" xmlns:r="http://schemas.openxmlformats.org/officeDocument/2006/relationships" xmlns:p="http://schemas.openxmlformats.org/presentationml/2006/main">
   <p:cSld>
     <p:bg>
@@ -8089,666 +9702,6 @@
     <p:extLst>
       <p:ext uri="{BB962C8B-B14F-4D97-AF65-F5344CB8AC3E}">
         <p14:creationId xmlns:p14="http://schemas.microsoft.com/office/powerpoint/2010/main" val="1771263696"/>
-      </p:ext>
-    </p:extLst>
-  </p:cSld>
-  <p:clrMapOvr>
-    <a:masterClrMapping/>
-  </p:clrMapOvr>
-</p:sld>
-</file>
-
-<file path=ppt/slides/slide6.xml><?xml version="1.0" encoding="utf-8"?>
-<p:sld xmlns:a="http://schemas.openxmlformats.org/drawingml/2006/main" xmlns:r="http://schemas.openxmlformats.org/officeDocument/2006/relationships" xmlns:p="http://schemas.openxmlformats.org/presentationml/2006/main">
-  <p:cSld>
-    <p:bg>
-      <p:bgPr>
-        <a:solidFill>
-          <a:srgbClr val="01203A"/>
-        </a:solidFill>
-        <a:effectLst/>
-      </p:bgPr>
-    </p:bg>
-    <p:spTree>
-      <p:nvGrpSpPr>
-        <p:cNvPr id="1" name=""/>
-        <p:cNvGrpSpPr/>
-        <p:nvPr/>
-      </p:nvGrpSpPr>
-      <p:grpSpPr>
-        <a:xfrm>
-          <a:off x="0" y="0"/>
-          <a:ext cx="0" cy="0"/>
-          <a:chOff x="0" y="0"/>
-          <a:chExt cx="0" cy="0"/>
-        </a:xfrm>
-      </p:grpSpPr>
-      <p:sp>
-        <p:nvSpPr>
-          <p:cNvPr id="17" name="TextBox 16">
-            <a:extLst>
-              <a:ext uri="{FF2B5EF4-FFF2-40B4-BE49-F238E27FC236}">
-                <a16:creationId xmlns:a16="http://schemas.microsoft.com/office/drawing/2014/main" id="{3532BD0F-E82C-450E-AEBF-AEC960F1B061}"/>
-              </a:ext>
-            </a:extLst>
-          </p:cNvPr>
-          <p:cNvSpPr txBox="1"/>
-          <p:nvPr/>
-        </p:nvSpPr>
-        <p:spPr>
-          <a:xfrm>
-            <a:off x="221705" y="1408094"/>
-            <a:ext cx="4068944" cy="1323439"/>
-          </a:xfrm>
-          <a:prstGeom prst="rect">
-            <a:avLst/>
-          </a:prstGeom>
-          <a:noFill/>
-        </p:spPr>
-        <p:txBody>
-          <a:bodyPr wrap="square" rtlCol="0">
-            <a:spAutoFit/>
-          </a:bodyPr>
-          <a:lstStyle/>
-          <a:p>
-            <a:r>
-              <a:rPr lang="en-IN" sz="4000" b="1" dirty="0">
-                <a:solidFill>
-                  <a:srgbClr val="00B0F0"/>
-                </a:solidFill>
-                <a:latin typeface="Arial" panose="020B0604020202020204" pitchFamily="34" charset="0"/>
-                <a:cs typeface="Arial" panose="020B0604020202020204" pitchFamily="34" charset="0"/>
-              </a:rPr>
-              <a:t>Early Warning </a:t>
-            </a:r>
-          </a:p>
-          <a:p>
-            <a:r>
-              <a:rPr lang="en-IN" sz="4000" b="1" dirty="0">
-                <a:solidFill>
-                  <a:srgbClr val="00B0F0"/>
-                </a:solidFill>
-                <a:latin typeface="Arial" panose="020B0604020202020204" pitchFamily="34" charset="0"/>
-                <a:cs typeface="Arial" panose="020B0604020202020204" pitchFamily="34" charset="0"/>
-              </a:rPr>
-              <a:t>System (EWS)</a:t>
-            </a:r>
-          </a:p>
-        </p:txBody>
-      </p:sp>
-      <p:pic>
-        <p:nvPicPr>
-          <p:cNvPr id="10" name="Picture 9">
-            <a:extLst>
-              <a:ext uri="{FF2B5EF4-FFF2-40B4-BE49-F238E27FC236}">
-                <a16:creationId xmlns:a16="http://schemas.microsoft.com/office/drawing/2014/main" id="{EA2C6EA3-8857-475A-AF62-812ADA547D82}"/>
-              </a:ext>
-            </a:extLst>
-          </p:cNvPr>
-          <p:cNvPicPr>
-            <a:picLocks noChangeAspect="1"/>
-          </p:cNvPicPr>
-          <p:nvPr/>
-        </p:nvPicPr>
-        <p:blipFill>
-          <a:blip r:embed="rId2">
-            <a:extLst>
-              <a:ext uri="{28A0092B-C50C-407E-A947-70E740481C1C}">
-                <a14:useLocalDpi xmlns:a14="http://schemas.microsoft.com/office/drawing/2010/main" val="0"/>
-              </a:ext>
-            </a:extLst>
-          </a:blip>
-          <a:stretch>
-            <a:fillRect/>
-          </a:stretch>
-        </p:blipFill>
-        <p:spPr>
-          <a:xfrm>
-            <a:off x="4007247" y="1531802"/>
-            <a:ext cx="1687646" cy="1323439"/>
-          </a:xfrm>
-          <a:prstGeom prst="rect">
-            <a:avLst/>
-          </a:prstGeom>
-          <a:ln w="88900" cap="sq" cmpd="thickThin">
-            <a:solidFill>
-              <a:srgbClr val="000000"/>
-            </a:solidFill>
-            <a:prstDash val="solid"/>
-            <a:miter lim="800000"/>
-          </a:ln>
-          <a:effectLst>
-            <a:innerShdw blurRad="114300">
-              <a:prstClr val="black"/>
-            </a:innerShdw>
-          </a:effectLst>
-        </p:spPr>
-      </p:pic>
-      <p:sp>
-        <p:nvSpPr>
-          <p:cNvPr id="8" name="Rectangle 7">
-            <a:extLst>
-              <a:ext uri="{FF2B5EF4-FFF2-40B4-BE49-F238E27FC236}">
-                <a16:creationId xmlns:a16="http://schemas.microsoft.com/office/drawing/2014/main" id="{A9E7C1BF-1CE5-48A3-945D-A19B94BAF7D2}"/>
-              </a:ext>
-            </a:extLst>
-          </p:cNvPr>
-          <p:cNvSpPr/>
-          <p:nvPr/>
-        </p:nvSpPr>
-        <p:spPr>
-          <a:xfrm>
-            <a:off x="0" y="6191250"/>
-            <a:ext cx="4619625" cy="51289"/>
-          </a:xfrm>
-          <a:prstGeom prst="rect">
-            <a:avLst/>
-          </a:prstGeom>
-          <a:solidFill>
-            <a:srgbClr val="01203A"/>
-          </a:solidFill>
-          <a:ln>
-            <a:noFill/>
-          </a:ln>
-        </p:spPr>
-        <p:style>
-          <a:lnRef idx="2">
-            <a:schemeClr val="accent1">
-              <a:shade val="50000"/>
-            </a:schemeClr>
-          </a:lnRef>
-          <a:fillRef idx="1">
-            <a:schemeClr val="accent1"/>
-          </a:fillRef>
-          <a:effectRef idx="0">
-            <a:schemeClr val="accent1"/>
-          </a:effectRef>
-          <a:fontRef idx="minor">
-            <a:schemeClr val="lt1"/>
-          </a:fontRef>
-        </p:style>
-        <p:txBody>
-          <a:bodyPr rtlCol="0" anchor="ctr"/>
-          <a:lstStyle/>
-          <a:p>
-            <a:pPr algn="ctr"/>
-            <a:endParaRPr lang="en-IN"/>
-          </a:p>
-        </p:txBody>
-      </p:sp>
-      <p:sp>
-        <p:nvSpPr>
-          <p:cNvPr id="24" name="Rectangle 23">
-            <a:extLst>
-              <a:ext uri="{FF2B5EF4-FFF2-40B4-BE49-F238E27FC236}">
-                <a16:creationId xmlns:a16="http://schemas.microsoft.com/office/drawing/2014/main" id="{1AFB0757-E1EC-491D-8107-CE678A9E6D6D}"/>
-              </a:ext>
-            </a:extLst>
-          </p:cNvPr>
-          <p:cNvSpPr/>
-          <p:nvPr/>
-        </p:nvSpPr>
-        <p:spPr>
-          <a:xfrm>
-            <a:off x="11768786" y="5301584"/>
-            <a:ext cx="423214" cy="940955"/>
-          </a:xfrm>
-          <a:prstGeom prst="rect">
-            <a:avLst/>
-          </a:prstGeom>
-          <a:solidFill>
-            <a:srgbClr val="01203A"/>
-          </a:solidFill>
-          <a:ln>
-            <a:solidFill>
-              <a:srgbClr val="01203A"/>
-            </a:solidFill>
-          </a:ln>
-        </p:spPr>
-        <p:style>
-          <a:lnRef idx="2">
-            <a:schemeClr val="accent1">
-              <a:shade val="50000"/>
-            </a:schemeClr>
-          </a:lnRef>
-          <a:fillRef idx="1">
-            <a:schemeClr val="accent1"/>
-          </a:fillRef>
-          <a:effectRef idx="0">
-            <a:schemeClr val="accent1"/>
-          </a:effectRef>
-          <a:fontRef idx="minor">
-            <a:schemeClr val="lt1"/>
-          </a:fontRef>
-        </p:style>
-        <p:txBody>
-          <a:bodyPr rtlCol="0" anchor="ctr"/>
-          <a:lstStyle/>
-          <a:p>
-            <a:pPr algn="ctr"/>
-            <a:endParaRPr lang="en-IN" dirty="0">
-              <a:ln>
-                <a:solidFill>
-                  <a:srgbClr val="01203A"/>
-                </a:solidFill>
-              </a:ln>
-            </a:endParaRPr>
-          </a:p>
-        </p:txBody>
-      </p:sp>
-      <p:pic>
-        <p:nvPicPr>
-          <p:cNvPr id="27" name="Content Placeholder 4">
-            <a:extLst>
-              <a:ext uri="{FF2B5EF4-FFF2-40B4-BE49-F238E27FC236}">
-                <a16:creationId xmlns:a16="http://schemas.microsoft.com/office/drawing/2014/main" id="{E35439FB-FAE7-46D4-9381-8942A059C4A6}"/>
-              </a:ext>
-            </a:extLst>
-          </p:cNvPr>
-          <p:cNvPicPr>
-            <a:picLocks noChangeAspect="1"/>
-          </p:cNvPicPr>
-          <p:nvPr/>
-        </p:nvPicPr>
-        <p:blipFill rotWithShape="1">
-          <a:blip r:embed="rId3">
-            <a:extLst>
-              <a:ext uri="{28A0092B-C50C-407E-A947-70E740481C1C}">
-                <a14:useLocalDpi xmlns:a14="http://schemas.microsoft.com/office/drawing/2010/main" val="0"/>
-              </a:ext>
-            </a:extLst>
-          </a:blip>
-          <a:srcRect l="7361" t="2716" r="9475" b="2606"/>
-          <a:stretch/>
-        </p:blipFill>
-        <p:spPr>
-          <a:xfrm>
-            <a:off x="10051713" y="1461108"/>
-            <a:ext cx="1838197" cy="1414582"/>
-          </a:xfrm>
-          <a:prstGeom prst="rect">
-            <a:avLst/>
-          </a:prstGeom>
-          <a:ln w="76200" cap="sq">
-            <a:solidFill>
-              <a:srgbClr val="000000"/>
-            </a:solidFill>
-            <a:miter lim="800000"/>
-          </a:ln>
-          <a:effectLst>
-            <a:outerShdw blurRad="57150" dist="50800" dir="2700000" algn="tl" rotWithShape="0">
-              <a:srgbClr val="000000">
-                <a:alpha val="40000"/>
-              </a:srgbClr>
-            </a:outerShdw>
-          </a:effectLst>
-        </p:spPr>
-      </p:pic>
-      <p:sp>
-        <p:nvSpPr>
-          <p:cNvPr id="28" name="TextBox 27">
-            <a:extLst>
-              <a:ext uri="{FF2B5EF4-FFF2-40B4-BE49-F238E27FC236}">
-                <a16:creationId xmlns:a16="http://schemas.microsoft.com/office/drawing/2014/main" id="{3E1A82C1-9F45-4DAB-BA4B-F7D21467AE4E}"/>
-              </a:ext>
-            </a:extLst>
-          </p:cNvPr>
-          <p:cNvSpPr txBox="1"/>
-          <p:nvPr/>
-        </p:nvSpPr>
-        <p:spPr>
-          <a:xfrm>
-            <a:off x="247148" y="3125709"/>
-            <a:ext cx="5427649" cy="1938992"/>
-          </a:xfrm>
-          <a:prstGeom prst="rect">
-            <a:avLst/>
-          </a:prstGeom>
-          <a:noFill/>
-        </p:spPr>
-        <p:txBody>
-          <a:bodyPr wrap="square" rtlCol="0">
-            <a:spAutoFit/>
-          </a:bodyPr>
-          <a:lstStyle/>
-          <a:p>
-            <a:r>
-              <a:rPr lang="en-IN" sz="2400" dirty="0">
-                <a:solidFill>
-                  <a:schemeClr val="bg1"/>
-                </a:solidFill>
-                <a:latin typeface="Futura Lt BT" panose="020B0402020204020303" pitchFamily="34" charset="0"/>
-                <a:ea typeface="Calibri" panose="020F0502020204030204" pitchFamily="34" charset="0"/>
-              </a:rPr>
-              <a:t>N</a:t>
-            </a:r>
-            <a:r>
-              <a:rPr lang="en-IN" sz="2400" dirty="0">
-                <a:solidFill>
-                  <a:schemeClr val="bg1"/>
-                </a:solidFill>
-                <a:effectLst/>
-                <a:latin typeface="Futura Lt BT" panose="020B0402020204020303" pitchFamily="34" charset="0"/>
-                <a:ea typeface="Calibri" panose="020F0502020204030204" pitchFamily="34" charset="0"/>
-              </a:rPr>
-              <a:t>otifies educators in real-time </a:t>
-            </a:r>
-          </a:p>
-          <a:p>
-            <a:r>
-              <a:rPr lang="en-IN" sz="2400" dirty="0">
-                <a:solidFill>
-                  <a:schemeClr val="bg1"/>
-                </a:solidFill>
-                <a:effectLst/>
-                <a:latin typeface="Futura Lt BT" panose="020B0402020204020303" pitchFamily="34" charset="0"/>
-                <a:ea typeface="Calibri" panose="020F0502020204030204" pitchFamily="34" charset="0"/>
-              </a:rPr>
-              <a:t>whenever a student seems to be </a:t>
-            </a:r>
-          </a:p>
-          <a:p>
-            <a:r>
-              <a:rPr lang="en-IN" sz="2400" dirty="0">
-                <a:solidFill>
-                  <a:schemeClr val="bg1"/>
-                </a:solidFill>
-                <a:effectLst/>
-                <a:latin typeface="Futura Lt BT" panose="020B0402020204020303" pitchFamily="34" charset="0"/>
-                <a:ea typeface="Calibri" panose="020F0502020204030204" pitchFamily="34" charset="0"/>
-              </a:rPr>
-              <a:t>falling behind so that educators can develop additional strategies to help students get back on track.</a:t>
-            </a:r>
-            <a:endParaRPr lang="en-IN" sz="2400" dirty="0">
-              <a:solidFill>
-                <a:schemeClr val="bg1"/>
-              </a:solidFill>
-              <a:latin typeface="Futura Lt BT" panose="020B0402020204020303" pitchFamily="34" charset="0"/>
-            </a:endParaRPr>
-          </a:p>
-        </p:txBody>
-      </p:sp>
-      <p:sp>
-        <p:nvSpPr>
-          <p:cNvPr id="29" name="TextBox 28">
-            <a:extLst>
-              <a:ext uri="{FF2B5EF4-FFF2-40B4-BE49-F238E27FC236}">
-                <a16:creationId xmlns:a16="http://schemas.microsoft.com/office/drawing/2014/main" id="{71A955C5-9BDC-41D6-A3EA-CC9D62EEEC1B}"/>
-              </a:ext>
-            </a:extLst>
-          </p:cNvPr>
-          <p:cNvSpPr txBox="1"/>
-          <p:nvPr/>
-        </p:nvSpPr>
-        <p:spPr>
-          <a:xfrm>
-            <a:off x="6335976" y="1430747"/>
-            <a:ext cx="3611892" cy="1323439"/>
-          </a:xfrm>
-          <a:prstGeom prst="rect">
-            <a:avLst/>
-          </a:prstGeom>
-          <a:noFill/>
-        </p:spPr>
-        <p:txBody>
-          <a:bodyPr wrap="square" rtlCol="0">
-            <a:spAutoFit/>
-          </a:bodyPr>
-          <a:lstStyle/>
-          <a:p>
-            <a:r>
-              <a:rPr lang="en-IN" sz="4000" b="1" dirty="0">
-                <a:solidFill>
-                  <a:srgbClr val="00B0F0"/>
-                </a:solidFill>
-                <a:latin typeface="Arial" panose="020B0604020202020204" pitchFamily="34" charset="0"/>
-                <a:cs typeface="Arial" panose="020B0604020202020204" pitchFamily="34" charset="0"/>
-              </a:rPr>
-              <a:t>Holistic View </a:t>
-            </a:r>
-          </a:p>
-          <a:p>
-            <a:r>
-              <a:rPr lang="en-IN" sz="4000" b="1" dirty="0">
-                <a:solidFill>
-                  <a:srgbClr val="00B0F0"/>
-                </a:solidFill>
-                <a:latin typeface="Arial" panose="020B0604020202020204" pitchFamily="34" charset="0"/>
-                <a:cs typeface="Arial" panose="020B0604020202020204" pitchFamily="34" charset="0"/>
-              </a:rPr>
-              <a:t>of Students</a:t>
-            </a:r>
-          </a:p>
-        </p:txBody>
-      </p:sp>
-      <p:sp>
-        <p:nvSpPr>
-          <p:cNvPr id="30" name="TextBox 29">
-            <a:extLst>
-              <a:ext uri="{FF2B5EF4-FFF2-40B4-BE49-F238E27FC236}">
-                <a16:creationId xmlns:a16="http://schemas.microsoft.com/office/drawing/2014/main" id="{1A784975-01FA-455A-B627-46C56EB1B47A}"/>
-              </a:ext>
-            </a:extLst>
-          </p:cNvPr>
-          <p:cNvSpPr txBox="1"/>
-          <p:nvPr/>
-        </p:nvSpPr>
-        <p:spPr>
-          <a:xfrm>
-            <a:off x="6335976" y="3145807"/>
-            <a:ext cx="5760774" cy="3046988"/>
-          </a:xfrm>
-          <a:prstGeom prst="rect">
-            <a:avLst/>
-          </a:prstGeom>
-          <a:noFill/>
-        </p:spPr>
-        <p:txBody>
-          <a:bodyPr wrap="square" rtlCol="0">
-            <a:spAutoFit/>
-          </a:bodyPr>
-          <a:lstStyle/>
-          <a:p>
-            <a:r>
-              <a:rPr lang="en-US" sz="2400" dirty="0">
-                <a:solidFill>
-                  <a:schemeClr val="bg1"/>
-                </a:solidFill>
-                <a:latin typeface="Futura Lt BT" panose="020B0402020204020303" pitchFamily="34" charset="0"/>
-              </a:rPr>
-              <a:t>D</a:t>
-            </a:r>
-            <a:r>
-              <a:rPr lang="en-US" sz="2400" b="0" i="0" dirty="0">
-                <a:solidFill>
-                  <a:schemeClr val="bg1"/>
-                </a:solidFill>
-                <a:effectLst/>
-                <a:latin typeface="Futura Lt BT" panose="020B0402020204020303" pitchFamily="34" charset="0"/>
-              </a:rPr>
-              <a:t>iscover insights from</a:t>
-            </a:r>
-            <a:r>
-              <a:rPr lang="en-US" sz="2400" dirty="0">
-                <a:solidFill>
-                  <a:schemeClr val="bg1"/>
-                </a:solidFill>
-                <a:latin typeface="Futura Lt BT" panose="020B0402020204020303" pitchFamily="34" charset="0"/>
-              </a:rPr>
-              <a:t> student</a:t>
-            </a:r>
-            <a:r>
-              <a:rPr lang="en-US" sz="2400" b="0" i="0" dirty="0">
-                <a:solidFill>
-                  <a:schemeClr val="bg1"/>
-                </a:solidFill>
-                <a:effectLst/>
-                <a:latin typeface="Futura Lt BT" panose="020B0402020204020303" pitchFamily="34" charset="0"/>
-              </a:rPr>
-              <a:t> data to</a:t>
-            </a:r>
-          </a:p>
-          <a:p>
-            <a:r>
-              <a:rPr lang="en-IN" sz="2400" dirty="0">
-                <a:solidFill>
-                  <a:schemeClr val="bg1"/>
-                </a:solidFill>
-                <a:effectLst/>
-                <a:latin typeface="Futura Lt BT" panose="020B0402020204020303" pitchFamily="34" charset="0"/>
-                <a:ea typeface="Calibri" panose="020F0502020204030204" pitchFamily="34" charset="0"/>
-              </a:rPr>
-              <a:t>predict future outcomes like </a:t>
-            </a:r>
-            <a:r>
-              <a:rPr lang="en-IN" sz="2400" dirty="0">
-                <a:solidFill>
-                  <a:schemeClr val="bg1"/>
-                </a:solidFill>
-                <a:latin typeface="Futura Lt BT" panose="020B0402020204020303" pitchFamily="34" charset="0"/>
-                <a:ea typeface="Calibri" panose="020F0502020204030204" pitchFamily="34" charset="0"/>
-              </a:rPr>
-              <a:t>f</a:t>
-            </a:r>
-            <a:r>
-              <a:rPr lang="en-IN" sz="2400" dirty="0">
-                <a:solidFill>
-                  <a:schemeClr val="bg1"/>
-                </a:solidFill>
-                <a:effectLst/>
-                <a:latin typeface="Futura Lt BT" panose="020B0402020204020303" pitchFamily="34" charset="0"/>
-                <a:ea typeface="Calibri" panose="020F0502020204030204" pitchFamily="34" charset="0"/>
-              </a:rPr>
-              <a:t>orecast </a:t>
-            </a:r>
-          </a:p>
-          <a:p>
-            <a:r>
-              <a:rPr lang="en-IN" sz="2400" dirty="0">
-                <a:solidFill>
-                  <a:schemeClr val="bg1"/>
-                </a:solidFill>
-                <a:effectLst/>
-                <a:latin typeface="Futura Lt BT" panose="020B0402020204020303" pitchFamily="34" charset="0"/>
-                <a:ea typeface="Calibri" panose="020F0502020204030204" pitchFamily="34" charset="0"/>
-              </a:rPr>
-              <a:t>their academic performance, predict attendance patterns, anticipate a learner's likelihood of completing a course, and estimate the chances of dropout among other things. </a:t>
-            </a:r>
-            <a:r>
-              <a:rPr lang="en-US" sz="2400" b="0" i="0" dirty="0">
-                <a:solidFill>
-                  <a:schemeClr val="bg1"/>
-                </a:solidFill>
-                <a:effectLst/>
-                <a:latin typeface="Futura Lt BT" panose="020B0402020204020303" pitchFamily="34" charset="0"/>
-              </a:rPr>
-              <a:t>thereby providing a holistic view of students.</a:t>
-            </a:r>
-            <a:endParaRPr lang="en-IN" sz="2400" dirty="0">
-              <a:solidFill>
-                <a:schemeClr val="bg1"/>
-              </a:solidFill>
-              <a:latin typeface="Futura Lt BT" panose="020B0402020204020303" pitchFamily="34" charset="0"/>
-            </a:endParaRPr>
-          </a:p>
-        </p:txBody>
-      </p:sp>
-      <p:sp>
-        <p:nvSpPr>
-          <p:cNvPr id="19" name="Rectangle: Rounded Corners 18">
-            <a:extLst>
-              <a:ext uri="{FF2B5EF4-FFF2-40B4-BE49-F238E27FC236}">
-                <a16:creationId xmlns:a16="http://schemas.microsoft.com/office/drawing/2014/main" id="{ED807F0D-62FC-4818-B74E-8DCC138CBADD}"/>
-              </a:ext>
-            </a:extLst>
-          </p:cNvPr>
-          <p:cNvSpPr/>
-          <p:nvPr/>
-        </p:nvSpPr>
-        <p:spPr>
-          <a:xfrm>
-            <a:off x="3892979" y="221826"/>
-            <a:ext cx="3703576" cy="616334"/>
-          </a:xfrm>
-          <a:prstGeom prst="roundRect">
-            <a:avLst/>
-          </a:prstGeom>
-          <a:solidFill>
-            <a:schemeClr val="accent5">
-              <a:lumMod val="50000"/>
-            </a:schemeClr>
-          </a:solidFill>
-          <a:ln>
-            <a:solidFill>
-              <a:schemeClr val="bg1">
-                <a:lumMod val="65000"/>
-              </a:schemeClr>
-            </a:solidFill>
-          </a:ln>
-          <a:effectLst>
-            <a:innerShdw blurRad="63500" dist="50800" dir="5400000">
-              <a:prstClr val="black">
-                <a:alpha val="50000"/>
-              </a:prstClr>
-            </a:innerShdw>
-          </a:effectLst>
-          <a:scene3d>
-            <a:camera prst="orthographicFront">
-              <a:rot lat="0" lon="0" rev="0"/>
-            </a:camera>
-            <a:lightRig rig="glow" dir="t">
-              <a:rot lat="0" lon="0" rev="14100000"/>
-            </a:lightRig>
-          </a:scene3d>
-          <a:sp3d prstMaterial="softEdge"/>
-        </p:spPr>
-        <p:style>
-          <a:lnRef idx="2">
-            <a:schemeClr val="accent1">
-              <a:shade val="50000"/>
-            </a:schemeClr>
-          </a:lnRef>
-          <a:fillRef idx="1">
-            <a:schemeClr val="accent1"/>
-          </a:fillRef>
-          <a:effectRef idx="0">
-            <a:schemeClr val="accent1"/>
-          </a:effectRef>
-          <a:fontRef idx="minor">
-            <a:schemeClr val="lt1"/>
-          </a:fontRef>
-        </p:style>
-        <p:txBody>
-          <a:bodyPr rtlCol="0" anchor="ctr"/>
-          <a:lstStyle/>
-          <a:p>
-            <a:pPr algn="ctr"/>
-            <a:r>
-              <a:rPr lang="en-IN" sz="3200" b="1" dirty="0">
-                <a:solidFill>
-                  <a:srgbClr val="00B0F0"/>
-                </a:solidFill>
-                <a:latin typeface="Verdana" panose="020B0604030504040204" pitchFamily="34" charset="0"/>
-                <a:ea typeface="Verdana" panose="020B0604030504040204" pitchFamily="34" charset="0"/>
-                <a:cs typeface="Aharoni" panose="02010803020104030203" pitchFamily="2" charset="-79"/>
-              </a:rPr>
-              <a:t>Main Features</a:t>
-            </a:r>
-            <a:endParaRPr lang="en-IN" b="1" dirty="0">
-              <a:solidFill>
-                <a:srgbClr val="00B0F0"/>
-              </a:solidFill>
-              <a:latin typeface="Verdana" panose="020B0604030504040204" pitchFamily="34" charset="0"/>
-              <a:ea typeface="Verdana" panose="020B0604030504040204" pitchFamily="34" charset="0"/>
-              <a:cs typeface="Aharoni" panose="02010803020104030203" pitchFamily="2" charset="-79"/>
-            </a:endParaRPr>
-          </a:p>
-        </p:txBody>
-      </p:sp>
-    </p:spTree>
-    <p:extLst>
-      <p:ext uri="{BB962C8B-B14F-4D97-AF65-F5344CB8AC3E}">
-        <p14:creationId xmlns:p14="http://schemas.microsoft.com/office/powerpoint/2010/main" val="2736761595"/>
       </p:ext>
     </p:extLst>
   </p:cSld>
@@ -8785,76 +9738,111 @@
       </p:grpSpPr>
       <p:sp>
         <p:nvSpPr>
-          <p:cNvPr id="2" name="Title 1">
+          <p:cNvPr id="17" name="TextBox 16">
             <a:extLst>
               <a:ext uri="{FF2B5EF4-FFF2-40B4-BE49-F238E27FC236}">
-                <a16:creationId xmlns:a16="http://schemas.microsoft.com/office/drawing/2014/main" id="{933975B7-42FF-45AB-9A69-2848A9C2C02C}"/>
+                <a16:creationId xmlns:a16="http://schemas.microsoft.com/office/drawing/2014/main" id="{3532BD0F-E82C-450E-AEBF-AEC960F1B061}"/>
               </a:ext>
             </a:extLst>
           </p:cNvPr>
-          <p:cNvSpPr>
-            <a:spLocks noGrp="1"/>
-          </p:cNvSpPr>
-          <p:nvPr>
-            <p:ph type="title"/>
-          </p:nvPr>
-        </p:nvSpPr>
-        <p:spPr>
-          <a:xfrm>
-            <a:off x="3633991" y="313107"/>
-            <a:ext cx="5198674" cy="915451"/>
-          </a:xfrm>
-        </p:spPr>
-        <p:txBody>
-          <a:bodyPr>
-            <a:noAutofit/>
+          <p:cNvSpPr txBox="1"/>
+          <p:nvPr/>
+        </p:nvSpPr>
+        <p:spPr>
+          <a:xfrm>
+            <a:off x="221705" y="1408094"/>
+            <a:ext cx="4068944" cy="1323439"/>
+          </a:xfrm>
+          <a:prstGeom prst="rect">
+            <a:avLst/>
+          </a:prstGeom>
+          <a:noFill/>
+        </p:spPr>
+        <p:txBody>
+          <a:bodyPr wrap="square" rtlCol="0">
+            <a:spAutoFit/>
           </a:bodyPr>
           <a:lstStyle/>
           <a:p>
-            <a:pPr algn="l"/>
-            <a:r>
-              <a:rPr lang="en-US" sz="4400" b="1" i="0" dirty="0">
-                <a:solidFill>
-                  <a:schemeClr val="bg1">
-                    <a:lumMod val="95000"/>
-                  </a:schemeClr>
-                </a:solidFill>
-                <a:latin typeface="Futura Bk BT" panose="020B0502020204020303" pitchFamily="34" charset="0"/>
-              </a:rPr>
-              <a:t>How does it work</a:t>
-            </a:r>
-            <a:r>
-              <a:rPr lang="en-US" sz="4400" b="1" i="0" dirty="0">
-                <a:solidFill>
-                  <a:schemeClr val="bg1">
-                    <a:lumMod val="95000"/>
-                  </a:schemeClr>
-                </a:solidFill>
-                <a:latin typeface="Ebrima" panose="02000000000000000000" pitchFamily="2" charset="0"/>
-                <a:ea typeface="Ebrima" panose="02000000000000000000" pitchFamily="2" charset="0"/>
-                <a:cs typeface="Ebrima" panose="02000000000000000000" pitchFamily="2" charset="0"/>
-              </a:rPr>
-              <a:t>?</a:t>
-            </a:r>
-            <a:endParaRPr lang="en-IN" sz="4400" b="1" i="0" dirty="0">
-              <a:solidFill>
-                <a:schemeClr val="bg1">
-                  <a:lumMod val="95000"/>
-                </a:schemeClr>
-              </a:solidFill>
-              <a:latin typeface="Ebrima" panose="02000000000000000000" pitchFamily="2" charset="0"/>
-              <a:ea typeface="Ebrima" panose="02000000000000000000" pitchFamily="2" charset="0"/>
-              <a:cs typeface="Ebrima" panose="02000000000000000000" pitchFamily="2" charset="0"/>
-            </a:endParaRPr>
-          </a:p>
-        </p:txBody>
-      </p:sp>
-      <p:sp>
-        <p:nvSpPr>
-          <p:cNvPr id="5" name="Rectangle: Rounded Corners 4">
+            <a:r>
+              <a:rPr lang="en-IN" sz="4000" b="1" dirty="0">
+                <a:solidFill>
+                  <a:srgbClr val="00B0F0"/>
+                </a:solidFill>
+                <a:latin typeface="Arial" panose="020B0604020202020204" pitchFamily="34" charset="0"/>
+                <a:cs typeface="Arial" panose="020B0604020202020204" pitchFamily="34" charset="0"/>
+              </a:rPr>
+              <a:t>Early Warning </a:t>
+            </a:r>
+          </a:p>
+          <a:p>
+            <a:r>
+              <a:rPr lang="en-IN" sz="4000" b="1" dirty="0">
+                <a:solidFill>
+                  <a:srgbClr val="00B0F0"/>
+                </a:solidFill>
+                <a:latin typeface="Arial" panose="020B0604020202020204" pitchFamily="34" charset="0"/>
+                <a:cs typeface="Arial" panose="020B0604020202020204" pitchFamily="34" charset="0"/>
+              </a:rPr>
+              <a:t>System (EWS)</a:t>
+            </a:r>
+          </a:p>
+        </p:txBody>
+      </p:sp>
+      <p:pic>
+        <p:nvPicPr>
+          <p:cNvPr id="10" name="Picture 9">
             <a:extLst>
               <a:ext uri="{FF2B5EF4-FFF2-40B4-BE49-F238E27FC236}">
-                <a16:creationId xmlns:a16="http://schemas.microsoft.com/office/drawing/2014/main" id="{627DDFE1-A832-45EF-B9D6-03DE198D33CB}"/>
+                <a16:creationId xmlns:a16="http://schemas.microsoft.com/office/drawing/2014/main" id="{EA2C6EA3-8857-475A-AF62-812ADA547D82}"/>
+              </a:ext>
+            </a:extLst>
+          </p:cNvPr>
+          <p:cNvPicPr>
+            <a:picLocks noChangeAspect="1"/>
+          </p:cNvPicPr>
+          <p:nvPr/>
+        </p:nvPicPr>
+        <p:blipFill>
+          <a:blip r:embed="rId2">
+            <a:extLst>
+              <a:ext uri="{28A0092B-C50C-407E-A947-70E740481C1C}">
+                <a14:useLocalDpi xmlns:a14="http://schemas.microsoft.com/office/drawing/2010/main" val="0"/>
+              </a:ext>
+            </a:extLst>
+          </a:blip>
+          <a:stretch>
+            <a:fillRect/>
+          </a:stretch>
+        </p:blipFill>
+        <p:spPr>
+          <a:xfrm>
+            <a:off x="4007247" y="1531802"/>
+            <a:ext cx="1687646" cy="1323439"/>
+          </a:xfrm>
+          <a:prstGeom prst="rect">
+            <a:avLst/>
+          </a:prstGeom>
+          <a:ln w="88900" cap="sq" cmpd="thickThin">
+            <a:solidFill>
+              <a:srgbClr val="000000"/>
+            </a:solidFill>
+            <a:prstDash val="solid"/>
+            <a:miter lim="800000"/>
+          </a:ln>
+          <a:effectLst>
+            <a:innerShdw blurRad="114300">
+              <a:prstClr val="black"/>
+            </a:innerShdw>
+          </a:effectLst>
+        </p:spPr>
+      </p:pic>
+      <p:sp>
+        <p:nvSpPr>
+          <p:cNvPr id="8" name="Rectangle 7">
+            <a:extLst>
+              <a:ext uri="{FF2B5EF4-FFF2-40B4-BE49-F238E27FC236}">
+                <a16:creationId xmlns:a16="http://schemas.microsoft.com/office/drawing/2014/main" id="{A9E7C1BF-1CE5-48A3-945D-A19B94BAF7D2}"/>
               </a:ext>
             </a:extLst>
           </p:cNvPr>
@@ -8863,36 +9851,18 @@
         </p:nvSpPr>
         <p:spPr>
           <a:xfrm>
-            <a:off x="10136531" y="1787315"/>
-            <a:ext cx="1835435" cy="1399592"/>
-          </a:xfrm>
-          <a:prstGeom prst="roundRect">
+            <a:off x="0" y="6191250"/>
+            <a:ext cx="4619625" cy="51289"/>
+          </a:xfrm>
+          <a:prstGeom prst="rect">
             <a:avLst/>
           </a:prstGeom>
           <a:solidFill>
-            <a:schemeClr val="bg1"/>
+            <a:srgbClr val="01203A"/>
           </a:solidFill>
           <a:ln>
             <a:noFill/>
           </a:ln>
-          <a:effectLst>
-            <a:outerShdw blurRad="149987" dist="250190" dir="8460000" algn="ctr">
-              <a:srgbClr val="000000">
-                <a:alpha val="28000"/>
-              </a:srgbClr>
-            </a:outerShdw>
-          </a:effectLst>
-          <a:scene3d>
-            <a:camera prst="orthographicFront">
-              <a:rot lat="0" lon="0" rev="0"/>
-            </a:camera>
-            <a:lightRig rig="contrasting" dir="t">
-              <a:rot lat="0" lon="0" rev="1500000"/>
-            </a:lightRig>
-          </a:scene3d>
-          <a:sp3d prstMaterial="metal">
-            <a:bevelT w="88900" h="88900"/>
-          </a:sp3d>
         </p:spPr>
         <p:style>
           <a:lnRef idx="2">
@@ -8915,22 +9885,16 @@
           <a:lstStyle/>
           <a:p>
             <a:pPr algn="ctr"/>
-            <a:endParaRPr lang="en-IN" sz="2000" b="1" dirty="0">
-              <a:solidFill>
-                <a:schemeClr val="tx1"/>
-              </a:solidFill>
-              <a:ea typeface="Open Sans" panose="020B0606030504020204" pitchFamily="34" charset="0"/>
-              <a:cs typeface="Open Sans" panose="020B0606030504020204" pitchFamily="34" charset="0"/>
-            </a:endParaRPr>
-          </a:p>
-        </p:txBody>
-      </p:sp>
-      <p:sp>
-        <p:nvSpPr>
-          <p:cNvPr id="8" name="Rectangle 7">
+            <a:endParaRPr lang="en-IN"/>
+          </a:p>
+        </p:txBody>
+      </p:sp>
+      <p:sp>
+        <p:nvSpPr>
+          <p:cNvPr id="24" name="Rectangle 23">
             <a:extLst>
               <a:ext uri="{FF2B5EF4-FFF2-40B4-BE49-F238E27FC236}">
-                <a16:creationId xmlns:a16="http://schemas.microsoft.com/office/drawing/2014/main" id="{3F955255-A9F8-449F-9CD6-0C778C0F9E52}"/>
+                <a16:creationId xmlns:a16="http://schemas.microsoft.com/office/drawing/2014/main" id="{1AFB0757-E1EC-491D-8107-CE678A9E6D6D}"/>
               </a:ext>
             </a:extLst>
           </p:cNvPr>
@@ -8939,15 +9903,20 @@
         </p:nvSpPr>
         <p:spPr>
           <a:xfrm>
-            <a:off x="3920029" y="1749488"/>
-            <a:ext cx="1719605" cy="3363688"/>
+            <a:off x="11768786" y="5301584"/>
+            <a:ext cx="423214" cy="940955"/>
           </a:xfrm>
           <a:prstGeom prst="rect">
             <a:avLst/>
           </a:prstGeom>
           <a:solidFill>
-            <a:schemeClr val="bg1"/>
+            <a:srgbClr val="01203A"/>
           </a:solidFill>
+          <a:ln>
+            <a:solidFill>
+              <a:srgbClr val="01203A"/>
+            </a:solidFill>
+          </a:ln>
         </p:spPr>
         <p:style>
           <a:lnRef idx="2">
@@ -8970,16 +9939,22 @@
           <a:lstStyle/>
           <a:p>
             <a:pPr algn="ctr"/>
-            <a:endParaRPr lang="en-IN"/>
+            <a:endParaRPr lang="en-IN" dirty="0">
+              <a:ln>
+                <a:solidFill>
+                  <a:srgbClr val="01203A"/>
+                </a:solidFill>
+              </a:ln>
+            </a:endParaRPr>
           </a:p>
         </p:txBody>
       </p:sp>
       <p:pic>
         <p:nvPicPr>
-          <p:cNvPr id="9" name="Picture 8">
+          <p:cNvPr id="27" name="Content Placeholder 4">
             <a:extLst>
               <a:ext uri="{FF2B5EF4-FFF2-40B4-BE49-F238E27FC236}">
-                <a16:creationId xmlns:a16="http://schemas.microsoft.com/office/drawing/2014/main" id="{9A13C307-224F-421D-BEB8-96A7A7AA927C}"/>
+                <a16:creationId xmlns:a16="http://schemas.microsoft.com/office/drawing/2014/main" id="{E35439FB-FAE7-46D4-9381-8942A059C4A6}"/>
               </a:ext>
             </a:extLst>
           </p:cNvPr>
@@ -8989,63 +9964,314 @@
           <p:nvPr/>
         </p:nvPicPr>
         <p:blipFill rotWithShape="1">
-          <a:blip r:embed="rId2">
+          <a:blip r:embed="rId3">
             <a:extLst>
               <a:ext uri="{28A0092B-C50C-407E-A947-70E740481C1C}">
                 <a14:useLocalDpi xmlns:a14="http://schemas.microsoft.com/office/drawing/2010/main" val="0"/>
               </a:ext>
             </a:extLst>
           </a:blip>
-          <a:srcRect l="18353" r="16057"/>
+          <a:srcRect l="7361" t="2716" r="9475" b="2606"/>
           <a:stretch/>
         </p:blipFill>
         <p:spPr>
           <a:xfrm>
-            <a:off x="3957353" y="2382280"/>
-            <a:ext cx="1719605" cy="1870077"/>
+            <a:off x="10051713" y="1461108"/>
+            <a:ext cx="1838197" cy="1414582"/>
           </a:xfrm>
           <a:prstGeom prst="rect">
             <a:avLst/>
           </a:prstGeom>
+          <a:ln w="76200" cap="sq">
+            <a:solidFill>
+              <a:srgbClr val="000000"/>
+            </a:solidFill>
+            <a:miter lim="800000"/>
+          </a:ln>
+          <a:effectLst>
+            <a:outerShdw blurRad="57150" dist="50800" dir="2700000" algn="tl" rotWithShape="0">
+              <a:srgbClr val="000000">
+                <a:alpha val="40000"/>
+              </a:srgbClr>
+            </a:outerShdw>
+          </a:effectLst>
         </p:spPr>
       </p:pic>
-      <p:pic>
-        <p:nvPicPr>
-          <p:cNvPr id="10" name="Picture 3">
+      <p:sp>
+        <p:nvSpPr>
+          <p:cNvPr id="28" name="TextBox 27">
             <a:extLst>
               <a:ext uri="{FF2B5EF4-FFF2-40B4-BE49-F238E27FC236}">
-                <a16:creationId xmlns:a16="http://schemas.microsoft.com/office/drawing/2014/main" id="{B6F9E422-D892-4513-8533-B044B99E5C1A}"/>
+                <a16:creationId xmlns:a16="http://schemas.microsoft.com/office/drawing/2014/main" id="{3E1A82C1-9F45-4DAB-BA4B-F7D21467AE4E}"/>
               </a:ext>
             </a:extLst>
           </p:cNvPr>
-          <p:cNvPicPr>
-            <a:picLocks noChangeAspect="1"/>
-          </p:cNvPicPr>
+          <p:cNvSpPr txBox="1"/>
           <p:nvPr/>
-        </p:nvPicPr>
-        <p:blipFill>
-          <a:blip r:embed="rId3"/>
-          <a:srcRect/>
-          <a:stretch>
-            <a:fillRect/>
-          </a:stretch>
-        </p:blipFill>
-        <p:spPr>
-          <a:xfrm>
-            <a:off x="3745386" y="1596384"/>
-            <a:ext cx="2038003" cy="3665231"/>
+        </p:nvSpPr>
+        <p:spPr>
+          <a:xfrm>
+            <a:off x="247148" y="3125709"/>
+            <a:ext cx="5427649" cy="1938992"/>
           </a:xfrm>
           <a:prstGeom prst="rect">
             <a:avLst/>
           </a:prstGeom>
-        </p:spPr>
-      </p:pic>
-      <p:sp>
-        <p:nvSpPr>
-          <p:cNvPr id="11" name="Rectangle: Rounded Corners 10">
+          <a:noFill/>
+        </p:spPr>
+        <p:txBody>
+          <a:bodyPr wrap="square" rtlCol="0">
+            <a:spAutoFit/>
+          </a:bodyPr>
+          <a:lstStyle/>
+          <a:p>
+            <a:r>
+              <a:rPr lang="en-IN" sz="2400" dirty="0">
+                <a:solidFill>
+                  <a:schemeClr val="bg1"/>
+                </a:solidFill>
+                <a:latin typeface="Futura Lt BT" panose="020B0402020204020303" pitchFamily="34" charset="0"/>
+                <a:ea typeface="Calibri" panose="020F0502020204030204" pitchFamily="34" charset="0"/>
+              </a:rPr>
+              <a:t>N</a:t>
+            </a:r>
+            <a:r>
+              <a:rPr lang="en-IN" sz="2400" dirty="0">
+                <a:solidFill>
+                  <a:schemeClr val="bg1"/>
+                </a:solidFill>
+                <a:effectLst/>
+                <a:latin typeface="Futura Lt BT" panose="020B0402020204020303" pitchFamily="34" charset="0"/>
+                <a:ea typeface="Calibri" panose="020F0502020204030204" pitchFamily="34" charset="0"/>
+              </a:rPr>
+              <a:t>otifies educators in real-time </a:t>
+            </a:r>
+          </a:p>
+          <a:p>
+            <a:r>
+              <a:rPr lang="en-IN" sz="2400" dirty="0">
+                <a:solidFill>
+                  <a:schemeClr val="bg1"/>
+                </a:solidFill>
+                <a:effectLst/>
+                <a:latin typeface="Futura Lt BT" panose="020B0402020204020303" pitchFamily="34" charset="0"/>
+                <a:ea typeface="Calibri" panose="020F0502020204030204" pitchFamily="34" charset="0"/>
+              </a:rPr>
+              <a:t>whenever a student seems to be </a:t>
+            </a:r>
+          </a:p>
+          <a:p>
+            <a:r>
+              <a:rPr lang="en-IN" sz="2400" dirty="0">
+                <a:solidFill>
+                  <a:schemeClr val="bg1"/>
+                </a:solidFill>
+                <a:effectLst/>
+                <a:latin typeface="Futura Lt BT" panose="020B0402020204020303" pitchFamily="34" charset="0"/>
+                <a:ea typeface="Calibri" panose="020F0502020204030204" pitchFamily="34" charset="0"/>
+              </a:rPr>
+              <a:t>falling behind so that educators can develop additional strategies to help students get back on track.</a:t>
+            </a:r>
+            <a:endParaRPr lang="en-IN" sz="2400" dirty="0">
+              <a:solidFill>
+                <a:schemeClr val="bg1"/>
+              </a:solidFill>
+              <a:latin typeface="Futura Lt BT" panose="020B0402020204020303" pitchFamily="34" charset="0"/>
+            </a:endParaRPr>
+          </a:p>
+        </p:txBody>
+      </p:sp>
+      <p:sp>
+        <p:nvSpPr>
+          <p:cNvPr id="29" name="TextBox 28">
             <a:extLst>
               <a:ext uri="{FF2B5EF4-FFF2-40B4-BE49-F238E27FC236}">
-                <a16:creationId xmlns:a16="http://schemas.microsoft.com/office/drawing/2014/main" id="{194F9B7C-2A2B-4651-8026-909E52ACE61B}"/>
+                <a16:creationId xmlns:a16="http://schemas.microsoft.com/office/drawing/2014/main" id="{71A955C5-9BDC-41D6-A3EA-CC9D62EEEC1B}"/>
+              </a:ext>
+            </a:extLst>
+          </p:cNvPr>
+          <p:cNvSpPr txBox="1"/>
+          <p:nvPr/>
+        </p:nvSpPr>
+        <p:spPr>
+          <a:xfrm>
+            <a:off x="6335976" y="1430747"/>
+            <a:ext cx="3611892" cy="1323439"/>
+          </a:xfrm>
+          <a:prstGeom prst="rect">
+            <a:avLst/>
+          </a:prstGeom>
+          <a:noFill/>
+        </p:spPr>
+        <p:txBody>
+          <a:bodyPr wrap="square" rtlCol="0">
+            <a:spAutoFit/>
+          </a:bodyPr>
+          <a:lstStyle/>
+          <a:p>
+            <a:r>
+              <a:rPr lang="en-IN" sz="4000" b="1" dirty="0">
+                <a:solidFill>
+                  <a:srgbClr val="00B0F0"/>
+                </a:solidFill>
+                <a:latin typeface="Arial" panose="020B0604020202020204" pitchFamily="34" charset="0"/>
+                <a:cs typeface="Arial" panose="020B0604020202020204" pitchFamily="34" charset="0"/>
+              </a:rPr>
+              <a:t>Holistic View </a:t>
+            </a:r>
+          </a:p>
+          <a:p>
+            <a:r>
+              <a:rPr lang="en-IN" sz="4000" b="1" dirty="0">
+                <a:solidFill>
+                  <a:srgbClr val="00B0F0"/>
+                </a:solidFill>
+                <a:latin typeface="Arial" panose="020B0604020202020204" pitchFamily="34" charset="0"/>
+                <a:cs typeface="Arial" panose="020B0604020202020204" pitchFamily="34" charset="0"/>
+              </a:rPr>
+              <a:t>of Students</a:t>
+            </a:r>
+          </a:p>
+        </p:txBody>
+      </p:sp>
+      <p:sp>
+        <p:nvSpPr>
+          <p:cNvPr id="30" name="TextBox 29">
+            <a:extLst>
+              <a:ext uri="{FF2B5EF4-FFF2-40B4-BE49-F238E27FC236}">
+                <a16:creationId xmlns:a16="http://schemas.microsoft.com/office/drawing/2014/main" id="{1A784975-01FA-455A-B627-46C56EB1B47A}"/>
+              </a:ext>
+            </a:extLst>
+          </p:cNvPr>
+          <p:cNvSpPr txBox="1"/>
+          <p:nvPr/>
+        </p:nvSpPr>
+        <p:spPr>
+          <a:xfrm>
+            <a:off x="6335976" y="3145807"/>
+            <a:ext cx="5760774" cy="3046988"/>
+          </a:xfrm>
+          <a:prstGeom prst="rect">
+            <a:avLst/>
+          </a:prstGeom>
+          <a:noFill/>
+        </p:spPr>
+        <p:txBody>
+          <a:bodyPr wrap="square" rtlCol="0">
+            <a:spAutoFit/>
+          </a:bodyPr>
+          <a:lstStyle/>
+          <a:p>
+            <a:r>
+              <a:rPr lang="en-US" sz="2400" dirty="0">
+                <a:solidFill>
+                  <a:schemeClr val="bg1"/>
+                </a:solidFill>
+                <a:latin typeface="Futura Lt BT" panose="020B0402020204020303" pitchFamily="34" charset="0"/>
+              </a:rPr>
+              <a:t>D</a:t>
+            </a:r>
+            <a:r>
+              <a:rPr lang="en-US" sz="2400" b="0" i="0" dirty="0">
+                <a:solidFill>
+                  <a:schemeClr val="bg1"/>
+                </a:solidFill>
+                <a:effectLst/>
+                <a:latin typeface="Futura Lt BT" panose="020B0402020204020303" pitchFamily="34" charset="0"/>
+              </a:rPr>
+              <a:t>iscover insights from</a:t>
+            </a:r>
+            <a:r>
+              <a:rPr lang="en-US" sz="2400" dirty="0">
+                <a:solidFill>
+                  <a:schemeClr val="bg1"/>
+                </a:solidFill>
+                <a:latin typeface="Futura Lt BT" panose="020B0402020204020303" pitchFamily="34" charset="0"/>
+              </a:rPr>
+              <a:t> student</a:t>
+            </a:r>
+            <a:r>
+              <a:rPr lang="en-US" sz="2400" b="0" i="0" dirty="0">
+                <a:solidFill>
+                  <a:schemeClr val="bg1"/>
+                </a:solidFill>
+                <a:effectLst/>
+                <a:latin typeface="Futura Lt BT" panose="020B0402020204020303" pitchFamily="34" charset="0"/>
+              </a:rPr>
+              <a:t> data to</a:t>
+            </a:r>
+          </a:p>
+          <a:p>
+            <a:r>
+              <a:rPr lang="en-IN" sz="2400" dirty="0">
+                <a:solidFill>
+                  <a:schemeClr val="bg1"/>
+                </a:solidFill>
+                <a:effectLst/>
+                <a:latin typeface="Futura Lt BT" panose="020B0402020204020303" pitchFamily="34" charset="0"/>
+                <a:ea typeface="Calibri" panose="020F0502020204030204" pitchFamily="34" charset="0"/>
+              </a:rPr>
+              <a:t>predict future outcomes like </a:t>
+            </a:r>
+            <a:r>
+              <a:rPr lang="en-IN" sz="2400" dirty="0">
+                <a:solidFill>
+                  <a:schemeClr val="bg1"/>
+                </a:solidFill>
+                <a:latin typeface="Futura Lt BT" panose="020B0402020204020303" pitchFamily="34" charset="0"/>
+                <a:ea typeface="Calibri" panose="020F0502020204030204" pitchFamily="34" charset="0"/>
+              </a:rPr>
+              <a:t>f</a:t>
+            </a:r>
+            <a:r>
+              <a:rPr lang="en-IN" sz="2400" dirty="0">
+                <a:solidFill>
+                  <a:schemeClr val="bg1"/>
+                </a:solidFill>
+                <a:effectLst/>
+                <a:latin typeface="Futura Lt BT" panose="020B0402020204020303" pitchFamily="34" charset="0"/>
+                <a:ea typeface="Calibri" panose="020F0502020204030204" pitchFamily="34" charset="0"/>
+              </a:rPr>
+              <a:t>orecast </a:t>
+            </a:r>
+          </a:p>
+          <a:p>
+            <a:r>
+              <a:rPr lang="en-IN" sz="2400" dirty="0">
+                <a:solidFill>
+                  <a:schemeClr val="bg1"/>
+                </a:solidFill>
+                <a:effectLst/>
+                <a:latin typeface="Futura Lt BT" panose="020B0402020204020303" pitchFamily="34" charset="0"/>
+                <a:ea typeface="Calibri" panose="020F0502020204030204" pitchFamily="34" charset="0"/>
+              </a:rPr>
+              <a:t>their academic performance, predict attendance patterns, anticipate a learner's likelihood of completing a course, and estimate the chances of dropout among other things. </a:t>
+            </a:r>
+            <a:r>
+              <a:rPr lang="en-US" sz="2400" b="0" i="0" dirty="0">
+                <a:solidFill>
+                  <a:schemeClr val="bg1"/>
+                </a:solidFill>
+                <a:effectLst/>
+                <a:latin typeface="Futura Lt BT" panose="020B0402020204020303" pitchFamily="34" charset="0"/>
+              </a:rPr>
+              <a:t>thereby providing a holistic view of students.</a:t>
+            </a:r>
+            <a:endParaRPr lang="en-IN" sz="2400" dirty="0">
+              <a:solidFill>
+                <a:schemeClr val="bg1"/>
+              </a:solidFill>
+              <a:latin typeface="Futura Lt BT" panose="020B0402020204020303" pitchFamily="34" charset="0"/>
+            </a:endParaRPr>
+          </a:p>
+        </p:txBody>
+      </p:sp>
+      <p:sp>
+        <p:nvSpPr>
+          <p:cNvPr id="19" name="Rectangle: Rounded Corners 18">
+            <a:extLst>
+              <a:ext uri="{FF2B5EF4-FFF2-40B4-BE49-F238E27FC236}">
+                <a16:creationId xmlns:a16="http://schemas.microsoft.com/office/drawing/2014/main" id="{ED807F0D-62FC-4818-B74E-8DCC138CBADD}"/>
               </a:ext>
             </a:extLst>
           </p:cNvPr>
@@ -9054,22 +10280,31 @@
         </p:nvSpPr>
         <p:spPr>
           <a:xfrm>
-            <a:off x="6448075" y="4307042"/>
-            <a:ext cx="2676443" cy="1707858"/>
+            <a:off x="3892979" y="221826"/>
+            <a:ext cx="3703576" cy="616334"/>
           </a:xfrm>
           <a:prstGeom prst="roundRect">
             <a:avLst/>
           </a:prstGeom>
           <a:solidFill>
-            <a:schemeClr val="accent3">
-              <a:lumMod val="20000"/>
-              <a:lumOff val="80000"/>
+            <a:schemeClr val="accent5">
+              <a:lumMod val="50000"/>
             </a:schemeClr>
           </a:solidFill>
           <a:ln>
-            <a:noFill/>
+            <a:solidFill>
+              <a:schemeClr val="bg1">
+                <a:lumMod val="65000"/>
+              </a:schemeClr>
+            </a:solidFill>
           </a:ln>
-          <a:effectLst/>
+          <a:effectLst>
+            <a:innerShdw blurRad="63500" dist="50800" dir="5400000">
+              <a:prstClr val="black">
+                <a:alpha val="50000"/>
+              </a:prstClr>
+            </a:innerShdw>
+          </a:effectLst>
           <a:scene3d>
             <a:camera prst="orthographicFront">
               <a:rot lat="0" lon="0" rev="0"/>
@@ -9078,9 +10313,7 @@
               <a:rot lat="0" lon="0" rev="14100000"/>
             </a:lightRig>
           </a:scene3d>
-          <a:sp3d prstMaterial="softEdge">
-            <a:bevelT w="127000" prst="artDeco"/>
-          </a:sp3d>
+          <a:sp3d prstMaterial="softEdge"/>
         </p:spPr>
         <p:style>
           <a:lnRef idx="2">
@@ -9102,1677 +10335,33 @@
           <a:bodyPr rtlCol="0" anchor="ctr"/>
           <a:lstStyle/>
           <a:p>
-            <a:pPr>
-              <a:lnSpc>
-                <a:spcPct val="150000"/>
-              </a:lnSpc>
-            </a:pPr>
-            <a:r>
-              <a:rPr lang="en-US" sz="1700" dirty="0">
-                <a:solidFill>
-                  <a:schemeClr val="tx1"/>
-                </a:solidFill>
-                <a:latin typeface="Dubai" panose="020B0503030403030204" pitchFamily="34" charset="-78"/>
-                <a:ea typeface="Open Sans" panose="020B0606030504020204" pitchFamily="34" charset="0"/>
-                <a:cs typeface="Dubai" panose="020B0503030403030204" pitchFamily="34" charset="-78"/>
-              </a:rPr>
-              <a:t>✪ Performance Forecasts</a:t>
-            </a:r>
-          </a:p>
-          <a:p>
-            <a:pPr>
-              <a:lnSpc>
-                <a:spcPct val="150000"/>
-              </a:lnSpc>
-            </a:pPr>
-            <a:r>
-              <a:rPr lang="en-US" sz="1700" dirty="0">
-                <a:solidFill>
-                  <a:schemeClr val="tx1"/>
-                </a:solidFill>
-                <a:latin typeface="Dubai" panose="020B0503030403030204" pitchFamily="34" charset="-78"/>
-                <a:ea typeface="Open Sans" panose="020B0606030504020204" pitchFamily="34" charset="0"/>
-                <a:cs typeface="Dubai" panose="020B0503030403030204" pitchFamily="34" charset="-78"/>
-              </a:rPr>
-              <a:t>✪ Recommendations</a:t>
-            </a:r>
-          </a:p>
-          <a:p>
-            <a:pPr>
-              <a:lnSpc>
-                <a:spcPct val="150000"/>
-              </a:lnSpc>
-            </a:pPr>
-            <a:r>
-              <a:rPr lang="en-US" sz="1700" dirty="0">
-                <a:solidFill>
-                  <a:schemeClr val="tx1"/>
-                </a:solidFill>
-                <a:latin typeface="Dubai" panose="020B0503030403030204" pitchFamily="34" charset="-78"/>
-                <a:ea typeface="Open Sans" panose="020B0606030504020204" pitchFamily="34" charset="0"/>
-                <a:cs typeface="Dubai" panose="020B0503030403030204" pitchFamily="34" charset="-78"/>
-              </a:rPr>
-              <a:t>✪ Intervention plans </a:t>
-            </a:r>
-          </a:p>
-          <a:p>
-            <a:pPr>
-              <a:lnSpc>
-                <a:spcPct val="150000"/>
-              </a:lnSpc>
-            </a:pPr>
-            <a:r>
-              <a:rPr lang="en-US" sz="1700" dirty="0">
-                <a:solidFill>
-                  <a:schemeClr val="tx1"/>
-                </a:solidFill>
-                <a:latin typeface="Dubai" panose="020B0503030403030204" pitchFamily="34" charset="-78"/>
-                <a:ea typeface="Open Sans" panose="020B0606030504020204" pitchFamily="34" charset="0"/>
-                <a:cs typeface="Dubai" panose="020B0503030403030204" pitchFamily="34" charset="-78"/>
-              </a:rPr>
-              <a:t>✪ Support strategies</a:t>
-            </a:r>
-            <a:endParaRPr lang="en-IN" sz="1700" dirty="0">
+            <a:pPr algn="ctr"/>
+            <a:r>
+              <a:rPr lang="en-IN" sz="3200" b="1" dirty="0">
+                <a:solidFill>
+                  <a:srgbClr val="00B0F0"/>
+                </a:solidFill>
+                <a:latin typeface="Verdana" panose="020B0604030504040204" pitchFamily="34" charset="0"/>
+                <a:ea typeface="Verdana" panose="020B0604030504040204" pitchFamily="34" charset="0"/>
+                <a:cs typeface="Aharoni" panose="02010803020104030203" pitchFamily="2" charset="-79"/>
+              </a:rPr>
+              <a:t>Main Features</a:t>
+            </a:r>
+            <a:endParaRPr lang="en-IN" b="1" dirty="0">
               <a:solidFill>
-                <a:schemeClr val="tx1"/>
+                <a:srgbClr val="00B0F0"/>
               </a:solidFill>
-              <a:latin typeface="Dubai" panose="020B0503030403030204" pitchFamily="34" charset="-78"/>
-              <a:ea typeface="Open Sans" panose="020B0606030504020204" pitchFamily="34" charset="0"/>
-              <a:cs typeface="Dubai" panose="020B0503030403030204" pitchFamily="34" charset="-78"/>
+              <a:latin typeface="Verdana" panose="020B0604030504040204" pitchFamily="34" charset="0"/>
+              <a:ea typeface="Verdana" panose="020B0604030504040204" pitchFamily="34" charset="0"/>
+              <a:cs typeface="Aharoni" panose="02010803020104030203" pitchFamily="2" charset="-79"/>
             </a:endParaRPr>
           </a:p>
         </p:txBody>
       </p:sp>
-      <p:sp>
-        <p:nvSpPr>
-          <p:cNvPr id="13" name="Rectangle: Rounded Corners 12">
-            <a:extLst>
-              <a:ext uri="{FF2B5EF4-FFF2-40B4-BE49-F238E27FC236}">
-                <a16:creationId xmlns:a16="http://schemas.microsoft.com/office/drawing/2014/main" id="{624CF9D4-0F0D-431E-8EE1-1A4C1519FE67}"/>
-              </a:ext>
-            </a:extLst>
-          </p:cNvPr>
-          <p:cNvSpPr/>
-          <p:nvPr/>
-        </p:nvSpPr>
-        <p:spPr>
-          <a:xfrm>
-            <a:off x="1454735" y="1994281"/>
-            <a:ext cx="1189898" cy="775998"/>
-          </a:xfrm>
-          <a:prstGeom prst="roundRect">
-            <a:avLst/>
-          </a:prstGeom>
-          <a:solidFill>
-            <a:schemeClr val="bg1"/>
-          </a:solidFill>
-          <a:ln>
-            <a:noFill/>
-          </a:ln>
-          <a:effectLst>
-            <a:outerShdw blurRad="184150" dist="241300" dir="11520000" sx="110000" sy="110000" algn="ctr">
-              <a:srgbClr val="000000">
-                <a:alpha val="18000"/>
-              </a:srgbClr>
-            </a:outerShdw>
-          </a:effectLst>
-          <a:scene3d>
-            <a:camera prst="perspectiveFront" fov="5100000">
-              <a:rot lat="0" lon="2100000" rev="0"/>
-            </a:camera>
-            <a:lightRig rig="flood" dir="t">
-              <a:rot lat="0" lon="0" rev="13800000"/>
-            </a:lightRig>
-          </a:scene3d>
-          <a:sp3d extrusionH="107950" prstMaterial="plastic">
-            <a:bevelT w="82550" h="63500" prst="divot"/>
-            <a:bevelB/>
-          </a:sp3d>
-        </p:spPr>
-        <p:style>
-          <a:lnRef idx="2">
-            <a:schemeClr val="accent1">
-              <a:shade val="50000"/>
-            </a:schemeClr>
-          </a:lnRef>
-          <a:fillRef idx="1">
-            <a:schemeClr val="accent1"/>
-          </a:fillRef>
-          <a:effectRef idx="0">
-            <a:schemeClr val="accent1"/>
-          </a:effectRef>
-          <a:fontRef idx="minor">
-            <a:schemeClr val="lt1"/>
-          </a:fontRef>
-        </p:style>
-        <p:txBody>
-          <a:bodyPr rtlCol="0" anchor="ctr"/>
-          <a:lstStyle/>
-          <a:p>
-            <a:pPr algn="ctr"/>
-            <a:r>
-              <a:rPr lang="en-US" sz="1600" b="1" dirty="0">
-                <a:solidFill>
-                  <a:schemeClr val="tx1"/>
-                </a:solidFill>
-                <a:ea typeface="Open Sans" panose="020B0606030504020204" pitchFamily="34" charset="0"/>
-                <a:cs typeface="Open Sans" panose="020B0606030504020204" pitchFamily="34" charset="0"/>
-              </a:rPr>
-              <a:t>Student’s Data</a:t>
-            </a:r>
-            <a:endParaRPr lang="en-IN" sz="1600" b="1" dirty="0">
-              <a:solidFill>
-                <a:schemeClr val="tx1"/>
-              </a:solidFill>
-              <a:ea typeface="Open Sans" panose="020B0606030504020204" pitchFamily="34" charset="0"/>
-              <a:cs typeface="Open Sans" panose="020B0606030504020204" pitchFamily="34" charset="0"/>
-            </a:endParaRPr>
-          </a:p>
-        </p:txBody>
-      </p:sp>
-      <p:sp>
-        <p:nvSpPr>
-          <p:cNvPr id="14" name="Rectangle: Rounded Corners 13">
-            <a:extLst>
-              <a:ext uri="{FF2B5EF4-FFF2-40B4-BE49-F238E27FC236}">
-                <a16:creationId xmlns:a16="http://schemas.microsoft.com/office/drawing/2014/main" id="{5F792F19-5384-4462-A3F4-815BA9AFC1EF}"/>
-              </a:ext>
-            </a:extLst>
-          </p:cNvPr>
-          <p:cNvSpPr/>
-          <p:nvPr/>
-        </p:nvSpPr>
-        <p:spPr>
-          <a:xfrm>
-            <a:off x="1454735" y="4330887"/>
-            <a:ext cx="1413480" cy="775998"/>
-          </a:xfrm>
-          <a:prstGeom prst="roundRect">
-            <a:avLst/>
-          </a:prstGeom>
-          <a:solidFill>
-            <a:schemeClr val="bg1"/>
-          </a:solidFill>
-        </p:spPr>
-        <p:style>
-          <a:lnRef idx="2">
-            <a:schemeClr val="accent1">
-              <a:shade val="50000"/>
-            </a:schemeClr>
-          </a:lnRef>
-          <a:fillRef idx="1">
-            <a:schemeClr val="accent1"/>
-          </a:fillRef>
-          <a:effectRef idx="0">
-            <a:schemeClr val="accent1"/>
-          </a:effectRef>
-          <a:fontRef idx="minor">
-            <a:schemeClr val="lt1"/>
-          </a:fontRef>
-        </p:style>
-        <p:txBody>
-          <a:bodyPr rtlCol="0" anchor="ctr"/>
-          <a:lstStyle/>
-          <a:p>
-            <a:pPr algn="ctr"/>
-            <a:endParaRPr lang="en-IN" sz="1600" b="1" dirty="0">
-              <a:solidFill>
-                <a:schemeClr val="tx1"/>
-              </a:solidFill>
-              <a:ea typeface="Open Sans" panose="020B0606030504020204" pitchFamily="34" charset="0"/>
-              <a:cs typeface="Open Sans" panose="020B0606030504020204" pitchFamily="34" charset="0"/>
-            </a:endParaRPr>
-          </a:p>
-        </p:txBody>
-      </p:sp>
-      <p:sp>
-        <p:nvSpPr>
-          <p:cNvPr id="28" name="Isosceles Triangle 27">
-            <a:extLst>
-              <a:ext uri="{FF2B5EF4-FFF2-40B4-BE49-F238E27FC236}">
-                <a16:creationId xmlns:a16="http://schemas.microsoft.com/office/drawing/2014/main" id="{97EECCF5-9515-4F63-9277-77163F375F78}"/>
-              </a:ext>
-            </a:extLst>
-          </p:cNvPr>
-          <p:cNvSpPr/>
-          <p:nvPr/>
-        </p:nvSpPr>
-        <p:spPr>
-          <a:xfrm rot="16200000">
-            <a:off x="9159548" y="4669270"/>
-            <a:ext cx="177732" cy="149615"/>
-          </a:xfrm>
-          <a:prstGeom prst="triangle">
-            <a:avLst/>
-          </a:prstGeom>
-          <a:solidFill>
-            <a:srgbClr val="00B0F0"/>
-          </a:solidFill>
-          <a:ln>
-            <a:solidFill>
-              <a:srgbClr val="00B0F0"/>
-            </a:solidFill>
-          </a:ln>
-        </p:spPr>
-        <p:style>
-          <a:lnRef idx="2">
-            <a:schemeClr val="accent1">
-              <a:shade val="50000"/>
-            </a:schemeClr>
-          </a:lnRef>
-          <a:fillRef idx="1">
-            <a:schemeClr val="accent1"/>
-          </a:fillRef>
-          <a:effectRef idx="0">
-            <a:schemeClr val="accent1"/>
-          </a:effectRef>
-          <a:fontRef idx="minor">
-            <a:schemeClr val="lt1"/>
-          </a:fontRef>
-        </p:style>
-        <p:txBody>
-          <a:bodyPr rtlCol="0" anchor="ctr"/>
-          <a:lstStyle/>
-          <a:p>
-            <a:pPr algn="ctr"/>
-            <a:endParaRPr lang="en-IN" dirty="0"/>
-          </a:p>
-        </p:txBody>
-      </p:sp>
-      <p:cxnSp>
-        <p:nvCxnSpPr>
-          <p:cNvPr id="32" name="Straight Connector 31">
-            <a:extLst>
-              <a:ext uri="{FF2B5EF4-FFF2-40B4-BE49-F238E27FC236}">
-                <a16:creationId xmlns:a16="http://schemas.microsoft.com/office/drawing/2014/main" id="{669BC2DC-0D8D-442A-8F82-DC9C28F41233}"/>
-              </a:ext>
-            </a:extLst>
-          </p:cNvPr>
-          <p:cNvCxnSpPr>
-            <a:cxnSpLocks/>
-          </p:cNvCxnSpPr>
-          <p:nvPr/>
-        </p:nvCxnSpPr>
-        <p:spPr>
-          <a:xfrm flipV="1">
-            <a:off x="9323221" y="4763735"/>
-            <a:ext cx="429046" cy="5567"/>
-          </a:xfrm>
-          <a:prstGeom prst="line">
-            <a:avLst/>
-          </a:prstGeom>
-          <a:ln w="38100">
-            <a:solidFill>
-              <a:srgbClr val="00B0F0"/>
-            </a:solidFill>
-          </a:ln>
-        </p:spPr>
-        <p:style>
-          <a:lnRef idx="1">
-            <a:schemeClr val="accent1"/>
-          </a:lnRef>
-          <a:fillRef idx="0">
-            <a:schemeClr val="accent1"/>
-          </a:fillRef>
-          <a:effectRef idx="0">
-            <a:schemeClr val="accent1"/>
-          </a:effectRef>
-          <a:fontRef idx="minor">
-            <a:schemeClr val="tx1"/>
-          </a:fontRef>
-        </p:style>
-      </p:cxnSp>
-      <p:cxnSp>
-        <p:nvCxnSpPr>
-          <p:cNvPr id="34" name="Straight Connector 33">
-            <a:extLst>
-              <a:ext uri="{FF2B5EF4-FFF2-40B4-BE49-F238E27FC236}">
-                <a16:creationId xmlns:a16="http://schemas.microsoft.com/office/drawing/2014/main" id="{60098C3B-12D6-4322-9FDD-EA61BB0A2F7A}"/>
-              </a:ext>
-            </a:extLst>
-          </p:cNvPr>
-          <p:cNvCxnSpPr>
-            <a:cxnSpLocks/>
-          </p:cNvCxnSpPr>
-          <p:nvPr/>
-        </p:nvCxnSpPr>
-        <p:spPr>
-          <a:xfrm>
-            <a:off x="8667750" y="2415620"/>
-            <a:ext cx="850818" cy="0"/>
-          </a:xfrm>
-          <a:prstGeom prst="line">
-            <a:avLst/>
-          </a:prstGeom>
-          <a:ln w="38100">
-            <a:solidFill>
-              <a:srgbClr val="00B0F0"/>
-            </a:solidFill>
-          </a:ln>
-        </p:spPr>
-        <p:style>
-          <a:lnRef idx="1">
-            <a:schemeClr val="accent1"/>
-          </a:lnRef>
-          <a:fillRef idx="0">
-            <a:schemeClr val="accent1"/>
-          </a:fillRef>
-          <a:effectRef idx="0">
-            <a:schemeClr val="accent1"/>
-          </a:effectRef>
-          <a:fontRef idx="minor">
-            <a:schemeClr val="tx1"/>
-          </a:fontRef>
-        </p:style>
-      </p:cxnSp>
-      <p:sp>
-        <p:nvSpPr>
-          <p:cNvPr id="38" name="Isosceles Triangle 37">
-            <a:extLst>
-              <a:ext uri="{FF2B5EF4-FFF2-40B4-BE49-F238E27FC236}">
-                <a16:creationId xmlns:a16="http://schemas.microsoft.com/office/drawing/2014/main" id="{E2CCDB97-A349-4F1A-A26A-66AFD2DC002B}"/>
-              </a:ext>
-            </a:extLst>
-          </p:cNvPr>
-          <p:cNvSpPr/>
-          <p:nvPr/>
-        </p:nvSpPr>
-        <p:spPr>
-          <a:xfrm rot="5400000">
-            <a:off x="9508401" y="2350946"/>
-            <a:ext cx="177732" cy="149615"/>
-          </a:xfrm>
-          <a:prstGeom prst="triangle">
-            <a:avLst/>
-          </a:prstGeom>
-          <a:solidFill>
-            <a:srgbClr val="00B0F0"/>
-          </a:solidFill>
-          <a:ln>
-            <a:solidFill>
-              <a:srgbClr val="00B0F0"/>
-            </a:solidFill>
-          </a:ln>
-        </p:spPr>
-        <p:style>
-          <a:lnRef idx="2">
-            <a:schemeClr val="accent1">
-              <a:shade val="50000"/>
-            </a:schemeClr>
-          </a:lnRef>
-          <a:fillRef idx="1">
-            <a:schemeClr val="accent1"/>
-          </a:fillRef>
-          <a:effectRef idx="0">
-            <a:schemeClr val="accent1"/>
-          </a:effectRef>
-          <a:fontRef idx="minor">
-            <a:schemeClr val="lt1"/>
-          </a:fontRef>
-        </p:style>
-        <p:txBody>
-          <a:bodyPr rtlCol="0" anchor="ctr"/>
-          <a:lstStyle/>
-          <a:p>
-            <a:pPr algn="ctr"/>
-            <a:endParaRPr lang="en-IN" dirty="0"/>
-          </a:p>
-        </p:txBody>
-      </p:sp>
-      <p:cxnSp>
-        <p:nvCxnSpPr>
-          <p:cNvPr id="39" name="Straight Connector 38">
-            <a:extLst>
-              <a:ext uri="{FF2B5EF4-FFF2-40B4-BE49-F238E27FC236}">
-                <a16:creationId xmlns:a16="http://schemas.microsoft.com/office/drawing/2014/main" id="{4EA9A71A-C10E-4020-B0CD-08637E8C9338}"/>
-              </a:ext>
-            </a:extLst>
-          </p:cNvPr>
-          <p:cNvCxnSpPr>
-            <a:cxnSpLocks/>
-          </p:cNvCxnSpPr>
-          <p:nvPr/>
-        </p:nvCxnSpPr>
-        <p:spPr>
-          <a:xfrm>
-            <a:off x="2851280" y="2398445"/>
-            <a:ext cx="589737" cy="4348"/>
-          </a:xfrm>
-          <a:prstGeom prst="line">
-            <a:avLst/>
-          </a:prstGeom>
-          <a:ln w="38100">
-            <a:solidFill>
-              <a:srgbClr val="00B0F0"/>
-            </a:solidFill>
-          </a:ln>
-        </p:spPr>
-        <p:style>
-          <a:lnRef idx="1">
-            <a:schemeClr val="accent1"/>
-          </a:lnRef>
-          <a:fillRef idx="0">
-            <a:schemeClr val="accent1"/>
-          </a:fillRef>
-          <a:effectRef idx="0">
-            <a:schemeClr val="accent1"/>
-          </a:effectRef>
-          <a:fontRef idx="minor">
-            <a:schemeClr val="tx1"/>
-          </a:fontRef>
-        </p:style>
-      </p:cxnSp>
-      <p:sp>
-        <p:nvSpPr>
-          <p:cNvPr id="42" name="Isosceles Triangle 41">
-            <a:extLst>
-              <a:ext uri="{FF2B5EF4-FFF2-40B4-BE49-F238E27FC236}">
-                <a16:creationId xmlns:a16="http://schemas.microsoft.com/office/drawing/2014/main" id="{D6F4E0BF-B680-4581-A376-D91EE8295BA8}"/>
-              </a:ext>
-            </a:extLst>
-          </p:cNvPr>
-          <p:cNvSpPr/>
-          <p:nvPr/>
-        </p:nvSpPr>
-        <p:spPr>
-          <a:xfrm rot="5400000">
-            <a:off x="3426959" y="2345903"/>
-            <a:ext cx="177732" cy="149615"/>
-          </a:xfrm>
-          <a:prstGeom prst="triangle">
-            <a:avLst/>
-          </a:prstGeom>
-          <a:solidFill>
-            <a:srgbClr val="00B0F0"/>
-          </a:solidFill>
-          <a:ln>
-            <a:solidFill>
-              <a:srgbClr val="00B0F0"/>
-            </a:solidFill>
-          </a:ln>
-        </p:spPr>
-        <p:style>
-          <a:lnRef idx="2">
-            <a:schemeClr val="accent1">
-              <a:shade val="50000"/>
-            </a:schemeClr>
-          </a:lnRef>
-          <a:fillRef idx="1">
-            <a:schemeClr val="accent1"/>
-          </a:fillRef>
-          <a:effectRef idx="0">
-            <a:schemeClr val="accent1"/>
-          </a:effectRef>
-          <a:fontRef idx="minor">
-            <a:schemeClr val="lt1"/>
-          </a:fontRef>
-        </p:style>
-        <p:txBody>
-          <a:bodyPr rtlCol="0" anchor="ctr"/>
-          <a:lstStyle/>
-          <a:p>
-            <a:pPr algn="ctr"/>
-            <a:endParaRPr lang="en-IN" dirty="0"/>
-          </a:p>
-        </p:txBody>
-      </p:sp>
-      <p:cxnSp>
-        <p:nvCxnSpPr>
-          <p:cNvPr id="43" name="Straight Connector 42">
-            <a:extLst>
-              <a:ext uri="{FF2B5EF4-FFF2-40B4-BE49-F238E27FC236}">
-                <a16:creationId xmlns:a16="http://schemas.microsoft.com/office/drawing/2014/main" id="{3E2F3E31-9B0D-44AF-8D44-EB9ACD302C99}"/>
-              </a:ext>
-            </a:extLst>
-          </p:cNvPr>
-          <p:cNvCxnSpPr>
-            <a:cxnSpLocks/>
-          </p:cNvCxnSpPr>
-          <p:nvPr/>
-        </p:nvCxnSpPr>
-        <p:spPr>
-          <a:xfrm>
-            <a:off x="3155021" y="4718886"/>
-            <a:ext cx="478970" cy="0"/>
-          </a:xfrm>
-          <a:prstGeom prst="line">
-            <a:avLst/>
-          </a:prstGeom>
-          <a:ln w="38100">
-            <a:solidFill>
-              <a:srgbClr val="00B0F0"/>
-            </a:solidFill>
-          </a:ln>
-        </p:spPr>
-        <p:style>
-          <a:lnRef idx="1">
-            <a:schemeClr val="accent1"/>
-          </a:lnRef>
-          <a:fillRef idx="0">
-            <a:schemeClr val="accent1"/>
-          </a:fillRef>
-          <a:effectRef idx="0">
-            <a:schemeClr val="accent1"/>
-          </a:effectRef>
-          <a:fontRef idx="minor">
-            <a:schemeClr val="tx1"/>
-          </a:fontRef>
-        </p:style>
-      </p:cxnSp>
-      <p:sp>
-        <p:nvSpPr>
-          <p:cNvPr id="44" name="Isosceles Triangle 43">
-            <a:extLst>
-              <a:ext uri="{FF2B5EF4-FFF2-40B4-BE49-F238E27FC236}">
-                <a16:creationId xmlns:a16="http://schemas.microsoft.com/office/drawing/2014/main" id="{6014F21A-002E-4B88-B9B1-E9D2022A70F4}"/>
-              </a:ext>
-            </a:extLst>
-          </p:cNvPr>
-          <p:cNvSpPr/>
-          <p:nvPr/>
-        </p:nvSpPr>
-        <p:spPr>
-          <a:xfrm rot="16200000">
-            <a:off x="2991347" y="4652319"/>
-            <a:ext cx="177732" cy="149615"/>
-          </a:xfrm>
-          <a:prstGeom prst="triangle">
-            <a:avLst/>
-          </a:prstGeom>
-          <a:solidFill>
-            <a:srgbClr val="00B0F0"/>
-          </a:solidFill>
-          <a:ln>
-            <a:solidFill>
-              <a:srgbClr val="00B0F0"/>
-            </a:solidFill>
-          </a:ln>
-        </p:spPr>
-        <p:style>
-          <a:lnRef idx="2">
-            <a:schemeClr val="accent1">
-              <a:shade val="50000"/>
-            </a:schemeClr>
-          </a:lnRef>
-          <a:fillRef idx="1">
-            <a:schemeClr val="accent1"/>
-          </a:fillRef>
-          <a:effectRef idx="0">
-            <a:schemeClr val="accent1"/>
-          </a:effectRef>
-          <a:fontRef idx="minor">
-            <a:schemeClr val="lt1"/>
-          </a:fontRef>
-        </p:style>
-        <p:txBody>
-          <a:bodyPr rtlCol="0" anchor="ctr"/>
-          <a:lstStyle/>
-          <a:p>
-            <a:pPr algn="ctr"/>
-            <a:endParaRPr lang="en-IN" dirty="0"/>
-          </a:p>
-        </p:txBody>
-      </p:sp>
-      <p:cxnSp>
-        <p:nvCxnSpPr>
-          <p:cNvPr id="45" name="Straight Connector 44">
-            <a:extLst>
-              <a:ext uri="{FF2B5EF4-FFF2-40B4-BE49-F238E27FC236}">
-                <a16:creationId xmlns:a16="http://schemas.microsoft.com/office/drawing/2014/main" id="{1DC86520-A9B9-4427-9161-56267332E02B}"/>
-              </a:ext>
-            </a:extLst>
-          </p:cNvPr>
-          <p:cNvCxnSpPr>
-            <a:cxnSpLocks/>
-          </p:cNvCxnSpPr>
-          <p:nvPr/>
-        </p:nvCxnSpPr>
-        <p:spPr>
-          <a:xfrm>
-            <a:off x="5856515" y="4700110"/>
-            <a:ext cx="478970" cy="0"/>
-          </a:xfrm>
-          <a:prstGeom prst="line">
-            <a:avLst/>
-          </a:prstGeom>
-          <a:ln w="38100">
-            <a:solidFill>
-              <a:srgbClr val="00B0F0"/>
-            </a:solidFill>
-          </a:ln>
-        </p:spPr>
-        <p:style>
-          <a:lnRef idx="1">
-            <a:schemeClr val="accent1"/>
-          </a:lnRef>
-          <a:fillRef idx="0">
-            <a:schemeClr val="accent1"/>
-          </a:fillRef>
-          <a:effectRef idx="0">
-            <a:schemeClr val="accent1"/>
-          </a:effectRef>
-          <a:fontRef idx="minor">
-            <a:schemeClr val="tx1"/>
-          </a:fontRef>
-        </p:style>
-      </p:cxnSp>
-      <p:sp>
-        <p:nvSpPr>
-          <p:cNvPr id="46" name="Isosceles Triangle 45">
-            <a:extLst>
-              <a:ext uri="{FF2B5EF4-FFF2-40B4-BE49-F238E27FC236}">
-                <a16:creationId xmlns:a16="http://schemas.microsoft.com/office/drawing/2014/main" id="{836E4DDF-87DA-4D33-A3D2-7B0A3127558F}"/>
-              </a:ext>
-            </a:extLst>
-          </p:cNvPr>
-          <p:cNvSpPr/>
-          <p:nvPr/>
-        </p:nvSpPr>
-        <p:spPr>
-          <a:xfrm rot="16200000">
-            <a:off x="5829797" y="4625303"/>
-            <a:ext cx="177732" cy="149615"/>
-          </a:xfrm>
-          <a:prstGeom prst="triangle">
-            <a:avLst/>
-          </a:prstGeom>
-          <a:solidFill>
-            <a:srgbClr val="00B0F0"/>
-          </a:solidFill>
-          <a:ln>
-            <a:solidFill>
-              <a:srgbClr val="00B0F0"/>
-            </a:solidFill>
-          </a:ln>
-        </p:spPr>
-        <p:style>
-          <a:lnRef idx="2">
-            <a:schemeClr val="accent1">
-              <a:shade val="50000"/>
-            </a:schemeClr>
-          </a:lnRef>
-          <a:fillRef idx="1">
-            <a:schemeClr val="accent1"/>
-          </a:fillRef>
-          <a:effectRef idx="0">
-            <a:schemeClr val="accent1"/>
-          </a:effectRef>
-          <a:fontRef idx="minor">
-            <a:schemeClr val="lt1"/>
-          </a:fontRef>
-        </p:style>
-        <p:txBody>
-          <a:bodyPr rtlCol="0" anchor="ctr"/>
-          <a:lstStyle/>
-          <a:p>
-            <a:pPr algn="ctr"/>
-            <a:endParaRPr lang="en-IN" dirty="0"/>
-          </a:p>
-        </p:txBody>
-      </p:sp>
-      <p:cxnSp>
-        <p:nvCxnSpPr>
-          <p:cNvPr id="51" name="Straight Connector 50">
-            <a:extLst>
-              <a:ext uri="{FF2B5EF4-FFF2-40B4-BE49-F238E27FC236}">
-                <a16:creationId xmlns:a16="http://schemas.microsoft.com/office/drawing/2014/main" id="{10204431-1A72-4D8D-BE4C-7C3FCA57F52F}"/>
-              </a:ext>
-            </a:extLst>
-          </p:cNvPr>
-          <p:cNvCxnSpPr>
-            <a:cxnSpLocks/>
-          </p:cNvCxnSpPr>
-          <p:nvPr/>
-        </p:nvCxnSpPr>
-        <p:spPr>
-          <a:xfrm flipV="1">
-            <a:off x="676366" y="4737716"/>
-            <a:ext cx="605041" cy="8240"/>
-          </a:xfrm>
-          <a:prstGeom prst="line">
-            <a:avLst/>
-          </a:prstGeom>
-          <a:ln w="38100">
-            <a:solidFill>
-              <a:srgbClr val="00B0F0"/>
-            </a:solidFill>
-          </a:ln>
-        </p:spPr>
-        <p:style>
-          <a:lnRef idx="1">
-            <a:schemeClr val="accent1"/>
-          </a:lnRef>
-          <a:fillRef idx="0">
-            <a:schemeClr val="accent1"/>
-          </a:fillRef>
-          <a:effectRef idx="0">
-            <a:schemeClr val="accent1"/>
-          </a:effectRef>
-          <a:fontRef idx="minor">
-            <a:schemeClr val="tx1"/>
-          </a:fontRef>
-        </p:style>
-      </p:cxnSp>
-      <p:cxnSp>
-        <p:nvCxnSpPr>
-          <p:cNvPr id="53" name="Straight Connector 52">
-            <a:extLst>
-              <a:ext uri="{FF2B5EF4-FFF2-40B4-BE49-F238E27FC236}">
-                <a16:creationId xmlns:a16="http://schemas.microsoft.com/office/drawing/2014/main" id="{1EBBCB21-8612-4E64-B353-6E8D2108E68F}"/>
-              </a:ext>
-            </a:extLst>
-          </p:cNvPr>
-          <p:cNvCxnSpPr>
-            <a:cxnSpLocks/>
-          </p:cNvCxnSpPr>
-          <p:nvPr/>
-        </p:nvCxnSpPr>
-        <p:spPr>
-          <a:xfrm flipV="1">
-            <a:off x="714467" y="4333460"/>
-            <a:ext cx="0" cy="404256"/>
-          </a:xfrm>
-          <a:prstGeom prst="line">
-            <a:avLst/>
-          </a:prstGeom>
-          <a:ln w="38100">
-            <a:solidFill>
-              <a:srgbClr val="00B0F0"/>
-            </a:solidFill>
-          </a:ln>
-        </p:spPr>
-        <p:style>
-          <a:lnRef idx="1">
-            <a:schemeClr val="accent1"/>
-          </a:lnRef>
-          <a:fillRef idx="0">
-            <a:schemeClr val="accent1"/>
-          </a:fillRef>
-          <a:effectRef idx="0">
-            <a:schemeClr val="accent1"/>
-          </a:effectRef>
-          <a:fontRef idx="minor">
-            <a:schemeClr val="tx1"/>
-          </a:fontRef>
-        </p:style>
-      </p:cxnSp>
-      <p:cxnSp>
-        <p:nvCxnSpPr>
-          <p:cNvPr id="55" name="Straight Connector 54">
-            <a:extLst>
-              <a:ext uri="{FF2B5EF4-FFF2-40B4-BE49-F238E27FC236}">
-                <a16:creationId xmlns:a16="http://schemas.microsoft.com/office/drawing/2014/main" id="{D5BE2590-23D5-414C-8E5E-60AFCCA683F6}"/>
-              </a:ext>
-            </a:extLst>
-          </p:cNvPr>
-          <p:cNvCxnSpPr>
-            <a:cxnSpLocks/>
-          </p:cNvCxnSpPr>
-          <p:nvPr/>
-        </p:nvCxnSpPr>
-        <p:spPr>
-          <a:xfrm flipV="1">
-            <a:off x="657317" y="2420710"/>
-            <a:ext cx="605041" cy="8240"/>
-          </a:xfrm>
-          <a:prstGeom prst="line">
-            <a:avLst/>
-          </a:prstGeom>
-          <a:ln w="38100">
-            <a:solidFill>
-              <a:srgbClr val="00B0F0"/>
-            </a:solidFill>
-          </a:ln>
-        </p:spPr>
-        <p:style>
-          <a:lnRef idx="1">
-            <a:schemeClr val="accent1"/>
-          </a:lnRef>
-          <a:fillRef idx="0">
-            <a:schemeClr val="accent1"/>
-          </a:fillRef>
-          <a:effectRef idx="0">
-            <a:schemeClr val="accent1"/>
-          </a:effectRef>
-          <a:fontRef idx="minor">
-            <a:schemeClr val="tx1"/>
-          </a:fontRef>
-        </p:style>
-      </p:cxnSp>
-      <p:cxnSp>
-        <p:nvCxnSpPr>
-          <p:cNvPr id="56" name="Straight Connector 55">
-            <a:extLst>
-              <a:ext uri="{FF2B5EF4-FFF2-40B4-BE49-F238E27FC236}">
-                <a16:creationId xmlns:a16="http://schemas.microsoft.com/office/drawing/2014/main" id="{1A8816A9-DF64-47B0-BA80-A08D7428757F}"/>
-              </a:ext>
-            </a:extLst>
-          </p:cNvPr>
-          <p:cNvCxnSpPr>
-            <a:cxnSpLocks/>
-          </p:cNvCxnSpPr>
-          <p:nvPr/>
-        </p:nvCxnSpPr>
-        <p:spPr>
-          <a:xfrm flipV="1">
-            <a:off x="695325" y="2401333"/>
-            <a:ext cx="0" cy="404256"/>
-          </a:xfrm>
-          <a:prstGeom prst="line">
-            <a:avLst/>
-          </a:prstGeom>
-          <a:ln w="38100">
-            <a:solidFill>
-              <a:srgbClr val="00B0F0"/>
-            </a:solidFill>
-          </a:ln>
-        </p:spPr>
-        <p:style>
-          <a:lnRef idx="1">
-            <a:schemeClr val="accent1"/>
-          </a:lnRef>
-          <a:fillRef idx="0">
-            <a:schemeClr val="accent1"/>
-          </a:fillRef>
-          <a:effectRef idx="0">
-            <a:schemeClr val="accent1"/>
-          </a:effectRef>
-          <a:fontRef idx="minor">
-            <a:schemeClr val="tx1"/>
-          </a:fontRef>
-        </p:style>
-      </p:cxnSp>
-      <p:sp>
-        <p:nvSpPr>
-          <p:cNvPr id="7" name="Oval 6">
-            <a:extLst>
-              <a:ext uri="{FF2B5EF4-FFF2-40B4-BE49-F238E27FC236}">
-                <a16:creationId xmlns:a16="http://schemas.microsoft.com/office/drawing/2014/main" id="{0E679141-71B5-404A-A188-5C19FDC488E2}"/>
-              </a:ext>
-            </a:extLst>
-          </p:cNvPr>
-          <p:cNvSpPr/>
-          <p:nvPr/>
-        </p:nvSpPr>
-        <p:spPr>
-          <a:xfrm>
-            <a:off x="142532" y="3053133"/>
-            <a:ext cx="1092626" cy="1013561"/>
-          </a:xfrm>
-          <a:prstGeom prst="ellipse">
-            <a:avLst/>
-          </a:prstGeom>
-        </p:spPr>
-        <p:style>
-          <a:lnRef idx="2">
-            <a:schemeClr val="accent1">
-              <a:shade val="50000"/>
-            </a:schemeClr>
-          </a:lnRef>
-          <a:fillRef idx="1">
-            <a:schemeClr val="accent1"/>
-          </a:fillRef>
-          <a:effectRef idx="0">
-            <a:schemeClr val="accent1"/>
-          </a:effectRef>
-          <a:fontRef idx="minor">
-            <a:schemeClr val="lt1"/>
-          </a:fontRef>
-        </p:style>
-        <p:txBody>
-          <a:bodyPr rtlCol="0" anchor="ctr"/>
-          <a:lstStyle/>
-          <a:p>
-            <a:pPr algn="ctr"/>
-            <a:endParaRPr lang="en-IN"/>
-          </a:p>
-        </p:txBody>
-      </p:sp>
-      <p:pic>
-        <p:nvPicPr>
-          <p:cNvPr id="29" name="Picture 28">
-            <a:extLst>
-              <a:ext uri="{FF2B5EF4-FFF2-40B4-BE49-F238E27FC236}">
-                <a16:creationId xmlns:a16="http://schemas.microsoft.com/office/drawing/2014/main" id="{BED01731-A56C-435A-959F-B3D5BECF09D3}"/>
-              </a:ext>
-            </a:extLst>
-          </p:cNvPr>
-          <p:cNvPicPr>
-            <a:picLocks noChangeAspect="1"/>
-          </p:cNvPicPr>
-          <p:nvPr/>
-        </p:nvPicPr>
-        <p:blipFill>
-          <a:blip r:embed="rId4">
-            <a:extLst>
-              <a:ext uri="{28A0092B-C50C-407E-A947-70E740481C1C}">
-                <a14:useLocalDpi xmlns:a14="http://schemas.microsoft.com/office/drawing/2010/main" val="0"/>
-              </a:ext>
-            </a:extLst>
-          </a:blip>
-          <a:stretch>
-            <a:fillRect/>
-          </a:stretch>
-        </p:blipFill>
-        <p:spPr>
-          <a:xfrm>
-            <a:off x="319963" y="3197326"/>
-            <a:ext cx="725176" cy="725176"/>
-          </a:xfrm>
-          <a:prstGeom prst="rect">
-            <a:avLst/>
-          </a:prstGeom>
-        </p:spPr>
-      </p:pic>
-      <p:sp>
-        <p:nvSpPr>
-          <p:cNvPr id="6" name="TextBox 5">
-            <a:extLst>
-              <a:ext uri="{FF2B5EF4-FFF2-40B4-BE49-F238E27FC236}">
-                <a16:creationId xmlns:a16="http://schemas.microsoft.com/office/drawing/2014/main" id="{82BD5B22-900E-4A98-AEAA-5E837071DA6F}"/>
-              </a:ext>
-            </a:extLst>
-          </p:cNvPr>
-          <p:cNvSpPr txBox="1"/>
-          <p:nvPr/>
-        </p:nvSpPr>
-        <p:spPr>
-          <a:xfrm>
-            <a:off x="9907197" y="988376"/>
-            <a:ext cx="2220138" cy="677108"/>
-          </a:xfrm>
-          <a:prstGeom prst="rect">
-            <a:avLst/>
-          </a:prstGeom>
-          <a:noFill/>
-        </p:spPr>
-        <p:txBody>
-          <a:bodyPr wrap="square" rtlCol="0">
-            <a:spAutoFit/>
-          </a:bodyPr>
-          <a:lstStyle/>
-          <a:p>
-            <a:pPr algn="ctr"/>
-            <a:r>
-              <a:rPr lang="en-IN" sz="1900" b="1" dirty="0">
-                <a:solidFill>
-                  <a:srgbClr val="00B0F0"/>
-                </a:solidFill>
-                <a:latin typeface="Bahnschrift SemiBold" panose="020B0502040204020203" pitchFamily="34" charset="0"/>
-              </a:rPr>
-              <a:t>Azure Machine Learning Studio</a:t>
-            </a:r>
-          </a:p>
-        </p:txBody>
-      </p:sp>
-      <p:sp>
-        <p:nvSpPr>
-          <p:cNvPr id="12" name="Rectangle 11">
-            <a:extLst>
-              <a:ext uri="{FF2B5EF4-FFF2-40B4-BE49-F238E27FC236}">
-                <a16:creationId xmlns:a16="http://schemas.microsoft.com/office/drawing/2014/main" id="{6037C7C7-019C-45B0-8DFB-21D7299975E2}"/>
-              </a:ext>
-            </a:extLst>
-          </p:cNvPr>
-          <p:cNvSpPr/>
-          <p:nvPr/>
-        </p:nvSpPr>
-        <p:spPr>
-          <a:xfrm>
-            <a:off x="0" y="5957356"/>
-            <a:ext cx="4705350" cy="357712"/>
-          </a:xfrm>
-          <a:prstGeom prst="rect">
-            <a:avLst/>
-          </a:prstGeom>
-          <a:solidFill>
-            <a:srgbClr val="01203A"/>
-          </a:solidFill>
-          <a:ln>
-            <a:noFill/>
-          </a:ln>
-        </p:spPr>
-        <p:style>
-          <a:lnRef idx="2">
-            <a:schemeClr val="accent1">
-              <a:shade val="50000"/>
-            </a:schemeClr>
-          </a:lnRef>
-          <a:fillRef idx="1">
-            <a:schemeClr val="accent1"/>
-          </a:fillRef>
-          <a:effectRef idx="0">
-            <a:schemeClr val="accent1"/>
-          </a:effectRef>
-          <a:fontRef idx="minor">
-            <a:schemeClr val="lt1"/>
-          </a:fontRef>
-        </p:style>
-        <p:txBody>
-          <a:bodyPr rtlCol="0" anchor="ctr"/>
-          <a:lstStyle/>
-          <a:p>
-            <a:pPr algn="ctr"/>
-            <a:endParaRPr lang="en-IN"/>
-          </a:p>
-        </p:txBody>
-      </p:sp>
-      <p:sp>
-        <p:nvSpPr>
-          <p:cNvPr id="31" name="Rectangle 30">
-            <a:extLst>
-              <a:ext uri="{FF2B5EF4-FFF2-40B4-BE49-F238E27FC236}">
-                <a16:creationId xmlns:a16="http://schemas.microsoft.com/office/drawing/2014/main" id="{F0B33C47-4D8B-4E32-8348-7AB2EEC82F43}"/>
-              </a:ext>
-            </a:extLst>
-          </p:cNvPr>
-          <p:cNvSpPr/>
-          <p:nvPr/>
-        </p:nvSpPr>
-        <p:spPr>
-          <a:xfrm>
-            <a:off x="11285267" y="5355634"/>
-            <a:ext cx="906733" cy="874597"/>
-          </a:xfrm>
-          <a:prstGeom prst="rect">
-            <a:avLst/>
-          </a:prstGeom>
-          <a:solidFill>
-            <a:srgbClr val="01203A"/>
-          </a:solidFill>
-          <a:ln>
-            <a:noFill/>
-          </a:ln>
-        </p:spPr>
-        <p:style>
-          <a:lnRef idx="2">
-            <a:schemeClr val="accent1">
-              <a:shade val="50000"/>
-            </a:schemeClr>
-          </a:lnRef>
-          <a:fillRef idx="1">
-            <a:schemeClr val="accent1"/>
-          </a:fillRef>
-          <a:effectRef idx="0">
-            <a:schemeClr val="accent1"/>
-          </a:effectRef>
-          <a:fontRef idx="minor">
-            <a:schemeClr val="lt1"/>
-          </a:fontRef>
-        </p:style>
-        <p:txBody>
-          <a:bodyPr rtlCol="0" anchor="ctr"/>
-          <a:lstStyle/>
-          <a:p>
-            <a:pPr algn="ctr"/>
-            <a:endParaRPr lang="en-IN"/>
-          </a:p>
-        </p:txBody>
-      </p:sp>
-      <p:pic>
-        <p:nvPicPr>
-          <p:cNvPr id="16" name="Picture 15">
-            <a:extLst>
-              <a:ext uri="{FF2B5EF4-FFF2-40B4-BE49-F238E27FC236}">
-                <a16:creationId xmlns:a16="http://schemas.microsoft.com/office/drawing/2014/main" id="{8A7C3FBD-A28A-4F15-B9DE-DDA8691E7454}"/>
-              </a:ext>
-            </a:extLst>
-          </p:cNvPr>
-          <p:cNvPicPr>
-            <a:picLocks noChangeAspect="1"/>
-          </p:cNvPicPr>
-          <p:nvPr/>
-        </p:nvPicPr>
-        <p:blipFill>
-          <a:blip r:embed="rId5">
-            <a:extLst>
-              <a:ext uri="{28A0092B-C50C-407E-A947-70E740481C1C}">
-                <a14:useLocalDpi xmlns:a14="http://schemas.microsoft.com/office/drawing/2010/main" val="0"/>
-              </a:ext>
-            </a:extLst>
-          </a:blip>
-          <a:stretch>
-            <a:fillRect/>
-          </a:stretch>
-        </p:blipFill>
-        <p:spPr>
-          <a:xfrm>
-            <a:off x="1849989" y="4455697"/>
-            <a:ext cx="580518" cy="580518"/>
-          </a:xfrm>
-          <a:prstGeom prst="rect">
-            <a:avLst/>
-          </a:prstGeom>
-        </p:spPr>
-      </p:pic>
-      <p:sp>
-        <p:nvSpPr>
-          <p:cNvPr id="35" name="TextBox 34">
-            <a:extLst>
-              <a:ext uri="{FF2B5EF4-FFF2-40B4-BE49-F238E27FC236}">
-                <a16:creationId xmlns:a16="http://schemas.microsoft.com/office/drawing/2014/main" id="{A301BA61-1A2B-456C-84C2-269971B70016}"/>
-              </a:ext>
-            </a:extLst>
-          </p:cNvPr>
-          <p:cNvSpPr txBox="1"/>
-          <p:nvPr/>
-        </p:nvSpPr>
-        <p:spPr>
-          <a:xfrm>
-            <a:off x="1030179" y="5160971"/>
-            <a:ext cx="2220138" cy="707886"/>
-          </a:xfrm>
-          <a:prstGeom prst="rect">
-            <a:avLst/>
-          </a:prstGeom>
-          <a:noFill/>
-        </p:spPr>
-        <p:txBody>
-          <a:bodyPr wrap="square" rtlCol="0">
-            <a:spAutoFit/>
-          </a:bodyPr>
-          <a:lstStyle/>
-          <a:p>
-            <a:pPr algn="ctr"/>
-            <a:r>
-              <a:rPr lang="en-IN" sz="2000" b="1" dirty="0">
-                <a:solidFill>
-                  <a:srgbClr val="00B0F0"/>
-                </a:solidFill>
-                <a:latin typeface="Futura Bk BT" panose="020B0502020204020303" pitchFamily="34" charset="0"/>
-              </a:rPr>
-              <a:t>Personalized</a:t>
-            </a:r>
-            <a:br>
-              <a:rPr lang="en-IN" sz="2000" b="1" dirty="0">
-                <a:solidFill>
-                  <a:srgbClr val="00B0F0"/>
-                </a:solidFill>
-                <a:latin typeface="Futura Bk BT" panose="020B0502020204020303" pitchFamily="34" charset="0"/>
-              </a:rPr>
-            </a:br>
-            <a:r>
-              <a:rPr lang="en-IN" sz="2000" b="1" dirty="0">
-                <a:solidFill>
-                  <a:srgbClr val="00B0F0"/>
-                </a:solidFill>
-                <a:latin typeface="Futura Bk BT" panose="020B0502020204020303" pitchFamily="34" charset="0"/>
-              </a:rPr>
-              <a:t>Feedback</a:t>
-            </a:r>
-          </a:p>
-        </p:txBody>
-      </p:sp>
-      <p:cxnSp>
-        <p:nvCxnSpPr>
-          <p:cNvPr id="36" name="Straight Connector 35">
-            <a:extLst>
-              <a:ext uri="{FF2B5EF4-FFF2-40B4-BE49-F238E27FC236}">
-                <a16:creationId xmlns:a16="http://schemas.microsoft.com/office/drawing/2014/main" id="{FABC72B3-6D2B-4D3B-98BE-F22EA11B7534}"/>
-              </a:ext>
-            </a:extLst>
-          </p:cNvPr>
-          <p:cNvCxnSpPr>
-            <a:cxnSpLocks/>
-          </p:cNvCxnSpPr>
-          <p:nvPr/>
-        </p:nvCxnSpPr>
-        <p:spPr>
-          <a:xfrm>
-            <a:off x="5918663" y="2414661"/>
-            <a:ext cx="948823" cy="0"/>
-          </a:xfrm>
-          <a:prstGeom prst="line">
-            <a:avLst/>
-          </a:prstGeom>
-          <a:ln w="38100">
-            <a:solidFill>
-              <a:srgbClr val="00B0F0"/>
-            </a:solidFill>
-          </a:ln>
-        </p:spPr>
-        <p:style>
-          <a:lnRef idx="1">
-            <a:schemeClr val="accent1"/>
-          </a:lnRef>
-          <a:fillRef idx="0">
-            <a:schemeClr val="accent1"/>
-          </a:fillRef>
-          <a:effectRef idx="0">
-            <a:schemeClr val="accent1"/>
-          </a:effectRef>
-          <a:fontRef idx="minor">
-            <a:schemeClr val="tx1"/>
-          </a:fontRef>
-        </p:style>
-      </p:cxnSp>
-      <p:sp>
-        <p:nvSpPr>
-          <p:cNvPr id="37" name="Isosceles Triangle 36">
-            <a:extLst>
-              <a:ext uri="{FF2B5EF4-FFF2-40B4-BE49-F238E27FC236}">
-                <a16:creationId xmlns:a16="http://schemas.microsoft.com/office/drawing/2014/main" id="{857E7F4E-C6B9-4BDC-8A4C-34E5E00569C6}"/>
-              </a:ext>
-            </a:extLst>
-          </p:cNvPr>
-          <p:cNvSpPr/>
-          <p:nvPr/>
-        </p:nvSpPr>
-        <p:spPr>
-          <a:xfrm rot="5400000">
-            <a:off x="6853428" y="2354143"/>
-            <a:ext cx="177732" cy="149615"/>
-          </a:xfrm>
-          <a:prstGeom prst="triangle">
-            <a:avLst/>
-          </a:prstGeom>
-          <a:solidFill>
-            <a:srgbClr val="00B0F0"/>
-          </a:solidFill>
-          <a:ln>
-            <a:solidFill>
-              <a:srgbClr val="00B0F0"/>
-            </a:solidFill>
-          </a:ln>
-        </p:spPr>
-        <p:style>
-          <a:lnRef idx="2">
-            <a:schemeClr val="accent1">
-              <a:shade val="50000"/>
-            </a:schemeClr>
-          </a:lnRef>
-          <a:fillRef idx="1">
-            <a:schemeClr val="accent1"/>
-          </a:fillRef>
-          <a:effectRef idx="0">
-            <a:schemeClr val="accent1"/>
-          </a:effectRef>
-          <a:fontRef idx="minor">
-            <a:schemeClr val="lt1"/>
-          </a:fontRef>
-        </p:style>
-        <p:txBody>
-          <a:bodyPr rtlCol="0" anchor="ctr"/>
-          <a:lstStyle/>
-          <a:p>
-            <a:pPr algn="ctr"/>
-            <a:endParaRPr lang="en-IN" dirty="0"/>
-          </a:p>
-        </p:txBody>
-      </p:sp>
-      <p:sp>
-        <p:nvSpPr>
-          <p:cNvPr id="47" name="TextBox 46">
-            <a:extLst>
-              <a:ext uri="{FF2B5EF4-FFF2-40B4-BE49-F238E27FC236}">
-                <a16:creationId xmlns:a16="http://schemas.microsoft.com/office/drawing/2014/main" id="{F3091D3F-BE11-4071-BCDA-55E65E470F86}"/>
-              </a:ext>
-            </a:extLst>
-          </p:cNvPr>
-          <p:cNvSpPr txBox="1"/>
-          <p:nvPr/>
-        </p:nvSpPr>
-        <p:spPr>
-          <a:xfrm>
-            <a:off x="6721854" y="2993355"/>
-            <a:ext cx="2220138" cy="400110"/>
-          </a:xfrm>
-          <a:prstGeom prst="rect">
-            <a:avLst/>
-          </a:prstGeom>
-          <a:noFill/>
-        </p:spPr>
-        <p:txBody>
-          <a:bodyPr wrap="square" rtlCol="0">
-            <a:spAutoFit/>
-          </a:bodyPr>
-          <a:lstStyle/>
-          <a:p>
-            <a:pPr algn="ctr"/>
-            <a:r>
-              <a:rPr lang="en-IN" sz="2000" b="1" dirty="0">
-                <a:solidFill>
-                  <a:srgbClr val="00B0F0"/>
-                </a:solidFill>
-                <a:latin typeface="Futura Bk BT" panose="020B0502020204020303" pitchFamily="34" charset="0"/>
-              </a:rPr>
-              <a:t>Azure Storage</a:t>
-            </a:r>
-          </a:p>
-        </p:txBody>
-      </p:sp>
-      <p:sp>
-        <p:nvSpPr>
-          <p:cNvPr id="48" name="Rectangle: Rounded Corners 47">
-            <a:extLst>
-              <a:ext uri="{FF2B5EF4-FFF2-40B4-BE49-F238E27FC236}">
-                <a16:creationId xmlns:a16="http://schemas.microsoft.com/office/drawing/2014/main" id="{192F5F81-F8A2-456C-84EC-694729975CA8}"/>
-              </a:ext>
-            </a:extLst>
-          </p:cNvPr>
-          <p:cNvSpPr/>
-          <p:nvPr/>
-        </p:nvSpPr>
-        <p:spPr>
-          <a:xfrm>
-            <a:off x="10248995" y="4407089"/>
-            <a:ext cx="1835435" cy="1399592"/>
-          </a:xfrm>
-          <a:prstGeom prst="roundRect">
-            <a:avLst/>
-          </a:prstGeom>
-          <a:solidFill>
-            <a:schemeClr val="bg1"/>
-          </a:solidFill>
-          <a:ln>
-            <a:noFill/>
-          </a:ln>
-          <a:effectLst>
-            <a:outerShdw blurRad="149987" dist="250190" dir="8460000" algn="ctr">
-              <a:srgbClr val="000000">
-                <a:alpha val="28000"/>
-              </a:srgbClr>
-            </a:outerShdw>
-          </a:effectLst>
-          <a:scene3d>
-            <a:camera prst="orthographicFront">
-              <a:rot lat="0" lon="0" rev="0"/>
-            </a:camera>
-            <a:lightRig rig="contrasting" dir="t">
-              <a:rot lat="0" lon="0" rev="1500000"/>
-            </a:lightRig>
-          </a:scene3d>
-          <a:sp3d prstMaterial="metal">
-            <a:bevelT w="88900" h="88900"/>
-          </a:sp3d>
-        </p:spPr>
-        <p:style>
-          <a:lnRef idx="2">
-            <a:schemeClr val="accent1">
-              <a:shade val="50000"/>
-            </a:schemeClr>
-          </a:lnRef>
-          <a:fillRef idx="1">
-            <a:schemeClr val="accent1"/>
-          </a:fillRef>
-          <a:effectRef idx="0">
-            <a:schemeClr val="accent1"/>
-          </a:effectRef>
-          <a:fontRef idx="minor">
-            <a:schemeClr val="lt1"/>
-          </a:fontRef>
-        </p:style>
-        <p:txBody>
-          <a:bodyPr rtlCol="0" anchor="ctr"/>
-          <a:lstStyle/>
-          <a:p>
-            <a:pPr algn="ctr"/>
-            <a:endParaRPr lang="en-IN" sz="2000" b="1" dirty="0">
-              <a:solidFill>
-                <a:schemeClr val="tx1"/>
-              </a:solidFill>
-              <a:ea typeface="Open Sans" panose="020B0606030504020204" pitchFamily="34" charset="0"/>
-              <a:cs typeface="Open Sans" panose="020B0606030504020204" pitchFamily="34" charset="0"/>
-            </a:endParaRPr>
-          </a:p>
-        </p:txBody>
-      </p:sp>
-      <p:sp>
-        <p:nvSpPr>
-          <p:cNvPr id="27" name="Left Brace 26">
-            <a:extLst>
-              <a:ext uri="{FF2B5EF4-FFF2-40B4-BE49-F238E27FC236}">
-                <a16:creationId xmlns:a16="http://schemas.microsoft.com/office/drawing/2014/main" id="{1151871E-DE6D-41C8-B0EE-10E35A610BB3}"/>
-              </a:ext>
-            </a:extLst>
-          </p:cNvPr>
-          <p:cNvSpPr/>
-          <p:nvPr/>
-        </p:nvSpPr>
-        <p:spPr>
-          <a:xfrm>
-            <a:off x="9672075" y="2331844"/>
-            <a:ext cx="378217" cy="2689397"/>
-          </a:xfrm>
-          <a:prstGeom prst="leftBrace">
-            <a:avLst/>
-          </a:prstGeom>
-          <a:ln w="57150">
-            <a:solidFill>
-              <a:srgbClr val="00B0F0"/>
-            </a:solidFill>
-          </a:ln>
-        </p:spPr>
-        <p:style>
-          <a:lnRef idx="1">
-            <a:schemeClr val="dk1"/>
-          </a:lnRef>
-          <a:fillRef idx="0">
-            <a:schemeClr val="dk1"/>
-          </a:fillRef>
-          <a:effectRef idx="0">
-            <a:schemeClr val="dk1"/>
-          </a:effectRef>
-          <a:fontRef idx="minor">
-            <a:schemeClr val="tx1"/>
-          </a:fontRef>
-        </p:style>
-        <p:txBody>
-          <a:bodyPr rtlCol="0" anchor="ctr"/>
-          <a:lstStyle/>
-          <a:p>
-            <a:pPr algn="ctr"/>
-            <a:endParaRPr lang="en-IN" dirty="0"/>
-          </a:p>
-        </p:txBody>
-      </p:sp>
-      <p:sp>
-        <p:nvSpPr>
-          <p:cNvPr id="54" name="TextBox 53">
-            <a:extLst>
-              <a:ext uri="{FF2B5EF4-FFF2-40B4-BE49-F238E27FC236}">
-                <a16:creationId xmlns:a16="http://schemas.microsoft.com/office/drawing/2014/main" id="{FB77A7DA-3A88-4468-B53D-FBAC7744CC46}"/>
-              </a:ext>
-            </a:extLst>
-          </p:cNvPr>
-          <p:cNvSpPr txBox="1"/>
-          <p:nvPr/>
-        </p:nvSpPr>
-        <p:spPr>
-          <a:xfrm>
-            <a:off x="10050292" y="5868857"/>
-            <a:ext cx="2220138" cy="400110"/>
-          </a:xfrm>
-          <a:prstGeom prst="rect">
-            <a:avLst/>
-          </a:prstGeom>
-          <a:noFill/>
-        </p:spPr>
-        <p:txBody>
-          <a:bodyPr wrap="square" rtlCol="0">
-            <a:spAutoFit/>
-          </a:bodyPr>
-          <a:lstStyle/>
-          <a:p>
-            <a:pPr algn="ctr"/>
-            <a:r>
-              <a:rPr lang="en-IN" sz="2000" b="1" dirty="0">
-                <a:solidFill>
-                  <a:srgbClr val="00B0F0"/>
-                </a:solidFill>
-                <a:latin typeface="Bahnschrift SemiBold" panose="020B0502040204020203" pitchFamily="34" charset="0"/>
-              </a:rPr>
-              <a:t>Azure Analytics</a:t>
-            </a:r>
-          </a:p>
-        </p:txBody>
-      </p:sp>
-      <p:pic>
-        <p:nvPicPr>
-          <p:cNvPr id="17" name="Picture 16">
-            <a:extLst>
-              <a:ext uri="{FF2B5EF4-FFF2-40B4-BE49-F238E27FC236}">
-                <a16:creationId xmlns:a16="http://schemas.microsoft.com/office/drawing/2014/main" id="{A8A80815-5AB5-004B-983D-EA8C77EC306F}"/>
-              </a:ext>
-            </a:extLst>
-          </p:cNvPr>
-          <p:cNvPicPr>
-            <a:picLocks noChangeAspect="1"/>
-          </p:cNvPicPr>
-          <p:nvPr/>
-        </p:nvPicPr>
-        <p:blipFill>
-          <a:blip r:embed="rId6">
-            <a:extLst>
-              <a:ext uri="{28A0092B-C50C-407E-A947-70E740481C1C}">
-                <a14:useLocalDpi xmlns:a14="http://schemas.microsoft.com/office/drawing/2010/main" val="0"/>
-              </a:ext>
-            </a:extLst>
-          </a:blip>
-          <a:stretch>
-            <a:fillRect/>
-          </a:stretch>
-        </p:blipFill>
-        <p:spPr>
-          <a:xfrm>
-            <a:off x="10648356" y="1994281"/>
-            <a:ext cx="848319" cy="912791"/>
-          </a:xfrm>
-          <a:prstGeom prst="rect">
-            <a:avLst/>
-          </a:prstGeom>
-        </p:spPr>
-      </p:pic>
-      <p:pic>
-        <p:nvPicPr>
-          <p:cNvPr id="19" name="Picture 18">
-            <a:extLst>
-              <a:ext uri="{FF2B5EF4-FFF2-40B4-BE49-F238E27FC236}">
-                <a16:creationId xmlns:a16="http://schemas.microsoft.com/office/drawing/2014/main" id="{BEEF966E-4A07-0084-D8D8-AE78E4870C74}"/>
-              </a:ext>
-            </a:extLst>
-          </p:cNvPr>
-          <p:cNvPicPr>
-            <a:picLocks noChangeAspect="1"/>
-          </p:cNvPicPr>
-          <p:nvPr/>
-        </p:nvPicPr>
-        <p:blipFill rotWithShape="1">
-          <a:blip r:embed="rId7">
-            <a:extLst>
-              <a:ext uri="{28A0092B-C50C-407E-A947-70E740481C1C}">
-                <a14:useLocalDpi xmlns:a14="http://schemas.microsoft.com/office/drawing/2010/main" val="0"/>
-              </a:ext>
-            </a:extLst>
-          </a:blip>
-          <a:srcRect l="21629" t="16637" r="22058" b="17816"/>
-          <a:stretch/>
-        </p:blipFill>
-        <p:spPr>
-          <a:xfrm>
-            <a:off x="10643478" y="4503547"/>
-            <a:ext cx="1036685" cy="1206676"/>
-          </a:xfrm>
-          <a:prstGeom prst="rect">
-            <a:avLst/>
-          </a:prstGeom>
-        </p:spPr>
-      </p:pic>
-      <p:sp>
-        <p:nvSpPr>
-          <p:cNvPr id="59" name="Rectangle: Rounded Corners 58">
-            <a:extLst>
-              <a:ext uri="{FF2B5EF4-FFF2-40B4-BE49-F238E27FC236}">
-                <a16:creationId xmlns:a16="http://schemas.microsoft.com/office/drawing/2014/main" id="{D505D6C9-EEB7-E605-BB41-3C1AF767832F}"/>
-              </a:ext>
-            </a:extLst>
-          </p:cNvPr>
-          <p:cNvSpPr/>
-          <p:nvPr/>
-        </p:nvSpPr>
-        <p:spPr>
-          <a:xfrm>
-            <a:off x="7223257" y="1912791"/>
-            <a:ext cx="1262331" cy="1087130"/>
-          </a:xfrm>
-          <a:prstGeom prst="roundRect">
-            <a:avLst/>
-          </a:prstGeom>
-          <a:solidFill>
-            <a:schemeClr val="bg1"/>
-          </a:solidFill>
-        </p:spPr>
-        <p:style>
-          <a:lnRef idx="2">
-            <a:schemeClr val="accent1">
-              <a:shade val="50000"/>
-            </a:schemeClr>
-          </a:lnRef>
-          <a:fillRef idx="1">
-            <a:schemeClr val="accent1"/>
-          </a:fillRef>
-          <a:effectRef idx="0">
-            <a:schemeClr val="accent1"/>
-          </a:effectRef>
-          <a:fontRef idx="minor">
-            <a:schemeClr val="lt1"/>
-          </a:fontRef>
-        </p:style>
-        <p:txBody>
-          <a:bodyPr rtlCol="0" anchor="ctr"/>
-          <a:lstStyle/>
-          <a:p>
-            <a:pPr algn="ctr"/>
-            <a:endParaRPr lang="en-IN" sz="1600" b="1" dirty="0">
-              <a:solidFill>
-                <a:schemeClr val="tx1"/>
-              </a:solidFill>
-              <a:ea typeface="Open Sans" panose="020B0606030504020204" pitchFamily="34" charset="0"/>
-              <a:cs typeface="Open Sans" panose="020B0606030504020204" pitchFamily="34" charset="0"/>
-            </a:endParaRPr>
-          </a:p>
-        </p:txBody>
-      </p:sp>
-      <p:pic>
-        <p:nvPicPr>
-          <p:cNvPr id="60" name="Picture 59">
-            <a:extLst>
-              <a:ext uri="{FF2B5EF4-FFF2-40B4-BE49-F238E27FC236}">
-                <a16:creationId xmlns:a16="http://schemas.microsoft.com/office/drawing/2014/main" id="{4A2879BB-DD8D-F781-E2BA-FC2C15F771DA}"/>
-              </a:ext>
-            </a:extLst>
-          </p:cNvPr>
-          <p:cNvPicPr>
-            <a:picLocks noChangeAspect="1"/>
-          </p:cNvPicPr>
-          <p:nvPr/>
-        </p:nvPicPr>
-        <p:blipFill>
-          <a:blip r:embed="rId8">
-            <a:extLst>
-              <a:ext uri="{28A0092B-C50C-407E-A947-70E740481C1C}">
-                <a14:useLocalDpi xmlns:a14="http://schemas.microsoft.com/office/drawing/2010/main" val="0"/>
-              </a:ext>
-            </a:extLst>
-          </a:blip>
-          <a:stretch>
-            <a:fillRect/>
-          </a:stretch>
-        </p:blipFill>
-        <p:spPr>
-          <a:xfrm>
-            <a:off x="7283582" y="2013135"/>
-            <a:ext cx="1173388" cy="912791"/>
-          </a:xfrm>
-          <a:prstGeom prst="rect">
-            <a:avLst/>
-          </a:prstGeom>
-        </p:spPr>
-      </p:pic>
     </p:spTree>
     <p:extLst>
       <p:ext uri="{BB962C8B-B14F-4D97-AF65-F5344CB8AC3E}">
-        <p14:creationId xmlns:p14="http://schemas.microsoft.com/office/powerpoint/2010/main" val="137261533"/>
+        <p14:creationId xmlns:p14="http://schemas.microsoft.com/office/powerpoint/2010/main" val="2736761595"/>
       </p:ext>
     </p:extLst>
   </p:cSld>
@@ -10825,6 +10414,2030 @@
         </p:nvSpPr>
         <p:spPr>
           <a:xfrm>
+            <a:off x="3633991" y="313107"/>
+            <a:ext cx="5198674" cy="915451"/>
+          </a:xfrm>
+        </p:spPr>
+        <p:txBody>
+          <a:bodyPr>
+            <a:noAutofit/>
+          </a:bodyPr>
+          <a:lstStyle/>
+          <a:p>
+            <a:pPr algn="l"/>
+            <a:r>
+              <a:rPr lang="en-US" sz="4400" b="1" i="0" dirty="0">
+                <a:solidFill>
+                  <a:schemeClr val="bg1">
+                    <a:lumMod val="95000"/>
+                  </a:schemeClr>
+                </a:solidFill>
+                <a:latin typeface="Futura Bk BT" panose="020B0502020204020303" pitchFamily="34" charset="0"/>
+              </a:rPr>
+              <a:t>How does it work</a:t>
+            </a:r>
+            <a:r>
+              <a:rPr lang="en-US" sz="4400" b="1" i="0" dirty="0">
+                <a:solidFill>
+                  <a:schemeClr val="bg1">
+                    <a:lumMod val="95000"/>
+                  </a:schemeClr>
+                </a:solidFill>
+                <a:latin typeface="Ebrima" panose="02000000000000000000" pitchFamily="2" charset="0"/>
+                <a:ea typeface="Ebrima" panose="02000000000000000000" pitchFamily="2" charset="0"/>
+                <a:cs typeface="Ebrima" panose="02000000000000000000" pitchFamily="2" charset="0"/>
+              </a:rPr>
+              <a:t>?</a:t>
+            </a:r>
+            <a:endParaRPr lang="en-IN" sz="4400" b="1" i="0" dirty="0">
+              <a:solidFill>
+                <a:schemeClr val="bg1">
+                  <a:lumMod val="95000"/>
+                </a:schemeClr>
+              </a:solidFill>
+              <a:latin typeface="Ebrima" panose="02000000000000000000" pitchFamily="2" charset="0"/>
+              <a:ea typeface="Ebrima" panose="02000000000000000000" pitchFamily="2" charset="0"/>
+              <a:cs typeface="Ebrima" panose="02000000000000000000" pitchFamily="2" charset="0"/>
+            </a:endParaRPr>
+          </a:p>
+        </p:txBody>
+      </p:sp>
+      <p:sp>
+        <p:nvSpPr>
+          <p:cNvPr id="5" name="Rectangle: Rounded Corners 4">
+            <a:extLst>
+              <a:ext uri="{FF2B5EF4-FFF2-40B4-BE49-F238E27FC236}">
+                <a16:creationId xmlns:a16="http://schemas.microsoft.com/office/drawing/2014/main" id="{627DDFE1-A832-45EF-B9D6-03DE198D33CB}"/>
+              </a:ext>
+            </a:extLst>
+          </p:cNvPr>
+          <p:cNvSpPr/>
+          <p:nvPr/>
+        </p:nvSpPr>
+        <p:spPr>
+          <a:xfrm>
+            <a:off x="10136531" y="1787315"/>
+            <a:ext cx="1835435" cy="1399592"/>
+          </a:xfrm>
+          <a:prstGeom prst="roundRect">
+            <a:avLst/>
+          </a:prstGeom>
+          <a:solidFill>
+            <a:schemeClr val="bg1"/>
+          </a:solidFill>
+          <a:ln>
+            <a:noFill/>
+          </a:ln>
+          <a:effectLst>
+            <a:outerShdw blurRad="149987" dist="250190" dir="8460000" algn="ctr">
+              <a:srgbClr val="000000">
+                <a:alpha val="28000"/>
+              </a:srgbClr>
+            </a:outerShdw>
+          </a:effectLst>
+          <a:scene3d>
+            <a:camera prst="orthographicFront">
+              <a:rot lat="0" lon="0" rev="0"/>
+            </a:camera>
+            <a:lightRig rig="contrasting" dir="t">
+              <a:rot lat="0" lon="0" rev="1500000"/>
+            </a:lightRig>
+          </a:scene3d>
+          <a:sp3d prstMaterial="metal">
+            <a:bevelT w="88900" h="88900"/>
+          </a:sp3d>
+        </p:spPr>
+        <p:style>
+          <a:lnRef idx="2">
+            <a:schemeClr val="accent1">
+              <a:shade val="50000"/>
+            </a:schemeClr>
+          </a:lnRef>
+          <a:fillRef idx="1">
+            <a:schemeClr val="accent1"/>
+          </a:fillRef>
+          <a:effectRef idx="0">
+            <a:schemeClr val="accent1"/>
+          </a:effectRef>
+          <a:fontRef idx="minor">
+            <a:schemeClr val="lt1"/>
+          </a:fontRef>
+        </p:style>
+        <p:txBody>
+          <a:bodyPr rtlCol="0" anchor="ctr"/>
+          <a:lstStyle/>
+          <a:p>
+            <a:pPr algn="ctr"/>
+            <a:endParaRPr lang="en-IN" sz="2000" b="1" dirty="0">
+              <a:solidFill>
+                <a:schemeClr val="tx1"/>
+              </a:solidFill>
+              <a:ea typeface="Open Sans" panose="020B0606030504020204" pitchFamily="34" charset="0"/>
+              <a:cs typeface="Open Sans" panose="020B0606030504020204" pitchFamily="34" charset="0"/>
+            </a:endParaRPr>
+          </a:p>
+        </p:txBody>
+      </p:sp>
+      <p:sp>
+        <p:nvSpPr>
+          <p:cNvPr id="8" name="Rectangle 7">
+            <a:extLst>
+              <a:ext uri="{FF2B5EF4-FFF2-40B4-BE49-F238E27FC236}">
+                <a16:creationId xmlns:a16="http://schemas.microsoft.com/office/drawing/2014/main" id="{3F955255-A9F8-449F-9CD6-0C778C0F9E52}"/>
+              </a:ext>
+            </a:extLst>
+          </p:cNvPr>
+          <p:cNvSpPr/>
+          <p:nvPr/>
+        </p:nvSpPr>
+        <p:spPr>
+          <a:xfrm>
+            <a:off x="3920029" y="1749488"/>
+            <a:ext cx="1719605" cy="3363688"/>
+          </a:xfrm>
+          <a:prstGeom prst="rect">
+            <a:avLst/>
+          </a:prstGeom>
+          <a:solidFill>
+            <a:schemeClr val="bg1"/>
+          </a:solidFill>
+        </p:spPr>
+        <p:style>
+          <a:lnRef idx="2">
+            <a:schemeClr val="accent1">
+              <a:shade val="50000"/>
+            </a:schemeClr>
+          </a:lnRef>
+          <a:fillRef idx="1">
+            <a:schemeClr val="accent1"/>
+          </a:fillRef>
+          <a:effectRef idx="0">
+            <a:schemeClr val="accent1"/>
+          </a:effectRef>
+          <a:fontRef idx="minor">
+            <a:schemeClr val="lt1"/>
+          </a:fontRef>
+        </p:style>
+        <p:txBody>
+          <a:bodyPr rtlCol="0" anchor="ctr"/>
+          <a:lstStyle/>
+          <a:p>
+            <a:pPr algn="ctr"/>
+            <a:endParaRPr lang="en-IN"/>
+          </a:p>
+        </p:txBody>
+      </p:sp>
+      <p:pic>
+        <p:nvPicPr>
+          <p:cNvPr id="9" name="Picture 8">
+            <a:extLst>
+              <a:ext uri="{FF2B5EF4-FFF2-40B4-BE49-F238E27FC236}">
+                <a16:creationId xmlns:a16="http://schemas.microsoft.com/office/drawing/2014/main" id="{9A13C307-224F-421D-BEB8-96A7A7AA927C}"/>
+              </a:ext>
+            </a:extLst>
+          </p:cNvPr>
+          <p:cNvPicPr>
+            <a:picLocks noChangeAspect="1"/>
+          </p:cNvPicPr>
+          <p:nvPr/>
+        </p:nvPicPr>
+        <p:blipFill rotWithShape="1">
+          <a:blip r:embed="rId2">
+            <a:extLst>
+              <a:ext uri="{28A0092B-C50C-407E-A947-70E740481C1C}">
+                <a14:useLocalDpi xmlns:a14="http://schemas.microsoft.com/office/drawing/2010/main" val="0"/>
+              </a:ext>
+            </a:extLst>
+          </a:blip>
+          <a:srcRect l="18353" r="16057"/>
+          <a:stretch/>
+        </p:blipFill>
+        <p:spPr>
+          <a:xfrm>
+            <a:off x="3957353" y="2382280"/>
+            <a:ext cx="1719605" cy="1870077"/>
+          </a:xfrm>
+          <a:prstGeom prst="rect">
+            <a:avLst/>
+          </a:prstGeom>
+        </p:spPr>
+      </p:pic>
+      <p:pic>
+        <p:nvPicPr>
+          <p:cNvPr id="10" name="Picture 3">
+            <a:extLst>
+              <a:ext uri="{FF2B5EF4-FFF2-40B4-BE49-F238E27FC236}">
+                <a16:creationId xmlns:a16="http://schemas.microsoft.com/office/drawing/2014/main" id="{B6F9E422-D892-4513-8533-B044B99E5C1A}"/>
+              </a:ext>
+            </a:extLst>
+          </p:cNvPr>
+          <p:cNvPicPr>
+            <a:picLocks noChangeAspect="1"/>
+          </p:cNvPicPr>
+          <p:nvPr/>
+        </p:nvPicPr>
+        <p:blipFill>
+          <a:blip r:embed="rId3"/>
+          <a:srcRect/>
+          <a:stretch>
+            <a:fillRect/>
+          </a:stretch>
+        </p:blipFill>
+        <p:spPr>
+          <a:xfrm>
+            <a:off x="3745386" y="1596384"/>
+            <a:ext cx="2038003" cy="3665231"/>
+          </a:xfrm>
+          <a:prstGeom prst="rect">
+            <a:avLst/>
+          </a:prstGeom>
+        </p:spPr>
+      </p:pic>
+      <p:sp>
+        <p:nvSpPr>
+          <p:cNvPr id="11" name="Rectangle: Rounded Corners 10">
+            <a:extLst>
+              <a:ext uri="{FF2B5EF4-FFF2-40B4-BE49-F238E27FC236}">
+                <a16:creationId xmlns:a16="http://schemas.microsoft.com/office/drawing/2014/main" id="{194F9B7C-2A2B-4651-8026-909E52ACE61B}"/>
+              </a:ext>
+            </a:extLst>
+          </p:cNvPr>
+          <p:cNvSpPr/>
+          <p:nvPr/>
+        </p:nvSpPr>
+        <p:spPr>
+          <a:xfrm>
+            <a:off x="6448075" y="4307042"/>
+            <a:ext cx="2676443" cy="1707858"/>
+          </a:xfrm>
+          <a:prstGeom prst="roundRect">
+            <a:avLst/>
+          </a:prstGeom>
+          <a:solidFill>
+            <a:schemeClr val="accent3">
+              <a:lumMod val="20000"/>
+              <a:lumOff val="80000"/>
+            </a:schemeClr>
+          </a:solidFill>
+          <a:ln>
+            <a:noFill/>
+          </a:ln>
+          <a:effectLst/>
+          <a:scene3d>
+            <a:camera prst="orthographicFront">
+              <a:rot lat="0" lon="0" rev="0"/>
+            </a:camera>
+            <a:lightRig rig="glow" dir="t">
+              <a:rot lat="0" lon="0" rev="14100000"/>
+            </a:lightRig>
+          </a:scene3d>
+          <a:sp3d prstMaterial="softEdge">
+            <a:bevelT w="127000" prst="artDeco"/>
+          </a:sp3d>
+        </p:spPr>
+        <p:style>
+          <a:lnRef idx="2">
+            <a:schemeClr val="accent1">
+              <a:shade val="50000"/>
+            </a:schemeClr>
+          </a:lnRef>
+          <a:fillRef idx="1">
+            <a:schemeClr val="accent1"/>
+          </a:fillRef>
+          <a:effectRef idx="0">
+            <a:schemeClr val="accent1"/>
+          </a:effectRef>
+          <a:fontRef idx="minor">
+            <a:schemeClr val="lt1"/>
+          </a:fontRef>
+        </p:style>
+        <p:txBody>
+          <a:bodyPr rtlCol="0" anchor="ctr"/>
+          <a:lstStyle/>
+          <a:p>
+            <a:pPr>
+              <a:lnSpc>
+                <a:spcPct val="150000"/>
+              </a:lnSpc>
+            </a:pPr>
+            <a:r>
+              <a:rPr lang="en-US" sz="1700" dirty="0">
+                <a:solidFill>
+                  <a:schemeClr val="tx1"/>
+                </a:solidFill>
+                <a:latin typeface="Dubai" panose="020B0503030403030204" pitchFamily="34" charset="-78"/>
+                <a:ea typeface="Open Sans" panose="020B0606030504020204" pitchFamily="34" charset="0"/>
+                <a:cs typeface="Dubai" panose="020B0503030403030204" pitchFamily="34" charset="-78"/>
+              </a:rPr>
+              <a:t>✪ Performance Forecasts</a:t>
+            </a:r>
+          </a:p>
+          <a:p>
+            <a:pPr>
+              <a:lnSpc>
+                <a:spcPct val="150000"/>
+              </a:lnSpc>
+            </a:pPr>
+            <a:r>
+              <a:rPr lang="en-US" sz="1700" dirty="0">
+                <a:solidFill>
+                  <a:schemeClr val="tx1"/>
+                </a:solidFill>
+                <a:latin typeface="Dubai" panose="020B0503030403030204" pitchFamily="34" charset="-78"/>
+                <a:ea typeface="Open Sans" panose="020B0606030504020204" pitchFamily="34" charset="0"/>
+                <a:cs typeface="Dubai" panose="020B0503030403030204" pitchFamily="34" charset="-78"/>
+              </a:rPr>
+              <a:t>✪ Recommendations</a:t>
+            </a:r>
+          </a:p>
+          <a:p>
+            <a:pPr>
+              <a:lnSpc>
+                <a:spcPct val="150000"/>
+              </a:lnSpc>
+            </a:pPr>
+            <a:r>
+              <a:rPr lang="en-US" sz="1700" dirty="0">
+                <a:solidFill>
+                  <a:schemeClr val="tx1"/>
+                </a:solidFill>
+                <a:latin typeface="Dubai" panose="020B0503030403030204" pitchFamily="34" charset="-78"/>
+                <a:ea typeface="Open Sans" panose="020B0606030504020204" pitchFamily="34" charset="0"/>
+                <a:cs typeface="Dubai" panose="020B0503030403030204" pitchFamily="34" charset="-78"/>
+              </a:rPr>
+              <a:t>✪ Intervention plans </a:t>
+            </a:r>
+          </a:p>
+          <a:p>
+            <a:pPr>
+              <a:lnSpc>
+                <a:spcPct val="150000"/>
+              </a:lnSpc>
+            </a:pPr>
+            <a:r>
+              <a:rPr lang="en-US" sz="1700" dirty="0">
+                <a:solidFill>
+                  <a:schemeClr val="tx1"/>
+                </a:solidFill>
+                <a:latin typeface="Dubai" panose="020B0503030403030204" pitchFamily="34" charset="-78"/>
+                <a:ea typeface="Open Sans" panose="020B0606030504020204" pitchFamily="34" charset="0"/>
+                <a:cs typeface="Dubai" panose="020B0503030403030204" pitchFamily="34" charset="-78"/>
+              </a:rPr>
+              <a:t>✪ Support strategies</a:t>
+            </a:r>
+            <a:endParaRPr lang="en-IN" sz="1700" dirty="0">
+              <a:solidFill>
+                <a:schemeClr val="tx1"/>
+              </a:solidFill>
+              <a:latin typeface="Dubai" panose="020B0503030403030204" pitchFamily="34" charset="-78"/>
+              <a:ea typeface="Open Sans" panose="020B0606030504020204" pitchFamily="34" charset="0"/>
+              <a:cs typeface="Dubai" panose="020B0503030403030204" pitchFamily="34" charset="-78"/>
+            </a:endParaRPr>
+          </a:p>
+        </p:txBody>
+      </p:sp>
+      <p:sp>
+        <p:nvSpPr>
+          <p:cNvPr id="13" name="Rectangle: Rounded Corners 12">
+            <a:extLst>
+              <a:ext uri="{FF2B5EF4-FFF2-40B4-BE49-F238E27FC236}">
+                <a16:creationId xmlns:a16="http://schemas.microsoft.com/office/drawing/2014/main" id="{624CF9D4-0F0D-431E-8EE1-1A4C1519FE67}"/>
+              </a:ext>
+            </a:extLst>
+          </p:cNvPr>
+          <p:cNvSpPr/>
+          <p:nvPr/>
+        </p:nvSpPr>
+        <p:spPr>
+          <a:xfrm>
+            <a:off x="1454735" y="1994281"/>
+            <a:ext cx="1189898" cy="775998"/>
+          </a:xfrm>
+          <a:prstGeom prst="roundRect">
+            <a:avLst/>
+          </a:prstGeom>
+          <a:solidFill>
+            <a:schemeClr val="bg1"/>
+          </a:solidFill>
+          <a:ln>
+            <a:noFill/>
+          </a:ln>
+          <a:effectLst>
+            <a:outerShdw blurRad="184150" dist="241300" dir="11520000" sx="110000" sy="110000" algn="ctr">
+              <a:srgbClr val="000000">
+                <a:alpha val="18000"/>
+              </a:srgbClr>
+            </a:outerShdw>
+          </a:effectLst>
+          <a:scene3d>
+            <a:camera prst="perspectiveFront" fov="5100000">
+              <a:rot lat="0" lon="2100000" rev="0"/>
+            </a:camera>
+            <a:lightRig rig="flood" dir="t">
+              <a:rot lat="0" lon="0" rev="13800000"/>
+            </a:lightRig>
+          </a:scene3d>
+          <a:sp3d extrusionH="107950" prstMaterial="plastic">
+            <a:bevelT w="82550" h="63500" prst="divot"/>
+            <a:bevelB/>
+          </a:sp3d>
+        </p:spPr>
+        <p:style>
+          <a:lnRef idx="2">
+            <a:schemeClr val="accent1">
+              <a:shade val="50000"/>
+            </a:schemeClr>
+          </a:lnRef>
+          <a:fillRef idx="1">
+            <a:schemeClr val="accent1"/>
+          </a:fillRef>
+          <a:effectRef idx="0">
+            <a:schemeClr val="accent1"/>
+          </a:effectRef>
+          <a:fontRef idx="minor">
+            <a:schemeClr val="lt1"/>
+          </a:fontRef>
+        </p:style>
+        <p:txBody>
+          <a:bodyPr rtlCol="0" anchor="ctr"/>
+          <a:lstStyle/>
+          <a:p>
+            <a:pPr algn="ctr"/>
+            <a:r>
+              <a:rPr lang="en-US" sz="1600" b="1" dirty="0">
+                <a:solidFill>
+                  <a:schemeClr val="tx1"/>
+                </a:solidFill>
+                <a:ea typeface="Open Sans" panose="020B0606030504020204" pitchFamily="34" charset="0"/>
+                <a:cs typeface="Open Sans" panose="020B0606030504020204" pitchFamily="34" charset="0"/>
+              </a:rPr>
+              <a:t>Student’s Data</a:t>
+            </a:r>
+            <a:endParaRPr lang="en-IN" sz="1600" b="1" dirty="0">
+              <a:solidFill>
+                <a:schemeClr val="tx1"/>
+              </a:solidFill>
+              <a:ea typeface="Open Sans" panose="020B0606030504020204" pitchFamily="34" charset="0"/>
+              <a:cs typeface="Open Sans" panose="020B0606030504020204" pitchFamily="34" charset="0"/>
+            </a:endParaRPr>
+          </a:p>
+        </p:txBody>
+      </p:sp>
+      <p:sp>
+        <p:nvSpPr>
+          <p:cNvPr id="14" name="Rectangle: Rounded Corners 13">
+            <a:extLst>
+              <a:ext uri="{FF2B5EF4-FFF2-40B4-BE49-F238E27FC236}">
+                <a16:creationId xmlns:a16="http://schemas.microsoft.com/office/drawing/2014/main" id="{5F792F19-5384-4462-A3F4-815BA9AFC1EF}"/>
+              </a:ext>
+            </a:extLst>
+          </p:cNvPr>
+          <p:cNvSpPr/>
+          <p:nvPr/>
+        </p:nvSpPr>
+        <p:spPr>
+          <a:xfrm>
+            <a:off x="1454735" y="4330887"/>
+            <a:ext cx="1413480" cy="775998"/>
+          </a:xfrm>
+          <a:prstGeom prst="roundRect">
+            <a:avLst/>
+          </a:prstGeom>
+          <a:solidFill>
+            <a:schemeClr val="bg1"/>
+          </a:solidFill>
+        </p:spPr>
+        <p:style>
+          <a:lnRef idx="2">
+            <a:schemeClr val="accent1">
+              <a:shade val="50000"/>
+            </a:schemeClr>
+          </a:lnRef>
+          <a:fillRef idx="1">
+            <a:schemeClr val="accent1"/>
+          </a:fillRef>
+          <a:effectRef idx="0">
+            <a:schemeClr val="accent1"/>
+          </a:effectRef>
+          <a:fontRef idx="minor">
+            <a:schemeClr val="lt1"/>
+          </a:fontRef>
+        </p:style>
+        <p:txBody>
+          <a:bodyPr rtlCol="0" anchor="ctr"/>
+          <a:lstStyle/>
+          <a:p>
+            <a:pPr algn="ctr"/>
+            <a:endParaRPr lang="en-IN" sz="1600" b="1" dirty="0">
+              <a:solidFill>
+                <a:schemeClr val="tx1"/>
+              </a:solidFill>
+              <a:ea typeface="Open Sans" panose="020B0606030504020204" pitchFamily="34" charset="0"/>
+              <a:cs typeface="Open Sans" panose="020B0606030504020204" pitchFamily="34" charset="0"/>
+            </a:endParaRPr>
+          </a:p>
+        </p:txBody>
+      </p:sp>
+      <p:sp>
+        <p:nvSpPr>
+          <p:cNvPr id="28" name="Isosceles Triangle 27">
+            <a:extLst>
+              <a:ext uri="{FF2B5EF4-FFF2-40B4-BE49-F238E27FC236}">
+                <a16:creationId xmlns:a16="http://schemas.microsoft.com/office/drawing/2014/main" id="{97EECCF5-9515-4F63-9277-77163F375F78}"/>
+              </a:ext>
+            </a:extLst>
+          </p:cNvPr>
+          <p:cNvSpPr/>
+          <p:nvPr/>
+        </p:nvSpPr>
+        <p:spPr>
+          <a:xfrm rot="16200000">
+            <a:off x="9159548" y="4669270"/>
+            <a:ext cx="177732" cy="149615"/>
+          </a:xfrm>
+          <a:prstGeom prst="triangle">
+            <a:avLst/>
+          </a:prstGeom>
+          <a:solidFill>
+            <a:srgbClr val="00B0F0"/>
+          </a:solidFill>
+          <a:ln>
+            <a:solidFill>
+              <a:srgbClr val="00B0F0"/>
+            </a:solidFill>
+          </a:ln>
+        </p:spPr>
+        <p:style>
+          <a:lnRef idx="2">
+            <a:schemeClr val="accent1">
+              <a:shade val="50000"/>
+            </a:schemeClr>
+          </a:lnRef>
+          <a:fillRef idx="1">
+            <a:schemeClr val="accent1"/>
+          </a:fillRef>
+          <a:effectRef idx="0">
+            <a:schemeClr val="accent1"/>
+          </a:effectRef>
+          <a:fontRef idx="minor">
+            <a:schemeClr val="lt1"/>
+          </a:fontRef>
+        </p:style>
+        <p:txBody>
+          <a:bodyPr rtlCol="0" anchor="ctr"/>
+          <a:lstStyle/>
+          <a:p>
+            <a:pPr algn="ctr"/>
+            <a:endParaRPr lang="en-IN" dirty="0"/>
+          </a:p>
+        </p:txBody>
+      </p:sp>
+      <p:cxnSp>
+        <p:nvCxnSpPr>
+          <p:cNvPr id="32" name="Straight Connector 31">
+            <a:extLst>
+              <a:ext uri="{FF2B5EF4-FFF2-40B4-BE49-F238E27FC236}">
+                <a16:creationId xmlns:a16="http://schemas.microsoft.com/office/drawing/2014/main" id="{669BC2DC-0D8D-442A-8F82-DC9C28F41233}"/>
+              </a:ext>
+            </a:extLst>
+          </p:cNvPr>
+          <p:cNvCxnSpPr>
+            <a:cxnSpLocks/>
+          </p:cNvCxnSpPr>
+          <p:nvPr/>
+        </p:nvCxnSpPr>
+        <p:spPr>
+          <a:xfrm flipV="1">
+            <a:off x="9323221" y="4763735"/>
+            <a:ext cx="429046" cy="5567"/>
+          </a:xfrm>
+          <a:prstGeom prst="line">
+            <a:avLst/>
+          </a:prstGeom>
+          <a:ln w="38100">
+            <a:solidFill>
+              <a:srgbClr val="00B0F0"/>
+            </a:solidFill>
+          </a:ln>
+        </p:spPr>
+        <p:style>
+          <a:lnRef idx="1">
+            <a:schemeClr val="accent1"/>
+          </a:lnRef>
+          <a:fillRef idx="0">
+            <a:schemeClr val="accent1"/>
+          </a:fillRef>
+          <a:effectRef idx="0">
+            <a:schemeClr val="accent1"/>
+          </a:effectRef>
+          <a:fontRef idx="minor">
+            <a:schemeClr val="tx1"/>
+          </a:fontRef>
+        </p:style>
+      </p:cxnSp>
+      <p:cxnSp>
+        <p:nvCxnSpPr>
+          <p:cNvPr id="34" name="Straight Connector 33">
+            <a:extLst>
+              <a:ext uri="{FF2B5EF4-FFF2-40B4-BE49-F238E27FC236}">
+                <a16:creationId xmlns:a16="http://schemas.microsoft.com/office/drawing/2014/main" id="{60098C3B-12D6-4322-9FDD-EA61BB0A2F7A}"/>
+              </a:ext>
+            </a:extLst>
+          </p:cNvPr>
+          <p:cNvCxnSpPr>
+            <a:cxnSpLocks/>
+          </p:cNvCxnSpPr>
+          <p:nvPr/>
+        </p:nvCxnSpPr>
+        <p:spPr>
+          <a:xfrm>
+            <a:off x="8667750" y="2415620"/>
+            <a:ext cx="850818" cy="0"/>
+          </a:xfrm>
+          <a:prstGeom prst="line">
+            <a:avLst/>
+          </a:prstGeom>
+          <a:ln w="38100">
+            <a:solidFill>
+              <a:srgbClr val="00B0F0"/>
+            </a:solidFill>
+          </a:ln>
+        </p:spPr>
+        <p:style>
+          <a:lnRef idx="1">
+            <a:schemeClr val="accent1"/>
+          </a:lnRef>
+          <a:fillRef idx="0">
+            <a:schemeClr val="accent1"/>
+          </a:fillRef>
+          <a:effectRef idx="0">
+            <a:schemeClr val="accent1"/>
+          </a:effectRef>
+          <a:fontRef idx="minor">
+            <a:schemeClr val="tx1"/>
+          </a:fontRef>
+        </p:style>
+      </p:cxnSp>
+      <p:sp>
+        <p:nvSpPr>
+          <p:cNvPr id="38" name="Isosceles Triangle 37">
+            <a:extLst>
+              <a:ext uri="{FF2B5EF4-FFF2-40B4-BE49-F238E27FC236}">
+                <a16:creationId xmlns:a16="http://schemas.microsoft.com/office/drawing/2014/main" id="{E2CCDB97-A349-4F1A-A26A-66AFD2DC002B}"/>
+              </a:ext>
+            </a:extLst>
+          </p:cNvPr>
+          <p:cNvSpPr/>
+          <p:nvPr/>
+        </p:nvSpPr>
+        <p:spPr>
+          <a:xfrm rot="5400000">
+            <a:off x="9508401" y="2350946"/>
+            <a:ext cx="177732" cy="149615"/>
+          </a:xfrm>
+          <a:prstGeom prst="triangle">
+            <a:avLst/>
+          </a:prstGeom>
+          <a:solidFill>
+            <a:srgbClr val="00B0F0"/>
+          </a:solidFill>
+          <a:ln>
+            <a:solidFill>
+              <a:srgbClr val="00B0F0"/>
+            </a:solidFill>
+          </a:ln>
+        </p:spPr>
+        <p:style>
+          <a:lnRef idx="2">
+            <a:schemeClr val="accent1">
+              <a:shade val="50000"/>
+            </a:schemeClr>
+          </a:lnRef>
+          <a:fillRef idx="1">
+            <a:schemeClr val="accent1"/>
+          </a:fillRef>
+          <a:effectRef idx="0">
+            <a:schemeClr val="accent1"/>
+          </a:effectRef>
+          <a:fontRef idx="minor">
+            <a:schemeClr val="lt1"/>
+          </a:fontRef>
+        </p:style>
+        <p:txBody>
+          <a:bodyPr rtlCol="0" anchor="ctr"/>
+          <a:lstStyle/>
+          <a:p>
+            <a:pPr algn="ctr"/>
+            <a:endParaRPr lang="en-IN" dirty="0"/>
+          </a:p>
+        </p:txBody>
+      </p:sp>
+      <p:cxnSp>
+        <p:nvCxnSpPr>
+          <p:cNvPr id="39" name="Straight Connector 38">
+            <a:extLst>
+              <a:ext uri="{FF2B5EF4-FFF2-40B4-BE49-F238E27FC236}">
+                <a16:creationId xmlns:a16="http://schemas.microsoft.com/office/drawing/2014/main" id="{4EA9A71A-C10E-4020-B0CD-08637E8C9338}"/>
+              </a:ext>
+            </a:extLst>
+          </p:cNvPr>
+          <p:cNvCxnSpPr>
+            <a:cxnSpLocks/>
+          </p:cNvCxnSpPr>
+          <p:nvPr/>
+        </p:nvCxnSpPr>
+        <p:spPr>
+          <a:xfrm>
+            <a:off x="2851280" y="2398445"/>
+            <a:ext cx="589737" cy="4348"/>
+          </a:xfrm>
+          <a:prstGeom prst="line">
+            <a:avLst/>
+          </a:prstGeom>
+          <a:ln w="38100">
+            <a:solidFill>
+              <a:srgbClr val="00B0F0"/>
+            </a:solidFill>
+          </a:ln>
+        </p:spPr>
+        <p:style>
+          <a:lnRef idx="1">
+            <a:schemeClr val="accent1"/>
+          </a:lnRef>
+          <a:fillRef idx="0">
+            <a:schemeClr val="accent1"/>
+          </a:fillRef>
+          <a:effectRef idx="0">
+            <a:schemeClr val="accent1"/>
+          </a:effectRef>
+          <a:fontRef idx="minor">
+            <a:schemeClr val="tx1"/>
+          </a:fontRef>
+        </p:style>
+      </p:cxnSp>
+      <p:sp>
+        <p:nvSpPr>
+          <p:cNvPr id="42" name="Isosceles Triangle 41">
+            <a:extLst>
+              <a:ext uri="{FF2B5EF4-FFF2-40B4-BE49-F238E27FC236}">
+                <a16:creationId xmlns:a16="http://schemas.microsoft.com/office/drawing/2014/main" id="{D6F4E0BF-B680-4581-A376-D91EE8295BA8}"/>
+              </a:ext>
+            </a:extLst>
+          </p:cNvPr>
+          <p:cNvSpPr/>
+          <p:nvPr/>
+        </p:nvSpPr>
+        <p:spPr>
+          <a:xfrm rot="5400000">
+            <a:off x="3426959" y="2345903"/>
+            <a:ext cx="177732" cy="149615"/>
+          </a:xfrm>
+          <a:prstGeom prst="triangle">
+            <a:avLst/>
+          </a:prstGeom>
+          <a:solidFill>
+            <a:srgbClr val="00B0F0"/>
+          </a:solidFill>
+          <a:ln>
+            <a:solidFill>
+              <a:srgbClr val="00B0F0"/>
+            </a:solidFill>
+          </a:ln>
+        </p:spPr>
+        <p:style>
+          <a:lnRef idx="2">
+            <a:schemeClr val="accent1">
+              <a:shade val="50000"/>
+            </a:schemeClr>
+          </a:lnRef>
+          <a:fillRef idx="1">
+            <a:schemeClr val="accent1"/>
+          </a:fillRef>
+          <a:effectRef idx="0">
+            <a:schemeClr val="accent1"/>
+          </a:effectRef>
+          <a:fontRef idx="minor">
+            <a:schemeClr val="lt1"/>
+          </a:fontRef>
+        </p:style>
+        <p:txBody>
+          <a:bodyPr rtlCol="0" anchor="ctr"/>
+          <a:lstStyle/>
+          <a:p>
+            <a:pPr algn="ctr"/>
+            <a:endParaRPr lang="en-IN" dirty="0"/>
+          </a:p>
+        </p:txBody>
+      </p:sp>
+      <p:cxnSp>
+        <p:nvCxnSpPr>
+          <p:cNvPr id="43" name="Straight Connector 42">
+            <a:extLst>
+              <a:ext uri="{FF2B5EF4-FFF2-40B4-BE49-F238E27FC236}">
+                <a16:creationId xmlns:a16="http://schemas.microsoft.com/office/drawing/2014/main" id="{3E2F3E31-9B0D-44AF-8D44-EB9ACD302C99}"/>
+              </a:ext>
+            </a:extLst>
+          </p:cNvPr>
+          <p:cNvCxnSpPr>
+            <a:cxnSpLocks/>
+          </p:cNvCxnSpPr>
+          <p:nvPr/>
+        </p:nvCxnSpPr>
+        <p:spPr>
+          <a:xfrm>
+            <a:off x="3155021" y="4718886"/>
+            <a:ext cx="478970" cy="0"/>
+          </a:xfrm>
+          <a:prstGeom prst="line">
+            <a:avLst/>
+          </a:prstGeom>
+          <a:ln w="38100">
+            <a:solidFill>
+              <a:srgbClr val="00B0F0"/>
+            </a:solidFill>
+          </a:ln>
+        </p:spPr>
+        <p:style>
+          <a:lnRef idx="1">
+            <a:schemeClr val="accent1"/>
+          </a:lnRef>
+          <a:fillRef idx="0">
+            <a:schemeClr val="accent1"/>
+          </a:fillRef>
+          <a:effectRef idx="0">
+            <a:schemeClr val="accent1"/>
+          </a:effectRef>
+          <a:fontRef idx="minor">
+            <a:schemeClr val="tx1"/>
+          </a:fontRef>
+        </p:style>
+      </p:cxnSp>
+      <p:sp>
+        <p:nvSpPr>
+          <p:cNvPr id="44" name="Isosceles Triangle 43">
+            <a:extLst>
+              <a:ext uri="{FF2B5EF4-FFF2-40B4-BE49-F238E27FC236}">
+                <a16:creationId xmlns:a16="http://schemas.microsoft.com/office/drawing/2014/main" id="{6014F21A-002E-4B88-B9B1-E9D2022A70F4}"/>
+              </a:ext>
+            </a:extLst>
+          </p:cNvPr>
+          <p:cNvSpPr/>
+          <p:nvPr/>
+        </p:nvSpPr>
+        <p:spPr>
+          <a:xfrm rot="16200000">
+            <a:off x="2991347" y="4652319"/>
+            <a:ext cx="177732" cy="149615"/>
+          </a:xfrm>
+          <a:prstGeom prst="triangle">
+            <a:avLst/>
+          </a:prstGeom>
+          <a:solidFill>
+            <a:srgbClr val="00B0F0"/>
+          </a:solidFill>
+          <a:ln>
+            <a:solidFill>
+              <a:srgbClr val="00B0F0"/>
+            </a:solidFill>
+          </a:ln>
+        </p:spPr>
+        <p:style>
+          <a:lnRef idx="2">
+            <a:schemeClr val="accent1">
+              <a:shade val="50000"/>
+            </a:schemeClr>
+          </a:lnRef>
+          <a:fillRef idx="1">
+            <a:schemeClr val="accent1"/>
+          </a:fillRef>
+          <a:effectRef idx="0">
+            <a:schemeClr val="accent1"/>
+          </a:effectRef>
+          <a:fontRef idx="minor">
+            <a:schemeClr val="lt1"/>
+          </a:fontRef>
+        </p:style>
+        <p:txBody>
+          <a:bodyPr rtlCol="0" anchor="ctr"/>
+          <a:lstStyle/>
+          <a:p>
+            <a:pPr algn="ctr"/>
+            <a:endParaRPr lang="en-IN" dirty="0"/>
+          </a:p>
+        </p:txBody>
+      </p:sp>
+      <p:cxnSp>
+        <p:nvCxnSpPr>
+          <p:cNvPr id="45" name="Straight Connector 44">
+            <a:extLst>
+              <a:ext uri="{FF2B5EF4-FFF2-40B4-BE49-F238E27FC236}">
+                <a16:creationId xmlns:a16="http://schemas.microsoft.com/office/drawing/2014/main" id="{1DC86520-A9B9-4427-9161-56267332E02B}"/>
+              </a:ext>
+            </a:extLst>
+          </p:cNvPr>
+          <p:cNvCxnSpPr>
+            <a:cxnSpLocks/>
+          </p:cNvCxnSpPr>
+          <p:nvPr/>
+        </p:nvCxnSpPr>
+        <p:spPr>
+          <a:xfrm>
+            <a:off x="5856515" y="4700110"/>
+            <a:ext cx="478970" cy="0"/>
+          </a:xfrm>
+          <a:prstGeom prst="line">
+            <a:avLst/>
+          </a:prstGeom>
+          <a:ln w="38100">
+            <a:solidFill>
+              <a:srgbClr val="00B0F0"/>
+            </a:solidFill>
+          </a:ln>
+        </p:spPr>
+        <p:style>
+          <a:lnRef idx="1">
+            <a:schemeClr val="accent1"/>
+          </a:lnRef>
+          <a:fillRef idx="0">
+            <a:schemeClr val="accent1"/>
+          </a:fillRef>
+          <a:effectRef idx="0">
+            <a:schemeClr val="accent1"/>
+          </a:effectRef>
+          <a:fontRef idx="minor">
+            <a:schemeClr val="tx1"/>
+          </a:fontRef>
+        </p:style>
+      </p:cxnSp>
+      <p:sp>
+        <p:nvSpPr>
+          <p:cNvPr id="46" name="Isosceles Triangle 45">
+            <a:extLst>
+              <a:ext uri="{FF2B5EF4-FFF2-40B4-BE49-F238E27FC236}">
+                <a16:creationId xmlns:a16="http://schemas.microsoft.com/office/drawing/2014/main" id="{836E4DDF-87DA-4D33-A3D2-7B0A3127558F}"/>
+              </a:ext>
+            </a:extLst>
+          </p:cNvPr>
+          <p:cNvSpPr/>
+          <p:nvPr/>
+        </p:nvSpPr>
+        <p:spPr>
+          <a:xfrm rot="16200000">
+            <a:off x="5829797" y="4625303"/>
+            <a:ext cx="177732" cy="149615"/>
+          </a:xfrm>
+          <a:prstGeom prst="triangle">
+            <a:avLst/>
+          </a:prstGeom>
+          <a:solidFill>
+            <a:srgbClr val="00B0F0"/>
+          </a:solidFill>
+          <a:ln>
+            <a:solidFill>
+              <a:srgbClr val="00B0F0"/>
+            </a:solidFill>
+          </a:ln>
+        </p:spPr>
+        <p:style>
+          <a:lnRef idx="2">
+            <a:schemeClr val="accent1">
+              <a:shade val="50000"/>
+            </a:schemeClr>
+          </a:lnRef>
+          <a:fillRef idx="1">
+            <a:schemeClr val="accent1"/>
+          </a:fillRef>
+          <a:effectRef idx="0">
+            <a:schemeClr val="accent1"/>
+          </a:effectRef>
+          <a:fontRef idx="minor">
+            <a:schemeClr val="lt1"/>
+          </a:fontRef>
+        </p:style>
+        <p:txBody>
+          <a:bodyPr rtlCol="0" anchor="ctr"/>
+          <a:lstStyle/>
+          <a:p>
+            <a:pPr algn="ctr"/>
+            <a:endParaRPr lang="en-IN" dirty="0"/>
+          </a:p>
+        </p:txBody>
+      </p:sp>
+      <p:cxnSp>
+        <p:nvCxnSpPr>
+          <p:cNvPr id="51" name="Straight Connector 50">
+            <a:extLst>
+              <a:ext uri="{FF2B5EF4-FFF2-40B4-BE49-F238E27FC236}">
+                <a16:creationId xmlns:a16="http://schemas.microsoft.com/office/drawing/2014/main" id="{10204431-1A72-4D8D-BE4C-7C3FCA57F52F}"/>
+              </a:ext>
+            </a:extLst>
+          </p:cNvPr>
+          <p:cNvCxnSpPr>
+            <a:cxnSpLocks/>
+          </p:cNvCxnSpPr>
+          <p:nvPr/>
+        </p:nvCxnSpPr>
+        <p:spPr>
+          <a:xfrm flipV="1">
+            <a:off x="676366" y="4737716"/>
+            <a:ext cx="605041" cy="8240"/>
+          </a:xfrm>
+          <a:prstGeom prst="line">
+            <a:avLst/>
+          </a:prstGeom>
+          <a:ln w="38100">
+            <a:solidFill>
+              <a:srgbClr val="00B0F0"/>
+            </a:solidFill>
+          </a:ln>
+        </p:spPr>
+        <p:style>
+          <a:lnRef idx="1">
+            <a:schemeClr val="accent1"/>
+          </a:lnRef>
+          <a:fillRef idx="0">
+            <a:schemeClr val="accent1"/>
+          </a:fillRef>
+          <a:effectRef idx="0">
+            <a:schemeClr val="accent1"/>
+          </a:effectRef>
+          <a:fontRef idx="minor">
+            <a:schemeClr val="tx1"/>
+          </a:fontRef>
+        </p:style>
+      </p:cxnSp>
+      <p:cxnSp>
+        <p:nvCxnSpPr>
+          <p:cNvPr id="53" name="Straight Connector 52">
+            <a:extLst>
+              <a:ext uri="{FF2B5EF4-FFF2-40B4-BE49-F238E27FC236}">
+                <a16:creationId xmlns:a16="http://schemas.microsoft.com/office/drawing/2014/main" id="{1EBBCB21-8612-4E64-B353-6E8D2108E68F}"/>
+              </a:ext>
+            </a:extLst>
+          </p:cNvPr>
+          <p:cNvCxnSpPr>
+            <a:cxnSpLocks/>
+          </p:cNvCxnSpPr>
+          <p:nvPr/>
+        </p:nvCxnSpPr>
+        <p:spPr>
+          <a:xfrm flipV="1">
+            <a:off x="714467" y="4333460"/>
+            <a:ext cx="0" cy="404256"/>
+          </a:xfrm>
+          <a:prstGeom prst="line">
+            <a:avLst/>
+          </a:prstGeom>
+          <a:ln w="38100">
+            <a:solidFill>
+              <a:srgbClr val="00B0F0"/>
+            </a:solidFill>
+          </a:ln>
+        </p:spPr>
+        <p:style>
+          <a:lnRef idx="1">
+            <a:schemeClr val="accent1"/>
+          </a:lnRef>
+          <a:fillRef idx="0">
+            <a:schemeClr val="accent1"/>
+          </a:fillRef>
+          <a:effectRef idx="0">
+            <a:schemeClr val="accent1"/>
+          </a:effectRef>
+          <a:fontRef idx="minor">
+            <a:schemeClr val="tx1"/>
+          </a:fontRef>
+        </p:style>
+      </p:cxnSp>
+      <p:cxnSp>
+        <p:nvCxnSpPr>
+          <p:cNvPr id="55" name="Straight Connector 54">
+            <a:extLst>
+              <a:ext uri="{FF2B5EF4-FFF2-40B4-BE49-F238E27FC236}">
+                <a16:creationId xmlns:a16="http://schemas.microsoft.com/office/drawing/2014/main" id="{D5BE2590-23D5-414C-8E5E-60AFCCA683F6}"/>
+              </a:ext>
+            </a:extLst>
+          </p:cNvPr>
+          <p:cNvCxnSpPr>
+            <a:cxnSpLocks/>
+          </p:cNvCxnSpPr>
+          <p:nvPr/>
+        </p:nvCxnSpPr>
+        <p:spPr>
+          <a:xfrm flipV="1">
+            <a:off x="657317" y="2420710"/>
+            <a:ext cx="605041" cy="8240"/>
+          </a:xfrm>
+          <a:prstGeom prst="line">
+            <a:avLst/>
+          </a:prstGeom>
+          <a:ln w="38100">
+            <a:solidFill>
+              <a:srgbClr val="00B0F0"/>
+            </a:solidFill>
+          </a:ln>
+        </p:spPr>
+        <p:style>
+          <a:lnRef idx="1">
+            <a:schemeClr val="accent1"/>
+          </a:lnRef>
+          <a:fillRef idx="0">
+            <a:schemeClr val="accent1"/>
+          </a:fillRef>
+          <a:effectRef idx="0">
+            <a:schemeClr val="accent1"/>
+          </a:effectRef>
+          <a:fontRef idx="minor">
+            <a:schemeClr val="tx1"/>
+          </a:fontRef>
+        </p:style>
+      </p:cxnSp>
+      <p:cxnSp>
+        <p:nvCxnSpPr>
+          <p:cNvPr id="56" name="Straight Connector 55">
+            <a:extLst>
+              <a:ext uri="{FF2B5EF4-FFF2-40B4-BE49-F238E27FC236}">
+                <a16:creationId xmlns:a16="http://schemas.microsoft.com/office/drawing/2014/main" id="{1A8816A9-DF64-47B0-BA80-A08D7428757F}"/>
+              </a:ext>
+            </a:extLst>
+          </p:cNvPr>
+          <p:cNvCxnSpPr>
+            <a:cxnSpLocks/>
+          </p:cNvCxnSpPr>
+          <p:nvPr/>
+        </p:nvCxnSpPr>
+        <p:spPr>
+          <a:xfrm flipV="1">
+            <a:off x="695325" y="2401333"/>
+            <a:ext cx="0" cy="404256"/>
+          </a:xfrm>
+          <a:prstGeom prst="line">
+            <a:avLst/>
+          </a:prstGeom>
+          <a:ln w="38100">
+            <a:solidFill>
+              <a:srgbClr val="00B0F0"/>
+            </a:solidFill>
+          </a:ln>
+        </p:spPr>
+        <p:style>
+          <a:lnRef idx="1">
+            <a:schemeClr val="accent1"/>
+          </a:lnRef>
+          <a:fillRef idx="0">
+            <a:schemeClr val="accent1"/>
+          </a:fillRef>
+          <a:effectRef idx="0">
+            <a:schemeClr val="accent1"/>
+          </a:effectRef>
+          <a:fontRef idx="minor">
+            <a:schemeClr val="tx1"/>
+          </a:fontRef>
+        </p:style>
+      </p:cxnSp>
+      <p:sp>
+        <p:nvSpPr>
+          <p:cNvPr id="7" name="Oval 6">
+            <a:extLst>
+              <a:ext uri="{FF2B5EF4-FFF2-40B4-BE49-F238E27FC236}">
+                <a16:creationId xmlns:a16="http://schemas.microsoft.com/office/drawing/2014/main" id="{0E679141-71B5-404A-A188-5C19FDC488E2}"/>
+              </a:ext>
+            </a:extLst>
+          </p:cNvPr>
+          <p:cNvSpPr/>
+          <p:nvPr/>
+        </p:nvSpPr>
+        <p:spPr>
+          <a:xfrm>
+            <a:off x="142532" y="3053133"/>
+            <a:ext cx="1092626" cy="1013561"/>
+          </a:xfrm>
+          <a:prstGeom prst="ellipse">
+            <a:avLst/>
+          </a:prstGeom>
+        </p:spPr>
+        <p:style>
+          <a:lnRef idx="2">
+            <a:schemeClr val="accent1">
+              <a:shade val="50000"/>
+            </a:schemeClr>
+          </a:lnRef>
+          <a:fillRef idx="1">
+            <a:schemeClr val="accent1"/>
+          </a:fillRef>
+          <a:effectRef idx="0">
+            <a:schemeClr val="accent1"/>
+          </a:effectRef>
+          <a:fontRef idx="minor">
+            <a:schemeClr val="lt1"/>
+          </a:fontRef>
+        </p:style>
+        <p:txBody>
+          <a:bodyPr rtlCol="0" anchor="ctr"/>
+          <a:lstStyle/>
+          <a:p>
+            <a:pPr algn="ctr"/>
+            <a:endParaRPr lang="en-IN"/>
+          </a:p>
+        </p:txBody>
+      </p:sp>
+      <p:pic>
+        <p:nvPicPr>
+          <p:cNvPr id="29" name="Picture 28">
+            <a:extLst>
+              <a:ext uri="{FF2B5EF4-FFF2-40B4-BE49-F238E27FC236}">
+                <a16:creationId xmlns:a16="http://schemas.microsoft.com/office/drawing/2014/main" id="{BED01731-A56C-435A-959F-B3D5BECF09D3}"/>
+              </a:ext>
+            </a:extLst>
+          </p:cNvPr>
+          <p:cNvPicPr>
+            <a:picLocks noChangeAspect="1"/>
+          </p:cNvPicPr>
+          <p:nvPr/>
+        </p:nvPicPr>
+        <p:blipFill>
+          <a:blip r:embed="rId4">
+            <a:extLst>
+              <a:ext uri="{28A0092B-C50C-407E-A947-70E740481C1C}">
+                <a14:useLocalDpi xmlns:a14="http://schemas.microsoft.com/office/drawing/2010/main" val="0"/>
+              </a:ext>
+            </a:extLst>
+          </a:blip>
+          <a:stretch>
+            <a:fillRect/>
+          </a:stretch>
+        </p:blipFill>
+        <p:spPr>
+          <a:xfrm>
+            <a:off x="319963" y="3197326"/>
+            <a:ext cx="725176" cy="725176"/>
+          </a:xfrm>
+          <a:prstGeom prst="rect">
+            <a:avLst/>
+          </a:prstGeom>
+        </p:spPr>
+      </p:pic>
+      <p:sp>
+        <p:nvSpPr>
+          <p:cNvPr id="6" name="TextBox 5">
+            <a:extLst>
+              <a:ext uri="{FF2B5EF4-FFF2-40B4-BE49-F238E27FC236}">
+                <a16:creationId xmlns:a16="http://schemas.microsoft.com/office/drawing/2014/main" id="{82BD5B22-900E-4A98-AEAA-5E837071DA6F}"/>
+              </a:ext>
+            </a:extLst>
+          </p:cNvPr>
+          <p:cNvSpPr txBox="1"/>
+          <p:nvPr/>
+        </p:nvSpPr>
+        <p:spPr>
+          <a:xfrm>
+            <a:off x="9866232" y="721527"/>
+            <a:ext cx="2220138" cy="969496"/>
+          </a:xfrm>
+          <a:prstGeom prst="rect">
+            <a:avLst/>
+          </a:prstGeom>
+          <a:noFill/>
+        </p:spPr>
+        <p:txBody>
+          <a:bodyPr wrap="square" rtlCol="0">
+            <a:spAutoFit/>
+          </a:bodyPr>
+          <a:lstStyle/>
+          <a:p>
+            <a:pPr algn="ctr"/>
+            <a:r>
+              <a:rPr lang="en-IN" sz="1900" b="1" dirty="0">
+                <a:solidFill>
+                  <a:srgbClr val="00B0F0"/>
+                </a:solidFill>
+                <a:latin typeface="Bahnschrift SemiBold" panose="020B0502040204020203" pitchFamily="34" charset="0"/>
+              </a:rPr>
+              <a:t>Azure Machine Learning Deployed Endpoints</a:t>
+            </a:r>
+          </a:p>
+        </p:txBody>
+      </p:sp>
+      <p:sp>
+        <p:nvSpPr>
+          <p:cNvPr id="12" name="Rectangle 11">
+            <a:extLst>
+              <a:ext uri="{FF2B5EF4-FFF2-40B4-BE49-F238E27FC236}">
+                <a16:creationId xmlns:a16="http://schemas.microsoft.com/office/drawing/2014/main" id="{6037C7C7-019C-45B0-8DFB-21D7299975E2}"/>
+              </a:ext>
+            </a:extLst>
+          </p:cNvPr>
+          <p:cNvSpPr/>
+          <p:nvPr/>
+        </p:nvSpPr>
+        <p:spPr>
+          <a:xfrm>
+            <a:off x="0" y="5957356"/>
+            <a:ext cx="4705350" cy="357712"/>
+          </a:xfrm>
+          <a:prstGeom prst="rect">
+            <a:avLst/>
+          </a:prstGeom>
+          <a:solidFill>
+            <a:srgbClr val="01203A"/>
+          </a:solidFill>
+          <a:ln>
+            <a:noFill/>
+          </a:ln>
+        </p:spPr>
+        <p:style>
+          <a:lnRef idx="2">
+            <a:schemeClr val="accent1">
+              <a:shade val="50000"/>
+            </a:schemeClr>
+          </a:lnRef>
+          <a:fillRef idx="1">
+            <a:schemeClr val="accent1"/>
+          </a:fillRef>
+          <a:effectRef idx="0">
+            <a:schemeClr val="accent1"/>
+          </a:effectRef>
+          <a:fontRef idx="minor">
+            <a:schemeClr val="lt1"/>
+          </a:fontRef>
+        </p:style>
+        <p:txBody>
+          <a:bodyPr rtlCol="0" anchor="ctr"/>
+          <a:lstStyle/>
+          <a:p>
+            <a:pPr algn="ctr"/>
+            <a:endParaRPr lang="en-IN"/>
+          </a:p>
+        </p:txBody>
+      </p:sp>
+      <p:sp>
+        <p:nvSpPr>
+          <p:cNvPr id="31" name="Rectangle 30">
+            <a:extLst>
+              <a:ext uri="{FF2B5EF4-FFF2-40B4-BE49-F238E27FC236}">
+                <a16:creationId xmlns:a16="http://schemas.microsoft.com/office/drawing/2014/main" id="{F0B33C47-4D8B-4E32-8348-7AB2EEC82F43}"/>
+              </a:ext>
+            </a:extLst>
+          </p:cNvPr>
+          <p:cNvSpPr/>
+          <p:nvPr/>
+        </p:nvSpPr>
+        <p:spPr>
+          <a:xfrm>
+            <a:off x="11285267" y="5355634"/>
+            <a:ext cx="906733" cy="874597"/>
+          </a:xfrm>
+          <a:prstGeom prst="rect">
+            <a:avLst/>
+          </a:prstGeom>
+          <a:solidFill>
+            <a:srgbClr val="01203A"/>
+          </a:solidFill>
+          <a:ln>
+            <a:noFill/>
+          </a:ln>
+        </p:spPr>
+        <p:style>
+          <a:lnRef idx="2">
+            <a:schemeClr val="accent1">
+              <a:shade val="50000"/>
+            </a:schemeClr>
+          </a:lnRef>
+          <a:fillRef idx="1">
+            <a:schemeClr val="accent1"/>
+          </a:fillRef>
+          <a:effectRef idx="0">
+            <a:schemeClr val="accent1"/>
+          </a:effectRef>
+          <a:fontRef idx="minor">
+            <a:schemeClr val="lt1"/>
+          </a:fontRef>
+        </p:style>
+        <p:txBody>
+          <a:bodyPr rtlCol="0" anchor="ctr"/>
+          <a:lstStyle/>
+          <a:p>
+            <a:pPr algn="ctr"/>
+            <a:endParaRPr lang="en-IN"/>
+          </a:p>
+        </p:txBody>
+      </p:sp>
+      <p:pic>
+        <p:nvPicPr>
+          <p:cNvPr id="16" name="Picture 15">
+            <a:extLst>
+              <a:ext uri="{FF2B5EF4-FFF2-40B4-BE49-F238E27FC236}">
+                <a16:creationId xmlns:a16="http://schemas.microsoft.com/office/drawing/2014/main" id="{8A7C3FBD-A28A-4F15-B9DE-DDA8691E7454}"/>
+              </a:ext>
+            </a:extLst>
+          </p:cNvPr>
+          <p:cNvPicPr>
+            <a:picLocks noChangeAspect="1"/>
+          </p:cNvPicPr>
+          <p:nvPr/>
+        </p:nvPicPr>
+        <p:blipFill>
+          <a:blip r:embed="rId5">
+            <a:extLst>
+              <a:ext uri="{28A0092B-C50C-407E-A947-70E740481C1C}">
+                <a14:useLocalDpi xmlns:a14="http://schemas.microsoft.com/office/drawing/2010/main" val="0"/>
+              </a:ext>
+            </a:extLst>
+          </a:blip>
+          <a:stretch>
+            <a:fillRect/>
+          </a:stretch>
+        </p:blipFill>
+        <p:spPr>
+          <a:xfrm>
+            <a:off x="1849989" y="4455697"/>
+            <a:ext cx="580518" cy="580518"/>
+          </a:xfrm>
+          <a:prstGeom prst="rect">
+            <a:avLst/>
+          </a:prstGeom>
+        </p:spPr>
+      </p:pic>
+      <p:sp>
+        <p:nvSpPr>
+          <p:cNvPr id="35" name="TextBox 34">
+            <a:extLst>
+              <a:ext uri="{FF2B5EF4-FFF2-40B4-BE49-F238E27FC236}">
+                <a16:creationId xmlns:a16="http://schemas.microsoft.com/office/drawing/2014/main" id="{A301BA61-1A2B-456C-84C2-269971B70016}"/>
+              </a:ext>
+            </a:extLst>
+          </p:cNvPr>
+          <p:cNvSpPr txBox="1"/>
+          <p:nvPr/>
+        </p:nvSpPr>
+        <p:spPr>
+          <a:xfrm>
+            <a:off x="1030179" y="5160971"/>
+            <a:ext cx="2220138" cy="707886"/>
+          </a:xfrm>
+          <a:prstGeom prst="rect">
+            <a:avLst/>
+          </a:prstGeom>
+          <a:noFill/>
+        </p:spPr>
+        <p:txBody>
+          <a:bodyPr wrap="square" rtlCol="0">
+            <a:spAutoFit/>
+          </a:bodyPr>
+          <a:lstStyle/>
+          <a:p>
+            <a:pPr algn="ctr"/>
+            <a:r>
+              <a:rPr lang="en-IN" sz="2000" b="1" dirty="0">
+                <a:solidFill>
+                  <a:srgbClr val="00B0F0"/>
+                </a:solidFill>
+                <a:latin typeface="Futura Bk BT" panose="020B0502020204020303" pitchFamily="34" charset="0"/>
+              </a:rPr>
+              <a:t>Personalized</a:t>
+            </a:r>
+            <a:br>
+              <a:rPr lang="en-IN" sz="2000" b="1" dirty="0">
+                <a:solidFill>
+                  <a:srgbClr val="00B0F0"/>
+                </a:solidFill>
+                <a:latin typeface="Futura Bk BT" panose="020B0502020204020303" pitchFamily="34" charset="0"/>
+              </a:rPr>
+            </a:br>
+            <a:r>
+              <a:rPr lang="en-IN" sz="2000" b="1" dirty="0">
+                <a:solidFill>
+                  <a:srgbClr val="00B0F0"/>
+                </a:solidFill>
+                <a:latin typeface="Futura Bk BT" panose="020B0502020204020303" pitchFamily="34" charset="0"/>
+              </a:rPr>
+              <a:t>Feedback</a:t>
+            </a:r>
+          </a:p>
+        </p:txBody>
+      </p:sp>
+      <p:cxnSp>
+        <p:nvCxnSpPr>
+          <p:cNvPr id="36" name="Straight Connector 35">
+            <a:extLst>
+              <a:ext uri="{FF2B5EF4-FFF2-40B4-BE49-F238E27FC236}">
+                <a16:creationId xmlns:a16="http://schemas.microsoft.com/office/drawing/2014/main" id="{FABC72B3-6D2B-4D3B-98BE-F22EA11B7534}"/>
+              </a:ext>
+            </a:extLst>
+          </p:cNvPr>
+          <p:cNvCxnSpPr>
+            <a:cxnSpLocks/>
+          </p:cNvCxnSpPr>
+          <p:nvPr/>
+        </p:nvCxnSpPr>
+        <p:spPr>
+          <a:xfrm>
+            <a:off x="5918663" y="2414661"/>
+            <a:ext cx="948823" cy="0"/>
+          </a:xfrm>
+          <a:prstGeom prst="line">
+            <a:avLst/>
+          </a:prstGeom>
+          <a:ln w="38100">
+            <a:solidFill>
+              <a:srgbClr val="00B0F0"/>
+            </a:solidFill>
+          </a:ln>
+        </p:spPr>
+        <p:style>
+          <a:lnRef idx="1">
+            <a:schemeClr val="accent1"/>
+          </a:lnRef>
+          <a:fillRef idx="0">
+            <a:schemeClr val="accent1"/>
+          </a:fillRef>
+          <a:effectRef idx="0">
+            <a:schemeClr val="accent1"/>
+          </a:effectRef>
+          <a:fontRef idx="minor">
+            <a:schemeClr val="tx1"/>
+          </a:fontRef>
+        </p:style>
+      </p:cxnSp>
+      <p:sp>
+        <p:nvSpPr>
+          <p:cNvPr id="37" name="Isosceles Triangle 36">
+            <a:extLst>
+              <a:ext uri="{FF2B5EF4-FFF2-40B4-BE49-F238E27FC236}">
+                <a16:creationId xmlns:a16="http://schemas.microsoft.com/office/drawing/2014/main" id="{857E7F4E-C6B9-4BDC-8A4C-34E5E00569C6}"/>
+              </a:ext>
+            </a:extLst>
+          </p:cNvPr>
+          <p:cNvSpPr/>
+          <p:nvPr/>
+        </p:nvSpPr>
+        <p:spPr>
+          <a:xfrm rot="5400000">
+            <a:off x="6853428" y="2354143"/>
+            <a:ext cx="177732" cy="149615"/>
+          </a:xfrm>
+          <a:prstGeom prst="triangle">
+            <a:avLst/>
+          </a:prstGeom>
+          <a:solidFill>
+            <a:srgbClr val="00B0F0"/>
+          </a:solidFill>
+          <a:ln>
+            <a:solidFill>
+              <a:srgbClr val="00B0F0"/>
+            </a:solidFill>
+          </a:ln>
+        </p:spPr>
+        <p:style>
+          <a:lnRef idx="2">
+            <a:schemeClr val="accent1">
+              <a:shade val="50000"/>
+            </a:schemeClr>
+          </a:lnRef>
+          <a:fillRef idx="1">
+            <a:schemeClr val="accent1"/>
+          </a:fillRef>
+          <a:effectRef idx="0">
+            <a:schemeClr val="accent1"/>
+          </a:effectRef>
+          <a:fontRef idx="minor">
+            <a:schemeClr val="lt1"/>
+          </a:fontRef>
+        </p:style>
+        <p:txBody>
+          <a:bodyPr rtlCol="0" anchor="ctr"/>
+          <a:lstStyle/>
+          <a:p>
+            <a:pPr algn="ctr"/>
+            <a:endParaRPr lang="en-IN" dirty="0"/>
+          </a:p>
+        </p:txBody>
+      </p:sp>
+      <p:sp>
+        <p:nvSpPr>
+          <p:cNvPr id="47" name="TextBox 46">
+            <a:extLst>
+              <a:ext uri="{FF2B5EF4-FFF2-40B4-BE49-F238E27FC236}">
+                <a16:creationId xmlns:a16="http://schemas.microsoft.com/office/drawing/2014/main" id="{F3091D3F-BE11-4071-BCDA-55E65E470F86}"/>
+              </a:ext>
+            </a:extLst>
+          </p:cNvPr>
+          <p:cNvSpPr txBox="1"/>
+          <p:nvPr/>
+        </p:nvSpPr>
+        <p:spPr>
+          <a:xfrm>
+            <a:off x="6721854" y="2993355"/>
+            <a:ext cx="2220138" cy="400110"/>
+          </a:xfrm>
+          <a:prstGeom prst="rect">
+            <a:avLst/>
+          </a:prstGeom>
+          <a:noFill/>
+        </p:spPr>
+        <p:txBody>
+          <a:bodyPr wrap="square" rtlCol="0">
+            <a:spAutoFit/>
+          </a:bodyPr>
+          <a:lstStyle/>
+          <a:p>
+            <a:pPr algn="ctr"/>
+            <a:r>
+              <a:rPr lang="en-IN" sz="2000" b="1" dirty="0">
+                <a:solidFill>
+                  <a:srgbClr val="00B0F0"/>
+                </a:solidFill>
+                <a:latin typeface="Futura Bk BT" panose="020B0502020204020303" pitchFamily="34" charset="0"/>
+              </a:rPr>
+              <a:t>Azure Storage</a:t>
+            </a:r>
+          </a:p>
+        </p:txBody>
+      </p:sp>
+      <p:sp>
+        <p:nvSpPr>
+          <p:cNvPr id="48" name="Rectangle: Rounded Corners 47">
+            <a:extLst>
+              <a:ext uri="{FF2B5EF4-FFF2-40B4-BE49-F238E27FC236}">
+                <a16:creationId xmlns:a16="http://schemas.microsoft.com/office/drawing/2014/main" id="{192F5F81-F8A2-456C-84EC-694729975CA8}"/>
+              </a:ext>
+            </a:extLst>
+          </p:cNvPr>
+          <p:cNvSpPr/>
+          <p:nvPr/>
+        </p:nvSpPr>
+        <p:spPr>
+          <a:xfrm>
+            <a:off x="10248995" y="4407089"/>
+            <a:ext cx="1835435" cy="1399592"/>
+          </a:xfrm>
+          <a:prstGeom prst="roundRect">
+            <a:avLst/>
+          </a:prstGeom>
+          <a:solidFill>
+            <a:schemeClr val="bg1"/>
+          </a:solidFill>
+          <a:ln>
+            <a:noFill/>
+          </a:ln>
+          <a:effectLst>
+            <a:outerShdw blurRad="149987" dist="250190" dir="8460000" algn="ctr">
+              <a:srgbClr val="000000">
+                <a:alpha val="28000"/>
+              </a:srgbClr>
+            </a:outerShdw>
+          </a:effectLst>
+          <a:scene3d>
+            <a:camera prst="orthographicFront">
+              <a:rot lat="0" lon="0" rev="0"/>
+            </a:camera>
+            <a:lightRig rig="contrasting" dir="t">
+              <a:rot lat="0" lon="0" rev="1500000"/>
+            </a:lightRig>
+          </a:scene3d>
+          <a:sp3d prstMaterial="metal">
+            <a:bevelT w="88900" h="88900"/>
+          </a:sp3d>
+        </p:spPr>
+        <p:style>
+          <a:lnRef idx="2">
+            <a:schemeClr val="accent1">
+              <a:shade val="50000"/>
+            </a:schemeClr>
+          </a:lnRef>
+          <a:fillRef idx="1">
+            <a:schemeClr val="accent1"/>
+          </a:fillRef>
+          <a:effectRef idx="0">
+            <a:schemeClr val="accent1"/>
+          </a:effectRef>
+          <a:fontRef idx="minor">
+            <a:schemeClr val="lt1"/>
+          </a:fontRef>
+        </p:style>
+        <p:txBody>
+          <a:bodyPr rtlCol="0" anchor="ctr"/>
+          <a:lstStyle/>
+          <a:p>
+            <a:pPr algn="ctr"/>
+            <a:endParaRPr lang="en-IN" sz="2000" b="1" dirty="0">
+              <a:solidFill>
+                <a:schemeClr val="tx1"/>
+              </a:solidFill>
+              <a:ea typeface="Open Sans" panose="020B0606030504020204" pitchFamily="34" charset="0"/>
+              <a:cs typeface="Open Sans" panose="020B0606030504020204" pitchFamily="34" charset="0"/>
+            </a:endParaRPr>
+          </a:p>
+        </p:txBody>
+      </p:sp>
+      <p:sp>
+        <p:nvSpPr>
+          <p:cNvPr id="27" name="Left Brace 26">
+            <a:extLst>
+              <a:ext uri="{FF2B5EF4-FFF2-40B4-BE49-F238E27FC236}">
+                <a16:creationId xmlns:a16="http://schemas.microsoft.com/office/drawing/2014/main" id="{1151871E-DE6D-41C8-B0EE-10E35A610BB3}"/>
+              </a:ext>
+            </a:extLst>
+          </p:cNvPr>
+          <p:cNvSpPr/>
+          <p:nvPr/>
+        </p:nvSpPr>
+        <p:spPr>
+          <a:xfrm>
+            <a:off x="9672075" y="2331844"/>
+            <a:ext cx="378217" cy="2689397"/>
+          </a:xfrm>
+          <a:prstGeom prst="leftBrace">
+            <a:avLst/>
+          </a:prstGeom>
+          <a:ln w="57150">
+            <a:solidFill>
+              <a:srgbClr val="00B0F0"/>
+            </a:solidFill>
+          </a:ln>
+        </p:spPr>
+        <p:style>
+          <a:lnRef idx="1">
+            <a:schemeClr val="dk1"/>
+          </a:lnRef>
+          <a:fillRef idx="0">
+            <a:schemeClr val="dk1"/>
+          </a:fillRef>
+          <a:effectRef idx="0">
+            <a:schemeClr val="dk1"/>
+          </a:effectRef>
+          <a:fontRef idx="minor">
+            <a:schemeClr val="tx1"/>
+          </a:fontRef>
+        </p:style>
+        <p:txBody>
+          <a:bodyPr rtlCol="0" anchor="ctr"/>
+          <a:lstStyle/>
+          <a:p>
+            <a:pPr algn="ctr"/>
+            <a:endParaRPr lang="en-IN" dirty="0"/>
+          </a:p>
+        </p:txBody>
+      </p:sp>
+      <p:sp>
+        <p:nvSpPr>
+          <p:cNvPr id="54" name="TextBox 53">
+            <a:extLst>
+              <a:ext uri="{FF2B5EF4-FFF2-40B4-BE49-F238E27FC236}">
+                <a16:creationId xmlns:a16="http://schemas.microsoft.com/office/drawing/2014/main" id="{FB77A7DA-3A88-4468-B53D-FBAC7744CC46}"/>
+              </a:ext>
+            </a:extLst>
+          </p:cNvPr>
+          <p:cNvSpPr txBox="1"/>
+          <p:nvPr/>
+        </p:nvSpPr>
+        <p:spPr>
+          <a:xfrm>
+            <a:off x="10050292" y="5868857"/>
+            <a:ext cx="2220138" cy="400110"/>
+          </a:xfrm>
+          <a:prstGeom prst="rect">
+            <a:avLst/>
+          </a:prstGeom>
+          <a:noFill/>
+        </p:spPr>
+        <p:txBody>
+          <a:bodyPr wrap="square" rtlCol="0">
+            <a:spAutoFit/>
+          </a:bodyPr>
+          <a:lstStyle/>
+          <a:p>
+            <a:pPr algn="ctr"/>
+            <a:r>
+              <a:rPr lang="en-IN" sz="2000" b="1" dirty="0">
+                <a:solidFill>
+                  <a:srgbClr val="00B0F0"/>
+                </a:solidFill>
+                <a:latin typeface="Bahnschrift SemiBold" panose="020B0502040204020203" pitchFamily="34" charset="0"/>
+              </a:rPr>
+              <a:t>Azure Analytics</a:t>
+            </a:r>
+          </a:p>
+        </p:txBody>
+      </p:sp>
+      <p:pic>
+        <p:nvPicPr>
+          <p:cNvPr id="17" name="Picture 16">
+            <a:extLst>
+              <a:ext uri="{FF2B5EF4-FFF2-40B4-BE49-F238E27FC236}">
+                <a16:creationId xmlns:a16="http://schemas.microsoft.com/office/drawing/2014/main" id="{A8A80815-5AB5-004B-983D-EA8C77EC306F}"/>
+              </a:ext>
+            </a:extLst>
+          </p:cNvPr>
+          <p:cNvPicPr>
+            <a:picLocks noChangeAspect="1"/>
+          </p:cNvPicPr>
+          <p:nvPr/>
+        </p:nvPicPr>
+        <p:blipFill>
+          <a:blip r:embed="rId6">
+            <a:extLst>
+              <a:ext uri="{28A0092B-C50C-407E-A947-70E740481C1C}">
+                <a14:useLocalDpi xmlns:a14="http://schemas.microsoft.com/office/drawing/2010/main" val="0"/>
+              </a:ext>
+            </a:extLst>
+          </a:blip>
+          <a:stretch>
+            <a:fillRect/>
+          </a:stretch>
+        </p:blipFill>
+        <p:spPr>
+          <a:xfrm>
+            <a:off x="10648356" y="1994281"/>
+            <a:ext cx="848319" cy="912791"/>
+          </a:xfrm>
+          <a:prstGeom prst="rect">
+            <a:avLst/>
+          </a:prstGeom>
+        </p:spPr>
+      </p:pic>
+      <p:pic>
+        <p:nvPicPr>
+          <p:cNvPr id="19" name="Picture 18">
+            <a:extLst>
+              <a:ext uri="{FF2B5EF4-FFF2-40B4-BE49-F238E27FC236}">
+                <a16:creationId xmlns:a16="http://schemas.microsoft.com/office/drawing/2014/main" id="{BEEF966E-4A07-0084-D8D8-AE78E4870C74}"/>
+              </a:ext>
+            </a:extLst>
+          </p:cNvPr>
+          <p:cNvPicPr>
+            <a:picLocks noChangeAspect="1"/>
+          </p:cNvPicPr>
+          <p:nvPr/>
+        </p:nvPicPr>
+        <p:blipFill rotWithShape="1">
+          <a:blip r:embed="rId7">
+            <a:extLst>
+              <a:ext uri="{28A0092B-C50C-407E-A947-70E740481C1C}">
+                <a14:useLocalDpi xmlns:a14="http://schemas.microsoft.com/office/drawing/2010/main" val="0"/>
+              </a:ext>
+            </a:extLst>
+          </a:blip>
+          <a:srcRect l="21629" t="16637" r="22058" b="17816"/>
+          <a:stretch/>
+        </p:blipFill>
+        <p:spPr>
+          <a:xfrm>
+            <a:off x="10643478" y="4503547"/>
+            <a:ext cx="1036685" cy="1206676"/>
+          </a:xfrm>
+          <a:prstGeom prst="rect">
+            <a:avLst/>
+          </a:prstGeom>
+        </p:spPr>
+      </p:pic>
+      <p:sp>
+        <p:nvSpPr>
+          <p:cNvPr id="59" name="Rectangle: Rounded Corners 58">
+            <a:extLst>
+              <a:ext uri="{FF2B5EF4-FFF2-40B4-BE49-F238E27FC236}">
+                <a16:creationId xmlns:a16="http://schemas.microsoft.com/office/drawing/2014/main" id="{D505D6C9-EEB7-E605-BB41-3C1AF767832F}"/>
+              </a:ext>
+            </a:extLst>
+          </p:cNvPr>
+          <p:cNvSpPr/>
+          <p:nvPr/>
+        </p:nvSpPr>
+        <p:spPr>
+          <a:xfrm>
+            <a:off x="7223257" y="1912791"/>
+            <a:ext cx="1262331" cy="1087130"/>
+          </a:xfrm>
+          <a:prstGeom prst="roundRect">
+            <a:avLst/>
+          </a:prstGeom>
+          <a:solidFill>
+            <a:schemeClr val="bg1"/>
+          </a:solidFill>
+        </p:spPr>
+        <p:style>
+          <a:lnRef idx="2">
+            <a:schemeClr val="accent1">
+              <a:shade val="50000"/>
+            </a:schemeClr>
+          </a:lnRef>
+          <a:fillRef idx="1">
+            <a:schemeClr val="accent1"/>
+          </a:fillRef>
+          <a:effectRef idx="0">
+            <a:schemeClr val="accent1"/>
+          </a:effectRef>
+          <a:fontRef idx="minor">
+            <a:schemeClr val="lt1"/>
+          </a:fontRef>
+        </p:style>
+        <p:txBody>
+          <a:bodyPr rtlCol="0" anchor="ctr"/>
+          <a:lstStyle/>
+          <a:p>
+            <a:pPr algn="ctr"/>
+            <a:endParaRPr lang="en-IN" sz="1600" b="1" dirty="0">
+              <a:solidFill>
+                <a:schemeClr val="tx1"/>
+              </a:solidFill>
+              <a:ea typeface="Open Sans" panose="020B0606030504020204" pitchFamily="34" charset="0"/>
+              <a:cs typeface="Open Sans" panose="020B0606030504020204" pitchFamily="34" charset="0"/>
+            </a:endParaRPr>
+          </a:p>
+        </p:txBody>
+      </p:sp>
+      <p:pic>
+        <p:nvPicPr>
+          <p:cNvPr id="60" name="Picture 59">
+            <a:extLst>
+              <a:ext uri="{FF2B5EF4-FFF2-40B4-BE49-F238E27FC236}">
+                <a16:creationId xmlns:a16="http://schemas.microsoft.com/office/drawing/2014/main" id="{4A2879BB-DD8D-F781-E2BA-FC2C15F771DA}"/>
+              </a:ext>
+            </a:extLst>
+          </p:cNvPr>
+          <p:cNvPicPr>
+            <a:picLocks noChangeAspect="1"/>
+          </p:cNvPicPr>
+          <p:nvPr/>
+        </p:nvPicPr>
+        <p:blipFill>
+          <a:blip r:embed="rId8">
+            <a:extLst>
+              <a:ext uri="{28A0092B-C50C-407E-A947-70E740481C1C}">
+                <a14:useLocalDpi xmlns:a14="http://schemas.microsoft.com/office/drawing/2010/main" val="0"/>
+              </a:ext>
+            </a:extLst>
+          </a:blip>
+          <a:stretch>
+            <a:fillRect/>
+          </a:stretch>
+        </p:blipFill>
+        <p:spPr>
+          <a:xfrm>
+            <a:off x="7283582" y="2013135"/>
+            <a:ext cx="1173388" cy="912791"/>
+          </a:xfrm>
+          <a:prstGeom prst="rect">
+            <a:avLst/>
+          </a:prstGeom>
+        </p:spPr>
+      </p:pic>
+    </p:spTree>
+    <p:extLst>
+      <p:ext uri="{BB962C8B-B14F-4D97-AF65-F5344CB8AC3E}">
+        <p14:creationId xmlns:p14="http://schemas.microsoft.com/office/powerpoint/2010/main" val="137261533"/>
+      </p:ext>
+    </p:extLst>
+  </p:cSld>
+  <p:clrMapOvr>
+    <a:masterClrMapping/>
+  </p:clrMapOvr>
+</p:sld>
+</file>
+
+<file path=ppt/slides/slide9.xml><?xml version="1.0" encoding="utf-8"?>
+<p:sld xmlns:a="http://schemas.openxmlformats.org/drawingml/2006/main" xmlns:r="http://schemas.openxmlformats.org/officeDocument/2006/relationships" xmlns:p="http://schemas.openxmlformats.org/presentationml/2006/main">
+  <p:cSld>
+    <p:bg>
+      <p:bgPr>
+        <a:solidFill>
+          <a:srgbClr val="01203A"/>
+        </a:solidFill>
+        <a:effectLst/>
+      </p:bgPr>
+    </p:bg>
+    <p:spTree>
+      <p:nvGrpSpPr>
+        <p:cNvPr id="1" name=""/>
+        <p:cNvGrpSpPr/>
+        <p:nvPr/>
+      </p:nvGrpSpPr>
+      <p:grpSpPr>
+        <a:xfrm>
+          <a:off x="0" y="0"/>
+          <a:ext cx="0" cy="0"/>
+          <a:chOff x="0" y="0"/>
+          <a:chExt cx="0" cy="0"/>
+        </a:xfrm>
+      </p:grpSpPr>
+      <p:sp>
+        <p:nvSpPr>
+          <p:cNvPr id="2" name="Title 1">
+            <a:extLst>
+              <a:ext uri="{FF2B5EF4-FFF2-40B4-BE49-F238E27FC236}">
+                <a16:creationId xmlns:a16="http://schemas.microsoft.com/office/drawing/2014/main" id="{933975B7-42FF-45AB-9A69-2848A9C2C02C}"/>
+              </a:ext>
+            </a:extLst>
+          </p:cNvPr>
+          <p:cNvSpPr>
+            <a:spLocks noGrp="1"/>
+          </p:cNvSpPr>
+          <p:nvPr>
+            <p:ph type="title"/>
+          </p:nvPr>
+        </p:nvSpPr>
+        <p:spPr>
+          <a:xfrm>
             <a:off x="2580194" y="387634"/>
             <a:ext cx="7998685" cy="915451"/>
           </a:xfrm>
@@ -11358,488 +12971,6 @@
     <p:extLst>
       <p:ext uri="{BB962C8B-B14F-4D97-AF65-F5344CB8AC3E}">
         <p14:creationId xmlns:p14="http://schemas.microsoft.com/office/powerpoint/2010/main" val="1608312118"/>
-      </p:ext>
-    </p:extLst>
-  </p:cSld>
-  <p:clrMapOvr>
-    <a:masterClrMapping/>
-  </p:clrMapOvr>
-</p:sld>
-</file>
-
-<file path=ppt/slides/slide9.xml><?xml version="1.0" encoding="utf-8"?>
-<p:sld xmlns:a="http://schemas.openxmlformats.org/drawingml/2006/main" xmlns:r="http://schemas.openxmlformats.org/officeDocument/2006/relationships" xmlns:p="http://schemas.openxmlformats.org/presentationml/2006/main">
-  <p:cSld>
-    <p:bg>
-      <p:bgPr>
-        <a:solidFill>
-          <a:schemeClr val="tx1">
-            <a:lumMod val="95000"/>
-            <a:lumOff val="5000"/>
-          </a:schemeClr>
-        </a:solidFill>
-        <a:effectLst/>
-      </p:bgPr>
-    </p:bg>
-    <p:spTree>
-      <p:nvGrpSpPr>
-        <p:cNvPr id="1" name=""/>
-        <p:cNvGrpSpPr/>
-        <p:nvPr/>
-      </p:nvGrpSpPr>
-      <p:grpSpPr>
-        <a:xfrm>
-          <a:off x="0" y="0"/>
-          <a:ext cx="0" cy="0"/>
-          <a:chOff x="0" y="0"/>
-          <a:chExt cx="0" cy="0"/>
-        </a:xfrm>
-      </p:grpSpPr>
-      <p:sp>
-        <p:nvSpPr>
-          <p:cNvPr id="4" name="Title 1">
-            <a:extLst>
-              <a:ext uri="{FF2B5EF4-FFF2-40B4-BE49-F238E27FC236}">
-                <a16:creationId xmlns:a16="http://schemas.microsoft.com/office/drawing/2014/main" id="{883BEF76-8C78-4E7C-B7ED-87ACBDAC16D8}"/>
-              </a:ext>
-            </a:extLst>
-          </p:cNvPr>
-          <p:cNvSpPr txBox="1">
-            <a:spLocks/>
-          </p:cNvSpPr>
-          <p:nvPr/>
-        </p:nvSpPr>
-        <p:spPr>
-          <a:xfrm>
-            <a:off x="806718" y="699305"/>
-            <a:ext cx="5078967" cy="743828"/>
-          </a:xfrm>
-          <a:prstGeom prst="rect">
-            <a:avLst/>
-          </a:prstGeom>
-        </p:spPr>
-        <p:txBody>
-          <a:bodyPr vert="horz" lIns="91440" tIns="45720" rIns="91440" bIns="45720" rtlCol="0" anchor="t">
-            <a:normAutofit fontScale="75000" lnSpcReduction="20000"/>
-          </a:bodyPr>
-          <a:lstStyle>
-            <a:lvl1pPr algn="r" defTabSz="914400" rtl="0" eaLnBrk="1" latinLnBrk="0" hangingPunct="1">
-              <a:lnSpc>
-                <a:spcPct val="90000"/>
-              </a:lnSpc>
-              <a:spcBef>
-                <a:spcPct val="0"/>
-              </a:spcBef>
-              <a:buNone/>
-              <a:defRPr sz="5000" b="0" i="1" kern="1200" baseline="0">
-                <a:solidFill>
-                  <a:schemeClr val="accent1"/>
-                </a:solidFill>
-                <a:latin typeface="+mj-lt"/>
-                <a:ea typeface="+mj-ea"/>
-                <a:cs typeface="+mj-cs"/>
-              </a:defRPr>
-            </a:lvl1pPr>
-          </a:lstStyle>
-          <a:p>
-            <a:pPr algn="l"/>
-            <a:r>
-              <a:rPr lang="en-IN" b="1" i="0" dirty="0">
-                <a:solidFill>
-                  <a:srgbClr val="00B0F0"/>
-                </a:solidFill>
-                <a:latin typeface="Futura Bk BT" panose="020B0502020204020303" pitchFamily="34" charset="0"/>
-              </a:rPr>
-              <a:t>Advantages of IntelliED</a:t>
-            </a:r>
-          </a:p>
-        </p:txBody>
-      </p:sp>
-      <p:sp>
-        <p:nvSpPr>
-          <p:cNvPr id="6" name="TextBox 5">
-            <a:extLst>
-              <a:ext uri="{FF2B5EF4-FFF2-40B4-BE49-F238E27FC236}">
-                <a16:creationId xmlns:a16="http://schemas.microsoft.com/office/drawing/2014/main" id="{C8F04F20-FF5E-4F5F-883E-3785074E1DDF}"/>
-              </a:ext>
-            </a:extLst>
-          </p:cNvPr>
-          <p:cNvSpPr txBox="1"/>
-          <p:nvPr/>
-        </p:nvSpPr>
-        <p:spPr>
-          <a:xfrm>
-            <a:off x="806718" y="1443133"/>
-            <a:ext cx="9127857" cy="5206554"/>
-          </a:xfrm>
-          <a:prstGeom prst="rect">
-            <a:avLst/>
-          </a:prstGeom>
-          <a:noFill/>
-        </p:spPr>
-        <p:txBody>
-          <a:bodyPr wrap="square" rtlCol="0">
-            <a:spAutoFit/>
-          </a:bodyPr>
-          <a:lstStyle/>
-          <a:p>
-            <a:pPr>
-              <a:lnSpc>
-                <a:spcPct val="150000"/>
-              </a:lnSpc>
-              <a:spcAft>
-                <a:spcPts val="800"/>
-              </a:spcAft>
-              <a:buClr>
-                <a:srgbClr val="92D050"/>
-              </a:buClr>
-            </a:pPr>
-            <a:r>
-              <a:rPr lang="en-IN" dirty="0">
-                <a:solidFill>
-                  <a:schemeClr val="bg2"/>
-                </a:solidFill>
-                <a:latin typeface="Arial" panose="020B0604020202020204" pitchFamily="34" charset="0"/>
-              </a:rPr>
-              <a:t>☑</a:t>
-            </a:r>
-            <a:r>
-              <a:rPr lang="en-IN" dirty="0">
-                <a:solidFill>
-                  <a:schemeClr val="bg2"/>
-                </a:solidFill>
-                <a:latin typeface="Arial" panose="020B0604020202020204" pitchFamily="34" charset="0"/>
-                <a:ea typeface="Times New Roman" panose="02020603050405020304" pitchFamily="18" charset="0"/>
-              </a:rPr>
-              <a:t> Provides Easy, Safe &amp; Secure access to student’s data.</a:t>
-            </a:r>
-          </a:p>
-          <a:p>
-            <a:pPr>
-              <a:lnSpc>
-                <a:spcPct val="150000"/>
-              </a:lnSpc>
-              <a:spcAft>
-                <a:spcPts val="800"/>
-              </a:spcAft>
-              <a:buClr>
-                <a:srgbClr val="92D050"/>
-              </a:buClr>
-            </a:pPr>
-            <a:r>
-              <a:rPr lang="en-IN" dirty="0">
-                <a:solidFill>
-                  <a:schemeClr val="bg2"/>
-                </a:solidFill>
-                <a:latin typeface="Arial" panose="020B0604020202020204" pitchFamily="34" charset="0"/>
-              </a:rPr>
-              <a:t>☑</a:t>
-            </a:r>
-            <a:r>
-              <a:rPr lang="en-IN" dirty="0">
-                <a:solidFill>
-                  <a:schemeClr val="bg2"/>
-                </a:solidFill>
-                <a:latin typeface="Arial" panose="020B0604020202020204" pitchFamily="34" charset="0"/>
-                <a:ea typeface="Times New Roman" panose="02020603050405020304" pitchFamily="18" charset="0"/>
-              </a:rPr>
-              <a:t> </a:t>
-            </a:r>
-            <a:r>
-              <a:rPr lang="en-IN" dirty="0">
-                <a:solidFill>
-                  <a:srgbClr val="00B0F0"/>
-                </a:solidFill>
-                <a:latin typeface="Arial" panose="020B0604020202020204" pitchFamily="34" charset="0"/>
-                <a:ea typeface="Calibri" panose="020F0502020204030204" pitchFamily="34" charset="0"/>
-                <a:cs typeface="Arial" panose="020B0604020202020204" pitchFamily="34" charset="0"/>
-              </a:rPr>
-              <a:t>Offers </a:t>
-            </a:r>
-            <a:r>
-              <a:rPr lang="en-IN" dirty="0">
-                <a:solidFill>
-                  <a:srgbClr val="00B0F0"/>
-                </a:solidFill>
-                <a:effectLst/>
-                <a:latin typeface="Arial" panose="020B0604020202020204" pitchFamily="34" charset="0"/>
-                <a:ea typeface="Calibri" panose="020F0502020204030204" pitchFamily="34" charset="0"/>
-                <a:cs typeface="Arial" panose="020B0604020202020204" pitchFamily="34" charset="0"/>
-              </a:rPr>
-              <a:t>data-driven approach for making smarter decisions </a:t>
-            </a:r>
-            <a:r>
-              <a:rPr lang="en-IN" dirty="0">
-                <a:solidFill>
-                  <a:srgbClr val="00B0F0"/>
-                </a:solidFill>
-                <a:latin typeface="Arial" panose="020B0604020202020204" pitchFamily="34" charset="0"/>
-                <a:ea typeface="Calibri" panose="020F0502020204030204" pitchFamily="34" charset="0"/>
-                <a:cs typeface="Arial" panose="020B0604020202020204" pitchFamily="34" charset="0"/>
-              </a:rPr>
-              <a:t>by converting raw data into actionable insight.</a:t>
-            </a:r>
-            <a:endParaRPr lang="en-IN" dirty="0">
-              <a:solidFill>
-                <a:srgbClr val="00B0F0"/>
-              </a:solidFill>
-              <a:latin typeface="Arial" panose="020B0604020202020204" pitchFamily="34" charset="0"/>
-              <a:ea typeface="Times New Roman" panose="02020603050405020304" pitchFamily="18" charset="0"/>
-            </a:endParaRPr>
-          </a:p>
-          <a:p>
-            <a:pPr>
-              <a:lnSpc>
-                <a:spcPct val="150000"/>
-              </a:lnSpc>
-              <a:spcAft>
-                <a:spcPts val="800"/>
-              </a:spcAft>
-              <a:buClr>
-                <a:srgbClr val="92D050"/>
-              </a:buClr>
-            </a:pPr>
-            <a:r>
-              <a:rPr lang="en-IN" dirty="0">
-                <a:solidFill>
-                  <a:schemeClr val="bg2"/>
-                </a:solidFill>
-                <a:latin typeface="Arial" panose="020B0604020202020204" pitchFamily="34" charset="0"/>
-              </a:rPr>
-              <a:t>☑</a:t>
-            </a:r>
-            <a:r>
-              <a:rPr lang="en-IN" dirty="0">
-                <a:solidFill>
-                  <a:schemeClr val="bg1"/>
-                </a:solidFill>
-                <a:latin typeface="Arial" panose="020B0604020202020204" pitchFamily="34" charset="0"/>
-                <a:ea typeface="Times New Roman" panose="02020603050405020304" pitchFamily="18" charset="0"/>
-              </a:rPr>
-              <a:t> </a:t>
-            </a:r>
-            <a:r>
-              <a:rPr lang="en-IN" dirty="0">
-                <a:solidFill>
-                  <a:schemeClr val="bg1"/>
-                </a:solidFill>
-                <a:latin typeface="Arial" panose="020B0604020202020204" pitchFamily="34" charset="0"/>
-                <a:ea typeface="Calibri" panose="020F0502020204030204" pitchFamily="34" charset="0"/>
-                <a:cs typeface="Arial" panose="020B0604020202020204" pitchFamily="34" charset="0"/>
-              </a:rPr>
-              <a:t> </a:t>
-            </a:r>
-            <a:r>
-              <a:rPr lang="en-IN" dirty="0">
-                <a:solidFill>
-                  <a:schemeClr val="bg1"/>
-                </a:solidFill>
-                <a:latin typeface="Arial" panose="020B0604020202020204" pitchFamily="34" charset="0"/>
-                <a:ea typeface="Times New Roman" panose="02020603050405020304" pitchFamily="18" charset="0"/>
-              </a:rPr>
-              <a:t>Help educators devise p</a:t>
-            </a:r>
-            <a:r>
-              <a:rPr lang="en-IN" dirty="0">
-                <a:solidFill>
-                  <a:schemeClr val="bg1"/>
-                </a:solidFill>
-                <a:latin typeface="Arial" panose="020B0604020202020204" pitchFamily="34" charset="0"/>
-              </a:rPr>
-              <a:t>ersonalized intervention plans &amp; support strategies for struggling students.</a:t>
-            </a:r>
-            <a:endParaRPr lang="en-IN" dirty="0">
-              <a:solidFill>
-                <a:schemeClr val="bg1"/>
-              </a:solidFill>
-              <a:effectLst/>
-              <a:latin typeface="Arial" panose="020B0604020202020204" pitchFamily="34" charset="0"/>
-              <a:ea typeface="Calibri" panose="020F0502020204030204" pitchFamily="34" charset="0"/>
-              <a:cs typeface="Arial" panose="020B0604020202020204" pitchFamily="34" charset="0"/>
-            </a:endParaRPr>
-          </a:p>
-          <a:p>
-            <a:pPr>
-              <a:lnSpc>
-                <a:spcPct val="150000"/>
-              </a:lnSpc>
-              <a:spcAft>
-                <a:spcPts val="800"/>
-              </a:spcAft>
-              <a:buClr>
-                <a:srgbClr val="92D050"/>
-              </a:buClr>
-            </a:pPr>
-            <a:r>
-              <a:rPr lang="en-IN" dirty="0">
-                <a:solidFill>
-                  <a:schemeClr val="bg2"/>
-                </a:solidFill>
-                <a:latin typeface="Arial" panose="020B0604020202020204" pitchFamily="34" charset="0"/>
-              </a:rPr>
-              <a:t>☑ </a:t>
-            </a:r>
-            <a:r>
-              <a:rPr lang="en-IN" dirty="0">
-                <a:solidFill>
-                  <a:srgbClr val="00B0F0"/>
-                </a:solidFill>
-                <a:latin typeface="Arial" panose="020B0604020202020204" pitchFamily="34" charset="0"/>
-                <a:ea typeface="Times New Roman" panose="02020603050405020304" pitchFamily="18" charset="0"/>
-              </a:rPr>
-              <a:t>R</a:t>
-            </a:r>
-            <a:r>
-              <a:rPr lang="en-IN" dirty="0">
-                <a:solidFill>
-                  <a:srgbClr val="00B0F0"/>
-                </a:solidFill>
-                <a:effectLst/>
-                <a:latin typeface="Arial" panose="020B0604020202020204" pitchFamily="34" charset="0"/>
-                <a:ea typeface="Times New Roman" panose="02020603050405020304" pitchFamily="18" charset="0"/>
-              </a:rPr>
-              <a:t>educes human reporting errors</a:t>
-            </a:r>
-            <a:endParaRPr lang="en-IN" dirty="0">
-              <a:solidFill>
-                <a:srgbClr val="00B0F0"/>
-              </a:solidFill>
-              <a:latin typeface="Arial" panose="020B0604020202020204" pitchFamily="34" charset="0"/>
-            </a:endParaRPr>
-          </a:p>
-          <a:p>
-            <a:pPr>
-              <a:lnSpc>
-                <a:spcPct val="150000"/>
-              </a:lnSpc>
-              <a:spcAft>
-                <a:spcPts val="800"/>
-              </a:spcAft>
-              <a:buClr>
-                <a:srgbClr val="92D050"/>
-              </a:buClr>
-            </a:pPr>
-            <a:r>
-              <a:rPr lang="en-IN" dirty="0">
-                <a:solidFill>
-                  <a:schemeClr val="bg2"/>
-                </a:solidFill>
-                <a:latin typeface="Arial" panose="020B0604020202020204" pitchFamily="34" charset="0"/>
-              </a:rPr>
-              <a:t>☑</a:t>
-            </a:r>
-            <a:r>
-              <a:rPr lang="en-IN" dirty="0">
-                <a:solidFill>
-                  <a:schemeClr val="bg2"/>
-                </a:solidFill>
-                <a:latin typeface="Arial" panose="020B0604020202020204" pitchFamily="34" charset="0"/>
-                <a:ea typeface="Times New Roman" panose="02020603050405020304" pitchFamily="18" charset="0"/>
-              </a:rPr>
-              <a:t> </a:t>
-            </a:r>
-            <a:r>
-              <a:rPr lang="en-IN" dirty="0">
-                <a:solidFill>
-                  <a:schemeClr val="bg2"/>
-                </a:solidFill>
-                <a:latin typeface="Arial" panose="020B0604020202020204" pitchFamily="34" charset="0"/>
-              </a:rPr>
-              <a:t>Saves time &amp; automates routine administrative tasks</a:t>
-            </a:r>
-          </a:p>
-          <a:p>
-            <a:pPr>
-              <a:lnSpc>
-                <a:spcPct val="150000"/>
-              </a:lnSpc>
-              <a:spcAft>
-                <a:spcPts val="800"/>
-              </a:spcAft>
-              <a:buClr>
-                <a:srgbClr val="92D050"/>
-              </a:buClr>
-            </a:pPr>
-            <a:r>
-              <a:rPr lang="en-IN" dirty="0">
-                <a:solidFill>
-                  <a:schemeClr val="bg2"/>
-                </a:solidFill>
-                <a:latin typeface="Arial" panose="020B0604020202020204" pitchFamily="34" charset="0"/>
-              </a:rPr>
-              <a:t>☑ </a:t>
-            </a:r>
-            <a:r>
-              <a:rPr lang="en-IN" dirty="0">
-                <a:solidFill>
-                  <a:srgbClr val="00B0F0"/>
-                </a:solidFill>
-                <a:latin typeface="Arial" panose="020B0604020202020204" pitchFamily="34" charset="0"/>
-              </a:rPr>
-              <a:t>Eliminates the use of paper </a:t>
-            </a:r>
-          </a:p>
-          <a:p>
-            <a:pPr>
-              <a:lnSpc>
-                <a:spcPct val="150000"/>
-              </a:lnSpc>
-              <a:spcAft>
-                <a:spcPts val="800"/>
-              </a:spcAft>
-              <a:buClr>
-                <a:srgbClr val="92D050"/>
-              </a:buClr>
-            </a:pPr>
-            <a:endParaRPr lang="en-IN" dirty="0">
-              <a:solidFill>
-                <a:srgbClr val="0D0D0D"/>
-              </a:solidFill>
-              <a:latin typeface="Arial" panose="020B0604020202020204" pitchFamily="34" charset="0"/>
-            </a:endParaRPr>
-          </a:p>
-          <a:p>
-            <a:pPr marL="285750" indent="-285750" algn="just">
-              <a:spcAft>
-                <a:spcPts val="800"/>
-              </a:spcAft>
-              <a:buClr>
-                <a:srgbClr val="92D050"/>
-              </a:buClr>
-              <a:buFont typeface="Wingdings" panose="05000000000000000000" pitchFamily="2" charset="2"/>
-              <a:buChar char="ü"/>
-            </a:pPr>
-            <a:endParaRPr lang="en-IN" dirty="0">
-              <a:solidFill>
-                <a:srgbClr val="0D0D0D"/>
-              </a:solidFill>
-              <a:latin typeface="Arial" panose="020B0604020202020204" pitchFamily="34" charset="0"/>
-            </a:endParaRPr>
-          </a:p>
-          <a:p>
-            <a:pPr marL="285750" indent="-285750" algn="just">
-              <a:spcAft>
-                <a:spcPts val="800"/>
-              </a:spcAft>
-              <a:buClr>
-                <a:srgbClr val="92D050"/>
-              </a:buClr>
-              <a:buFont typeface="Wingdings" panose="05000000000000000000" pitchFamily="2" charset="2"/>
-              <a:buChar char="ü"/>
-            </a:pPr>
-            <a:endParaRPr lang="en-IN" dirty="0">
-              <a:solidFill>
-                <a:schemeClr val="bg2"/>
-              </a:solidFill>
-              <a:latin typeface="Futura Bk BT" panose="020B0502020204020303" pitchFamily="34" charset="0"/>
-            </a:endParaRPr>
-          </a:p>
-        </p:txBody>
-      </p:sp>
-    </p:spTree>
-    <p:extLst>
-      <p:ext uri="{BB962C8B-B14F-4D97-AF65-F5344CB8AC3E}">
-        <p14:creationId xmlns:p14="http://schemas.microsoft.com/office/powerpoint/2010/main" val="1098952372"/>
       </p:ext>
     </p:extLst>
   </p:cSld>
